--- a/présentation.pptx
+++ b/présentation.pptx
@@ -5,23 +5,30 @@
     <p:sldMasterId id="2147483648" r:id="rId1"/>
   </p:sldMasterIdLst>
   <p:handoutMasterIdLst>
-    <p:handoutMasterId r:id="rId16"/>
+    <p:handoutMasterId r:id="rId23"/>
   </p:handoutMasterIdLst>
   <p:sldIdLst>
     <p:sldId id="256" r:id="rId2"/>
     <p:sldId id="260" r:id="rId3"/>
     <p:sldId id="257" r:id="rId4"/>
-    <p:sldId id="258" r:id="rId5"/>
-    <p:sldId id="261" r:id="rId6"/>
-    <p:sldId id="262" r:id="rId7"/>
-    <p:sldId id="259" r:id="rId8"/>
-    <p:sldId id="265" r:id="rId9"/>
-    <p:sldId id="267" r:id="rId10"/>
-    <p:sldId id="268" r:id="rId11"/>
-    <p:sldId id="270" r:id="rId12"/>
-    <p:sldId id="271" r:id="rId13"/>
-    <p:sldId id="272" r:id="rId14"/>
-    <p:sldId id="273" r:id="rId15"/>
+    <p:sldId id="275" r:id="rId5"/>
+    <p:sldId id="258" r:id="rId6"/>
+    <p:sldId id="274" r:id="rId7"/>
+    <p:sldId id="262" r:id="rId8"/>
+    <p:sldId id="261" r:id="rId9"/>
+    <p:sldId id="279" r:id="rId10"/>
+    <p:sldId id="259" r:id="rId11"/>
+    <p:sldId id="276" r:id="rId12"/>
+    <p:sldId id="277" r:id="rId13"/>
+    <p:sldId id="265" r:id="rId14"/>
+    <p:sldId id="267" r:id="rId15"/>
+    <p:sldId id="278" r:id="rId16"/>
+    <p:sldId id="268" r:id="rId17"/>
+    <p:sldId id="270" r:id="rId18"/>
+    <p:sldId id="271" r:id="rId19"/>
+    <p:sldId id="272" r:id="rId20"/>
+    <p:sldId id="280" r:id="rId21"/>
+    <p:sldId id="273" r:id="rId22"/>
   </p:sldIdLst>
   <p:sldSz cx="12192000" cy="6858000"/>
   <p:notesSz cx="6858000" cy="9144000"/>
@@ -217,7 +224,7 @@
           <a:p>
             <a:fld id="{47F306FC-17F2-4252-9607-2F1D78D8948E}" type="datetimeFigureOut">
               <a:rPr lang="fr-FR" smtClean="0"/>
-              <a:t>17/05/2017</a:t>
+              <a:t>18/05/2017</a:t>
             </a:fld>
             <a:endParaRPr lang="fr-FR"/>
           </a:p>
@@ -429,7 +436,7 @@
           <a:p>
             <a:fld id="{484F23B9-B8E4-47AE-9651-1D7467353FC5}" type="datetimeFigureOut">
               <a:rPr lang="fr-FR" smtClean="0"/>
-              <a:t>17/05/2017</a:t>
+              <a:t>18/05/2017</a:t>
             </a:fld>
             <a:endParaRPr lang="fr-FR"/>
           </a:p>
@@ -597,7 +604,7 @@
           <a:p>
             <a:fld id="{484F23B9-B8E4-47AE-9651-1D7467353FC5}" type="datetimeFigureOut">
               <a:rPr lang="fr-FR" smtClean="0"/>
-              <a:t>17/05/2017</a:t>
+              <a:t>18/05/2017</a:t>
             </a:fld>
             <a:endParaRPr lang="fr-FR"/>
           </a:p>
@@ -775,7 +782,7 @@
           <a:p>
             <a:fld id="{484F23B9-B8E4-47AE-9651-1D7467353FC5}" type="datetimeFigureOut">
               <a:rPr lang="fr-FR" smtClean="0"/>
-              <a:t>17/05/2017</a:t>
+              <a:t>18/05/2017</a:t>
             </a:fld>
             <a:endParaRPr lang="fr-FR"/>
           </a:p>
@@ -951,7 +958,7 @@
           <a:p>
             <a:fld id="{484F23B9-B8E4-47AE-9651-1D7467353FC5}" type="datetimeFigureOut">
               <a:rPr lang="fr-FR" smtClean="0"/>
-              <a:t>17/05/2017</a:t>
+              <a:t>18/05/2017</a:t>
             </a:fld>
             <a:endParaRPr lang="fr-FR"/>
           </a:p>
@@ -1266,7 +1273,7 @@
           <a:p>
             <a:fld id="{484F23B9-B8E4-47AE-9651-1D7467353FC5}" type="datetimeFigureOut">
               <a:rPr lang="fr-FR" smtClean="0"/>
-              <a:t>17/05/2017</a:t>
+              <a:t>18/05/2017</a:t>
             </a:fld>
             <a:endParaRPr lang="fr-FR"/>
           </a:p>
@@ -1495,7 +1502,7 @@
           <a:p>
             <a:fld id="{484F23B9-B8E4-47AE-9651-1D7467353FC5}" type="datetimeFigureOut">
               <a:rPr lang="fr-FR" smtClean="0"/>
-              <a:t>17/05/2017</a:t>
+              <a:t>18/05/2017</a:t>
             </a:fld>
             <a:endParaRPr lang="fr-FR"/>
           </a:p>
@@ -1859,7 +1866,7 @@
           <a:p>
             <a:fld id="{484F23B9-B8E4-47AE-9651-1D7467353FC5}" type="datetimeFigureOut">
               <a:rPr lang="fr-FR" smtClean="0"/>
-              <a:t>17/05/2017</a:t>
+              <a:t>18/05/2017</a:t>
             </a:fld>
             <a:endParaRPr lang="fr-FR"/>
           </a:p>
@@ -1976,7 +1983,7 @@
           <a:p>
             <a:fld id="{484F23B9-B8E4-47AE-9651-1D7467353FC5}" type="datetimeFigureOut">
               <a:rPr lang="fr-FR" smtClean="0"/>
-              <a:t>17/05/2017</a:t>
+              <a:t>18/05/2017</a:t>
             </a:fld>
             <a:endParaRPr lang="fr-FR"/>
           </a:p>
@@ -2071,7 +2078,7 @@
           <a:p>
             <a:fld id="{484F23B9-B8E4-47AE-9651-1D7467353FC5}" type="datetimeFigureOut">
               <a:rPr lang="fr-FR" smtClean="0"/>
-              <a:t>17/05/2017</a:t>
+              <a:t>18/05/2017</a:t>
             </a:fld>
             <a:endParaRPr lang="fr-FR"/>
           </a:p>
@@ -2346,7 +2353,7 @@
           <a:p>
             <a:fld id="{484F23B9-B8E4-47AE-9651-1D7467353FC5}" type="datetimeFigureOut">
               <a:rPr lang="fr-FR" smtClean="0"/>
-              <a:t>17/05/2017</a:t>
+              <a:t>18/05/2017</a:t>
             </a:fld>
             <a:endParaRPr lang="fr-FR"/>
           </a:p>
@@ -2598,7 +2605,7 @@
           <a:p>
             <a:fld id="{484F23B9-B8E4-47AE-9651-1D7467353FC5}" type="datetimeFigureOut">
               <a:rPr lang="fr-FR" smtClean="0"/>
-              <a:t>17/05/2017</a:t>
+              <a:t>18/05/2017</a:t>
             </a:fld>
             <a:endParaRPr lang="fr-FR"/>
           </a:p>
@@ -2812,7 +2819,7 @@
           <a:p>
             <a:fld id="{484F23B9-B8E4-47AE-9651-1D7467353FC5}" type="datetimeFigureOut">
               <a:rPr lang="fr-FR" smtClean="0"/>
-              <a:t>17/05/2017</a:t>
+              <a:t>18/05/2017</a:t>
             </a:fld>
             <a:endParaRPr lang="fr-FR"/>
           </a:p>
@@ -3258,7 +3265,7 @@
           <a:bodyPr/>
           <a:lstStyle/>
           <a:p>
-            <a:endParaRPr lang="fr-FR" dirty="0">
+            <a:endParaRPr lang="fr-FR" sz="3200" b="1" dirty="0">
               <a:solidFill>
                 <a:schemeClr val="bg1"/>
               </a:solidFill>
@@ -3266,6 +3273,66 @@
           </a:p>
         </p:txBody>
       </p:sp>
+      <p:pic>
+        <p:nvPicPr>
+          <p:cNvPr id="4" name="Image 3"/>
+          <p:cNvPicPr>
+            <a:picLocks noChangeAspect="1"/>
+          </p:cNvPicPr>
+          <p:nvPr/>
+        </p:nvPicPr>
+        <p:blipFill>
+          <a:blip r:embed="rId2">
+            <a:extLst>
+              <a:ext uri="{28A0092B-C50C-407E-A947-70E740481C1C}">
+                <a14:useLocalDpi xmlns:a14="http://schemas.microsoft.com/office/drawing/2010/main" val="0"/>
+              </a:ext>
+            </a:extLst>
+          </a:blip>
+          <a:stretch>
+            <a:fillRect/>
+          </a:stretch>
+        </p:blipFill>
+        <p:spPr>
+          <a:xfrm>
+            <a:off x="-2255394" y="-1074295"/>
+            <a:ext cx="7073016" cy="3504762"/>
+          </a:xfrm>
+          <a:prstGeom prst="rect">
+            <a:avLst/>
+          </a:prstGeom>
+        </p:spPr>
+      </p:pic>
+      <p:pic>
+        <p:nvPicPr>
+          <p:cNvPr id="5" name="Image 4"/>
+          <p:cNvPicPr>
+            <a:picLocks noChangeAspect="1"/>
+          </p:cNvPicPr>
+          <p:nvPr/>
+        </p:nvPicPr>
+        <p:blipFill>
+          <a:blip r:embed="rId2">
+            <a:extLst>
+              <a:ext uri="{28A0092B-C50C-407E-A947-70E740481C1C}">
+                <a14:useLocalDpi xmlns:a14="http://schemas.microsoft.com/office/drawing/2010/main" val="0"/>
+              </a:ext>
+            </a:extLst>
+          </a:blip>
+          <a:stretch>
+            <a:fillRect/>
+          </a:stretch>
+        </p:blipFill>
+        <p:spPr>
+          <a:xfrm>
+            <a:off x="6631430" y="4426840"/>
+            <a:ext cx="7073016" cy="3504762"/>
+          </a:xfrm>
+          <a:prstGeom prst="rect">
+            <a:avLst/>
+          </a:prstGeom>
+        </p:spPr>
+      </p:pic>
     </p:spTree>
     <p:extLst>
       <p:ext uri="{BB962C8B-B14F-4D97-AF65-F5344CB8AC3E}">
@@ -3276,6 +3343,13 @@
   <p:clrMapOvr>
     <a:masterClrMapping/>
   </p:clrMapOvr>
+  <p:timing>
+    <p:tnLst>
+      <p:par>
+        <p:cTn id="1" dur="indefinite" restart="never" nodeType="tmRoot"/>
+      </p:par>
+    </p:tnLst>
+  </p:timing>
 </p:sld>
 </file>
 
@@ -3312,172 +3386,26 @@
           <a:lstStyle/>
           <a:p>
             <a:r>
+              <a:rPr lang="fr-FR" dirty="0" smtClean="0"/>
+              <a:t>Technologies </a:t>
+            </a:r>
+            <a:r>
               <a:rPr lang="fr-FR" dirty="0"/>
-              <a:t>Passage de Chart.js à </a:t>
-            </a:r>
-            <a:r>
-              <a:rPr lang="fr-FR" dirty="0" err="1"/>
-              <a:t>Highcharts</a:t>
-            </a:r>
-            <a:endParaRPr lang="fr-FR" dirty="0"/>
-          </a:p>
-        </p:txBody>
-      </p:sp>
-      <p:sp>
-        <p:nvSpPr>
-          <p:cNvPr id="3" name="Espace réservé du contenu 2"/>
-          <p:cNvSpPr>
-            <a:spLocks noGrp="1"/>
-          </p:cNvSpPr>
-          <p:nvPr>
-            <p:ph idx="1"/>
-          </p:nvPr>
-        </p:nvSpPr>
-        <p:spPr/>
-        <p:txBody>
-          <a:bodyPr/>
-          <a:lstStyle/>
-          <a:p>
-            <a:endParaRPr lang="fr-FR" dirty="0"/>
-          </a:p>
-          <a:p>
-            <a:r>
-              <a:rPr lang="fr-FR" dirty="0"/>
-              <a:t>Conseillé par le client</a:t>
-            </a:r>
-          </a:p>
-          <a:p>
-            <a:endParaRPr lang="fr-FR" dirty="0"/>
-          </a:p>
-          <a:p>
-            <a:r>
-              <a:rPr lang="fr-FR" dirty="0"/>
-              <a:t>Options supplémentaires</a:t>
-            </a:r>
-          </a:p>
-          <a:p>
-            <a:endParaRPr lang="fr-FR" dirty="0"/>
-          </a:p>
-          <a:p>
-            <a:r>
-              <a:rPr lang="fr-FR" dirty="0"/>
-              <a:t>Export pris en charge</a:t>
-            </a:r>
-          </a:p>
-        </p:txBody>
-      </p:sp>
-    </p:spTree>
-    <p:extLst>
-      <p:ext uri="{BB962C8B-B14F-4D97-AF65-F5344CB8AC3E}">
-        <p14:creationId xmlns:p14="http://schemas.microsoft.com/office/powerpoint/2010/main" val="988608978"/>
-      </p:ext>
-    </p:extLst>
-  </p:cSld>
-  <p:clrMapOvr>
-    <a:masterClrMapping/>
-  </p:clrMapOvr>
-</p:sld>
-</file>
-
-<file path=ppt/slides/slide11.xml><?xml version="1.0" encoding="utf-8"?>
-<p:sld xmlns:a="http://schemas.openxmlformats.org/drawingml/2006/main" xmlns:r="http://schemas.openxmlformats.org/officeDocument/2006/relationships" xmlns:p="http://schemas.openxmlformats.org/presentationml/2006/main">
-  <p:cSld>
-    <p:spTree>
-      <p:nvGrpSpPr>
-        <p:cNvPr id="1" name=""/>
-        <p:cNvGrpSpPr/>
-        <p:nvPr/>
-      </p:nvGrpSpPr>
-      <p:grpSpPr>
-        <a:xfrm>
-          <a:off x="0" y="0"/>
-          <a:ext cx="0" cy="0"/>
-          <a:chOff x="0" y="0"/>
-          <a:chExt cx="0" cy="0"/>
-        </a:xfrm>
-      </p:grpSpPr>
-      <p:sp>
-        <p:nvSpPr>
-          <p:cNvPr id="2" name="Titre 1"/>
-          <p:cNvSpPr>
-            <a:spLocks noGrp="1"/>
-          </p:cNvSpPr>
-          <p:nvPr>
-            <p:ph type="title"/>
-          </p:nvPr>
-        </p:nvSpPr>
-        <p:spPr/>
-        <p:txBody>
-          <a:bodyPr/>
-          <a:lstStyle/>
-          <a:p>
-            <a:r>
-              <a:rPr lang="fr-FR" dirty="0"/>
-              <a:t>Gestion de projet dans le groupe </a:t>
-            </a:r>
-          </a:p>
-        </p:txBody>
-      </p:sp>
-      <p:sp>
-        <p:nvSpPr>
-          <p:cNvPr id="3" name="Espace réservé du contenu 2"/>
-          <p:cNvSpPr>
-            <a:spLocks noGrp="1"/>
-          </p:cNvSpPr>
-          <p:nvPr>
-            <p:ph idx="1"/>
-          </p:nvPr>
-        </p:nvSpPr>
-        <p:spPr/>
-        <p:txBody>
-          <a:bodyPr/>
-          <a:lstStyle/>
-          <a:p>
-            <a:r>
-              <a:rPr lang="fr-FR" dirty="0"/>
-              <a:t>Répartition des différentes fonctionnalités : </a:t>
-            </a:r>
-            <a:r>
-              <a:rPr lang="fr-FR" dirty="0" err="1"/>
-              <a:t>Trello</a:t>
-            </a:r>
-            <a:endParaRPr lang="fr-FR" dirty="0"/>
-          </a:p>
-          <a:p>
-            <a:endParaRPr lang="fr-FR" dirty="0"/>
-          </a:p>
-          <a:p>
-            <a:endParaRPr lang="fr-FR" dirty="0"/>
-          </a:p>
-          <a:p>
-            <a:pPr marL="0" indent="0">
-              <a:buNone/>
-            </a:pPr>
-            <a:endParaRPr lang="fr-FR" dirty="0"/>
-          </a:p>
-          <a:p>
-            <a:r>
-              <a:rPr lang="fr-FR" dirty="0"/>
-              <a:t>Mise en commun du travail : </a:t>
-            </a:r>
-            <a:r>
-              <a:rPr lang="fr-FR" dirty="0" err="1"/>
-              <a:t>Github</a:t>
-            </a:r>
-            <a:endParaRPr lang="fr-FR" dirty="0"/>
+              <a:t>utilisées</a:t>
+            </a:r>
           </a:p>
         </p:txBody>
       </p:sp>
       <p:pic>
         <p:nvPicPr>
-          <p:cNvPr id="5" name="Image 4"/>
+          <p:cNvPr id="29" name="Image 28"/>
           <p:cNvPicPr>
             <a:picLocks noChangeAspect="1"/>
           </p:cNvPicPr>
           <p:nvPr/>
         </p:nvPicPr>
         <p:blipFill>
-          <a:blip r:embed="rId2">
+          <a:blip r:embed="rId2" cstate="print">
             <a:extLst>
               <a:ext uri="{28A0092B-C50C-407E-A947-70E740481C1C}">
                 <a14:useLocalDpi xmlns:a14="http://schemas.microsoft.com/office/drawing/2010/main" val="0"/>
@@ -3490,8 +3418,8 @@
         </p:blipFill>
         <p:spPr>
           <a:xfrm>
-            <a:off x="2000250" y="2336478"/>
-            <a:ext cx="3762375" cy="1156346"/>
+            <a:off x="1328807" y="4051009"/>
+            <a:ext cx="1909471" cy="1118831"/>
           </a:xfrm>
           <a:prstGeom prst="rect">
             <a:avLst/>
@@ -3500,14 +3428,14 @@
       </p:pic>
       <p:pic>
         <p:nvPicPr>
-          <p:cNvPr id="7" name="Image 6"/>
+          <p:cNvPr id="39" name="Image 38"/>
           <p:cNvPicPr>
             <a:picLocks noChangeAspect="1"/>
           </p:cNvPicPr>
           <p:nvPr/>
         </p:nvPicPr>
         <p:blipFill>
-          <a:blip r:embed="rId3">
+          <a:blip r:embed="rId3" cstate="print">
             <a:extLst>
               <a:ext uri="{28A0092B-C50C-407E-A947-70E740481C1C}">
                 <a14:useLocalDpi xmlns:a14="http://schemas.microsoft.com/office/drawing/2010/main" val="0"/>
@@ -3520,682 +3448,24 @@
         </p:blipFill>
         <p:spPr>
           <a:xfrm>
-            <a:off x="2217278" y="4621003"/>
-            <a:ext cx="3328318" cy="1233697"/>
+            <a:off x="1625191" y="3034572"/>
+            <a:ext cx="1316704" cy="711020"/>
           </a:xfrm>
           <a:prstGeom prst="rect">
             <a:avLst/>
           </a:prstGeom>
         </p:spPr>
       </p:pic>
-    </p:spTree>
-    <p:extLst>
-      <p:ext uri="{BB962C8B-B14F-4D97-AF65-F5344CB8AC3E}">
-        <p14:creationId xmlns:p14="http://schemas.microsoft.com/office/powerpoint/2010/main" val="3569410295"/>
-      </p:ext>
-    </p:extLst>
-  </p:cSld>
-  <p:clrMapOvr>
-    <a:masterClrMapping/>
-  </p:clrMapOvr>
-</p:sld>
-</file>
-
-<file path=ppt/slides/slide12.xml><?xml version="1.0" encoding="utf-8"?>
-<p:sld xmlns:a="http://schemas.openxmlformats.org/drawingml/2006/main" xmlns:r="http://schemas.openxmlformats.org/officeDocument/2006/relationships" xmlns:p="http://schemas.openxmlformats.org/presentationml/2006/main">
-  <p:cSld>
-    <p:spTree>
-      <p:nvGrpSpPr>
-        <p:cNvPr id="1" name=""/>
-        <p:cNvGrpSpPr/>
-        <p:nvPr/>
-      </p:nvGrpSpPr>
-      <p:grpSpPr>
-        <a:xfrm>
-          <a:off x="0" y="0"/>
-          <a:ext cx="0" cy="0"/>
-          <a:chOff x="0" y="0"/>
-          <a:chExt cx="0" cy="0"/>
-        </a:xfrm>
-      </p:grpSpPr>
-      <p:sp>
-        <p:nvSpPr>
-          <p:cNvPr id="2" name="Titre 1"/>
-          <p:cNvSpPr>
-            <a:spLocks noGrp="1"/>
-          </p:cNvSpPr>
-          <p:nvPr>
-            <p:ph type="title"/>
-          </p:nvPr>
-        </p:nvSpPr>
-        <p:spPr/>
-        <p:txBody>
-          <a:bodyPr/>
-          <a:lstStyle/>
-          <a:p>
-            <a:r>
-              <a:rPr lang="fr-FR"/>
-              <a:t>Avec </a:t>
-            </a:r>
-            <a:r>
-              <a:rPr lang="fr-FR" dirty="0"/>
-              <a:t>les personnes tierces</a:t>
-            </a:r>
-          </a:p>
-        </p:txBody>
-      </p:sp>
-      <p:sp>
-        <p:nvSpPr>
-          <p:cNvPr id="3" name="Espace réservé du contenu 2"/>
-          <p:cNvSpPr>
-            <a:spLocks noGrp="1"/>
-          </p:cNvSpPr>
-          <p:nvPr>
-            <p:ph idx="1"/>
-          </p:nvPr>
-        </p:nvSpPr>
-        <p:spPr/>
-        <p:txBody>
-          <a:bodyPr/>
-          <a:lstStyle/>
-          <a:p>
-            <a:endParaRPr lang="fr-FR" dirty="0"/>
-          </a:p>
-          <a:p>
-            <a:r>
-              <a:rPr lang="fr-FR" dirty="0"/>
-              <a:t>Client</a:t>
-            </a:r>
-          </a:p>
-          <a:p>
-            <a:pPr lvl="1"/>
-            <a:r>
-              <a:rPr lang="fr-FR" dirty="0" err="1"/>
-              <a:t>Versionning</a:t>
-            </a:r>
-            <a:endParaRPr lang="fr-FR" dirty="0"/>
-          </a:p>
-          <a:p>
-            <a:pPr lvl="1"/>
-            <a:r>
-              <a:rPr lang="fr-FR" dirty="0"/>
-              <a:t>Réunion régulière</a:t>
-            </a:r>
-          </a:p>
-          <a:p>
-            <a:endParaRPr lang="fr-FR" dirty="0"/>
-          </a:p>
-          <a:p>
-            <a:r>
-              <a:rPr lang="fr-FR" dirty="0"/>
-              <a:t>ESET</a:t>
-            </a:r>
-          </a:p>
-          <a:p>
-            <a:pPr lvl="1"/>
-            <a:r>
-              <a:rPr lang="fr-FR" dirty="0"/>
-              <a:t>Principalement par mail</a:t>
-            </a:r>
-          </a:p>
-          <a:p>
-            <a:pPr lvl="1"/>
-            <a:r>
-              <a:rPr lang="fr-FR" dirty="0"/>
-              <a:t>Réunion</a:t>
-            </a:r>
-          </a:p>
-        </p:txBody>
-      </p:sp>
-    </p:spTree>
-    <p:extLst>
-      <p:ext uri="{BB962C8B-B14F-4D97-AF65-F5344CB8AC3E}">
-        <p14:creationId xmlns:p14="http://schemas.microsoft.com/office/powerpoint/2010/main" val="2054433436"/>
-      </p:ext>
-    </p:extLst>
-  </p:cSld>
-  <p:clrMapOvr>
-    <a:masterClrMapping/>
-  </p:clrMapOvr>
-</p:sld>
-</file>
-
-<file path=ppt/slides/slide13.xml><?xml version="1.0" encoding="utf-8"?>
-<p:sld xmlns:a="http://schemas.openxmlformats.org/drawingml/2006/main" xmlns:r="http://schemas.openxmlformats.org/officeDocument/2006/relationships" xmlns:p="http://schemas.openxmlformats.org/presentationml/2006/main">
-  <p:cSld>
-    <p:spTree>
-      <p:nvGrpSpPr>
-        <p:cNvPr id="1" name=""/>
-        <p:cNvGrpSpPr/>
-        <p:nvPr/>
-      </p:nvGrpSpPr>
-      <p:grpSpPr>
-        <a:xfrm>
-          <a:off x="0" y="0"/>
-          <a:ext cx="0" cy="0"/>
-          <a:chOff x="0" y="0"/>
-          <a:chExt cx="0" cy="0"/>
-        </a:xfrm>
-      </p:grpSpPr>
-      <p:sp>
-        <p:nvSpPr>
-          <p:cNvPr id="2" name="Titre 1"/>
-          <p:cNvSpPr>
-            <a:spLocks noGrp="1"/>
-          </p:cNvSpPr>
-          <p:nvPr>
-            <p:ph type="title"/>
-          </p:nvPr>
-        </p:nvSpPr>
-        <p:spPr/>
-        <p:txBody>
-          <a:bodyPr/>
-          <a:lstStyle/>
-          <a:p>
-            <a:r>
-              <a:rPr lang="fr-FR" dirty="0"/>
-              <a:t>Bilan</a:t>
-            </a:r>
-          </a:p>
-        </p:txBody>
-      </p:sp>
-      <p:sp>
-        <p:nvSpPr>
-          <p:cNvPr id="3" name="Espace réservé du contenu 2"/>
-          <p:cNvSpPr>
-            <a:spLocks noGrp="1"/>
-          </p:cNvSpPr>
-          <p:nvPr>
-            <p:ph idx="1"/>
-          </p:nvPr>
-        </p:nvSpPr>
-        <p:spPr/>
-        <p:txBody>
-          <a:bodyPr/>
-          <a:lstStyle/>
-          <a:p>
-            <a:r>
-              <a:rPr lang="fr-FR" dirty="0"/>
-              <a:t>Problème</a:t>
-            </a:r>
-          </a:p>
-          <a:p>
-            <a:pPr lvl="1"/>
-            <a:r>
-              <a:rPr lang="fr-FR" dirty="0"/>
-              <a:t>Coordination avec les ESET</a:t>
-            </a:r>
-          </a:p>
-          <a:p>
-            <a:pPr lvl="1"/>
-            <a:r>
-              <a:rPr lang="fr-FR" dirty="0"/>
-              <a:t>difficultés de compréhension de la mission</a:t>
-            </a:r>
-          </a:p>
-          <a:p>
-            <a:endParaRPr lang="fr-FR" dirty="0"/>
-          </a:p>
-          <a:p>
-            <a:r>
-              <a:rPr lang="fr-FR" dirty="0"/>
-              <a:t>Appris</a:t>
-            </a:r>
-          </a:p>
-          <a:p>
-            <a:pPr lvl="1"/>
-            <a:r>
-              <a:rPr lang="fr-FR" dirty="0"/>
-              <a:t>Travailler en équipe</a:t>
-            </a:r>
-          </a:p>
-          <a:p>
-            <a:pPr lvl="1"/>
-            <a:r>
-              <a:rPr lang="fr-FR" dirty="0"/>
-              <a:t>Se coordonner avec des personnes externes au groupe</a:t>
-            </a:r>
-          </a:p>
-          <a:p>
-            <a:pPr lvl="1"/>
-            <a:r>
-              <a:rPr lang="fr-FR" dirty="0" err="1"/>
-              <a:t>Versionning</a:t>
-            </a:r>
-            <a:endParaRPr lang="fr-FR" dirty="0"/>
-          </a:p>
-          <a:p>
-            <a:pPr lvl="1"/>
-            <a:r>
-              <a:rPr lang="fr-FR" dirty="0"/>
-              <a:t>Apprentissage des technos</a:t>
-            </a:r>
-          </a:p>
-        </p:txBody>
-      </p:sp>
-    </p:spTree>
-    <p:extLst>
-      <p:ext uri="{BB962C8B-B14F-4D97-AF65-F5344CB8AC3E}">
-        <p14:creationId xmlns:p14="http://schemas.microsoft.com/office/powerpoint/2010/main" val="1874755165"/>
-      </p:ext>
-    </p:extLst>
-  </p:cSld>
-  <p:clrMapOvr>
-    <a:masterClrMapping/>
-  </p:clrMapOvr>
-</p:sld>
-</file>
-
-<file path=ppt/slides/slide14.xml><?xml version="1.0" encoding="utf-8"?>
-<p:sld xmlns:a="http://schemas.openxmlformats.org/drawingml/2006/main" xmlns:r="http://schemas.openxmlformats.org/officeDocument/2006/relationships" xmlns:p="http://schemas.openxmlformats.org/presentationml/2006/main">
-  <p:cSld>
-    <p:spTree>
-      <p:nvGrpSpPr>
-        <p:cNvPr id="1" name=""/>
-        <p:cNvGrpSpPr/>
-        <p:nvPr/>
-      </p:nvGrpSpPr>
-      <p:grpSpPr>
-        <a:xfrm>
-          <a:off x="0" y="0"/>
-          <a:ext cx="0" cy="0"/>
-          <a:chOff x="0" y="0"/>
-          <a:chExt cx="0" cy="0"/>
-        </a:xfrm>
-      </p:grpSpPr>
-      <p:sp>
-        <p:nvSpPr>
-          <p:cNvPr id="6" name="Titre 5"/>
-          <p:cNvSpPr>
-            <a:spLocks noGrp="1"/>
-          </p:cNvSpPr>
-          <p:nvPr>
-            <p:ph type="ctrTitle"/>
-          </p:nvPr>
-        </p:nvSpPr>
-        <p:spPr/>
-        <p:txBody>
-          <a:bodyPr/>
-          <a:lstStyle/>
-          <a:p>
-            <a:r>
-              <a:rPr lang="fr-FR" dirty="0">
-                <a:solidFill>
-                  <a:srgbClr val="FCC434"/>
-                </a:solidFill>
-              </a:rPr>
-              <a:t>MERCI</a:t>
-            </a:r>
-          </a:p>
-        </p:txBody>
-      </p:sp>
-      <p:sp>
-        <p:nvSpPr>
-          <p:cNvPr id="7" name="Sous-titre 6"/>
-          <p:cNvSpPr>
-            <a:spLocks noGrp="1"/>
-          </p:cNvSpPr>
-          <p:nvPr>
-            <p:ph type="subTitle" idx="1"/>
-          </p:nvPr>
-        </p:nvSpPr>
-        <p:spPr/>
-        <p:txBody>
-          <a:bodyPr/>
-          <a:lstStyle/>
-          <a:p>
-            <a:r>
-              <a:rPr lang="fr-FR" dirty="0"/>
-              <a:t>bonnes vacances</a:t>
-            </a:r>
-          </a:p>
-        </p:txBody>
-      </p:sp>
-    </p:spTree>
-    <p:extLst>
-      <p:ext uri="{BB962C8B-B14F-4D97-AF65-F5344CB8AC3E}">
-        <p14:creationId xmlns:p14="http://schemas.microsoft.com/office/powerpoint/2010/main" val="615357940"/>
-      </p:ext>
-    </p:extLst>
-  </p:cSld>
-  <p:clrMapOvr>
-    <a:masterClrMapping/>
-  </p:clrMapOvr>
-</p:sld>
-</file>
-
-<file path=ppt/slides/slide2.xml><?xml version="1.0" encoding="utf-8"?>
-<p:sld xmlns:a="http://schemas.openxmlformats.org/drawingml/2006/main" xmlns:r="http://schemas.openxmlformats.org/officeDocument/2006/relationships" xmlns:p="http://schemas.openxmlformats.org/presentationml/2006/main">
-  <p:cSld>
-    <p:spTree>
-      <p:nvGrpSpPr>
-        <p:cNvPr id="1" name=""/>
-        <p:cNvGrpSpPr/>
-        <p:nvPr/>
-      </p:nvGrpSpPr>
-      <p:grpSpPr>
-        <a:xfrm>
-          <a:off x="0" y="0"/>
-          <a:ext cx="0" cy="0"/>
-          <a:chOff x="0" y="0"/>
-          <a:chExt cx="0" cy="0"/>
-        </a:xfrm>
-      </p:grpSpPr>
-      <p:sp>
-        <p:nvSpPr>
-          <p:cNvPr id="2" name="Titre 1"/>
-          <p:cNvSpPr>
-            <a:spLocks noGrp="1"/>
-          </p:cNvSpPr>
-          <p:nvPr>
-            <p:ph type="title"/>
-          </p:nvPr>
-        </p:nvSpPr>
-        <p:spPr/>
-        <p:txBody>
-          <a:bodyPr/>
-          <a:lstStyle/>
-          <a:p>
-            <a:r>
-              <a:rPr lang="fr-FR" dirty="0"/>
-              <a:t>Plan</a:t>
-            </a:r>
-          </a:p>
-        </p:txBody>
-      </p:sp>
-      <p:sp>
-        <p:nvSpPr>
-          <p:cNvPr id="3" name="Espace réservé du contenu 2"/>
-          <p:cNvSpPr>
-            <a:spLocks noGrp="1"/>
-          </p:cNvSpPr>
-          <p:nvPr>
-            <p:ph idx="1"/>
-          </p:nvPr>
-        </p:nvSpPr>
-        <p:spPr/>
-        <p:txBody>
-          <a:bodyPr>
-            <a:normAutofit fontScale="70000" lnSpcReduction="20000"/>
-          </a:bodyPr>
-          <a:lstStyle/>
-          <a:p>
-            <a:r>
-              <a:rPr lang="fr-FR" dirty="0"/>
-              <a:t>Présentation des acteurs</a:t>
-            </a:r>
-          </a:p>
-          <a:p>
-            <a:r>
-              <a:rPr lang="fr-FR" dirty="0"/>
-              <a:t>Objectif</a:t>
-            </a:r>
-          </a:p>
-          <a:p>
-            <a:r>
-              <a:rPr lang="fr-FR" dirty="0"/>
-              <a:t>Fonctionnalités</a:t>
-            </a:r>
-          </a:p>
-          <a:p>
-            <a:pPr lvl="1"/>
-            <a:r>
-              <a:rPr lang="fr-FR" dirty="0"/>
-              <a:t>Affichage des graphiques</a:t>
-            </a:r>
-          </a:p>
-          <a:p>
-            <a:pPr lvl="1"/>
-            <a:r>
-              <a:rPr lang="fr-FR" dirty="0"/>
-              <a:t>Affichage du flux vidéo</a:t>
-            </a:r>
-          </a:p>
-          <a:p>
-            <a:r>
-              <a:rPr lang="fr-FR" dirty="0"/>
-              <a:t>Technologie utilisées</a:t>
-            </a:r>
-          </a:p>
-          <a:p>
-            <a:r>
-              <a:rPr lang="fr-FR" dirty="0"/>
-              <a:t>Solution</a:t>
-            </a:r>
-          </a:p>
-          <a:p>
-            <a:pPr lvl="1"/>
-            <a:r>
-              <a:rPr lang="fr-FR" dirty="0"/>
-              <a:t>html/</a:t>
-            </a:r>
-            <a:r>
-              <a:rPr lang="fr-FR" dirty="0" err="1"/>
-              <a:t>css</a:t>
-            </a:r>
-            <a:endParaRPr lang="fr-FR" dirty="0"/>
-          </a:p>
-          <a:p>
-            <a:pPr lvl="1"/>
-            <a:r>
-              <a:rPr lang="fr-FR" dirty="0"/>
-              <a:t>Passage de xml à MySQL</a:t>
-            </a:r>
-          </a:p>
-          <a:p>
-            <a:pPr lvl="1"/>
-            <a:r>
-              <a:rPr lang="fr-FR" dirty="0" err="1"/>
-              <a:t>Php</a:t>
-            </a:r>
-            <a:r>
-              <a:rPr lang="fr-FR" dirty="0"/>
-              <a:t>/</a:t>
-            </a:r>
-            <a:r>
-              <a:rPr lang="fr-FR" dirty="0" err="1"/>
-              <a:t>js</a:t>
-            </a:r>
-            <a:endParaRPr lang="fr-FR" dirty="0"/>
-          </a:p>
-          <a:p>
-            <a:pPr lvl="1"/>
-            <a:r>
-              <a:rPr lang="fr-FR" dirty="0"/>
-              <a:t>Passage de Chart.js à </a:t>
-            </a:r>
-            <a:r>
-              <a:rPr lang="fr-FR" dirty="0" err="1"/>
-              <a:t>Highcharts</a:t>
-            </a:r>
-            <a:endParaRPr lang="fr-FR" dirty="0"/>
-          </a:p>
-          <a:p>
-            <a:r>
-              <a:rPr lang="fr-FR" dirty="0"/>
-              <a:t>Gestion de projet</a:t>
-            </a:r>
-          </a:p>
-          <a:p>
-            <a:pPr lvl="1"/>
-            <a:r>
-              <a:rPr lang="fr-FR" dirty="0"/>
-              <a:t>Dans le groupe </a:t>
-            </a:r>
-          </a:p>
-          <a:p>
-            <a:pPr lvl="1"/>
-            <a:r>
-              <a:rPr lang="fr-FR" dirty="0"/>
-              <a:t>Avec les personnes tierces</a:t>
-            </a:r>
-          </a:p>
-          <a:p>
-            <a:r>
-              <a:rPr lang="fr-FR" dirty="0"/>
-              <a:t>Bilan</a:t>
-            </a:r>
-          </a:p>
-        </p:txBody>
-      </p:sp>
-    </p:spTree>
-    <p:extLst>
-      <p:ext uri="{BB962C8B-B14F-4D97-AF65-F5344CB8AC3E}">
-        <p14:creationId xmlns:p14="http://schemas.microsoft.com/office/powerpoint/2010/main" val="2424714206"/>
-      </p:ext>
-    </p:extLst>
-  </p:cSld>
-  <p:clrMapOvr>
-    <a:masterClrMapping/>
-  </p:clrMapOvr>
-</p:sld>
-</file>
-
-<file path=ppt/slides/slide3.xml><?xml version="1.0" encoding="utf-8"?>
-<p:sld xmlns:a="http://schemas.openxmlformats.org/drawingml/2006/main" xmlns:r="http://schemas.openxmlformats.org/officeDocument/2006/relationships" xmlns:p="http://schemas.openxmlformats.org/presentationml/2006/main">
-  <p:cSld>
-    <p:spTree>
-      <p:nvGrpSpPr>
-        <p:cNvPr id="1" name=""/>
-        <p:cNvGrpSpPr/>
-        <p:nvPr/>
-      </p:nvGrpSpPr>
-      <p:grpSpPr>
-        <a:xfrm>
-          <a:off x="0" y="0"/>
-          <a:ext cx="0" cy="0"/>
-          <a:chOff x="0" y="0"/>
-          <a:chExt cx="0" cy="0"/>
-        </a:xfrm>
-      </p:grpSpPr>
-      <p:sp>
-        <p:nvSpPr>
-          <p:cNvPr id="2" name="Titre 1"/>
-          <p:cNvSpPr>
-            <a:spLocks noGrp="1"/>
-          </p:cNvSpPr>
-          <p:nvPr>
-            <p:ph type="title"/>
-          </p:nvPr>
-        </p:nvSpPr>
-        <p:spPr/>
-        <p:txBody>
-          <a:bodyPr/>
-          <a:lstStyle/>
-          <a:p>
-            <a:r>
-              <a:rPr lang="fr-FR" dirty="0">
-                <a:solidFill>
-                  <a:srgbClr val="FCC434"/>
-                </a:solidFill>
-              </a:rPr>
-              <a:t>Présentation des acteurs</a:t>
-            </a:r>
-            <a:endParaRPr lang="fr-FR" dirty="0"/>
-          </a:p>
-        </p:txBody>
-      </p:sp>
-      <p:sp>
-        <p:nvSpPr>
-          <p:cNvPr id="3" name="Espace réservé du contenu 2"/>
-          <p:cNvSpPr>
-            <a:spLocks noGrp="1"/>
-          </p:cNvSpPr>
-          <p:nvPr>
-            <p:ph idx="1"/>
-          </p:nvPr>
-        </p:nvSpPr>
-        <p:spPr/>
-        <p:txBody>
-          <a:bodyPr/>
-          <a:lstStyle/>
-          <a:p>
-            <a:pPr marL="0" indent="0" algn="ctr">
-              <a:buNone/>
-            </a:pPr>
-            <a:endParaRPr lang="fr-FR" dirty="0">
-              <a:solidFill>
-                <a:schemeClr val="bg1"/>
-              </a:solidFill>
-            </a:endParaRPr>
-          </a:p>
-          <a:p>
-            <a:pPr marL="0" indent="0">
-              <a:buNone/>
-            </a:pPr>
-            <a:r>
-              <a:rPr lang="fr-FR" dirty="0">
-                <a:solidFill>
-                  <a:schemeClr val="bg1"/>
-                </a:solidFill>
-              </a:rPr>
-              <a:t>David BOZON</a:t>
-            </a:r>
-          </a:p>
-          <a:p>
-            <a:pPr marL="0" indent="0">
-              <a:buNone/>
-            </a:pPr>
-            <a:r>
-              <a:rPr lang="fr-FR" dirty="0">
-                <a:solidFill>
-                  <a:schemeClr val="bg1"/>
-                </a:solidFill>
-              </a:rPr>
-              <a:t>Solène DEMARS</a:t>
-            </a:r>
-          </a:p>
-          <a:p>
-            <a:pPr marL="0" indent="0">
-              <a:buNone/>
-            </a:pPr>
-            <a:r>
-              <a:rPr lang="fr-FR" dirty="0">
-                <a:solidFill>
-                  <a:schemeClr val="bg1"/>
-                </a:solidFill>
-              </a:rPr>
-              <a:t>Gaétan DEPREZ</a:t>
-            </a:r>
-          </a:p>
-          <a:p>
-            <a:pPr marL="0" indent="0">
-              <a:buNone/>
-            </a:pPr>
-            <a:r>
-              <a:rPr lang="fr-FR" dirty="0">
-                <a:solidFill>
-                  <a:schemeClr val="bg1"/>
-                </a:solidFill>
-              </a:rPr>
-              <a:t>Émilie PARDOEN</a:t>
-            </a:r>
-          </a:p>
-          <a:p>
-            <a:pPr marL="0" indent="0">
-              <a:buNone/>
-            </a:pPr>
-            <a:r>
-              <a:rPr lang="fr-FR" dirty="0">
-                <a:solidFill>
-                  <a:schemeClr val="bg1"/>
-                </a:solidFill>
-              </a:rPr>
-              <a:t>Jérémy VALETTE</a:t>
-            </a:r>
-          </a:p>
-        </p:txBody>
-      </p:sp>
       <p:pic>
         <p:nvPicPr>
-          <p:cNvPr id="5" name="Image 4"/>
+          <p:cNvPr id="54" name="Image 53"/>
           <p:cNvPicPr>
             <a:picLocks noChangeAspect="1"/>
           </p:cNvPicPr>
           <p:nvPr/>
         </p:nvPicPr>
         <p:blipFill>
-          <a:blip r:embed="rId2">
+          <a:blip r:embed="rId4" cstate="print">
             <a:extLst>
               <a:ext uri="{28A0092B-C50C-407E-A947-70E740481C1C}">
                 <a14:useLocalDpi xmlns:a14="http://schemas.microsoft.com/office/drawing/2010/main" val="0"/>
@@ -4208,639 +3478,8 @@
         </p:blipFill>
         <p:spPr>
           <a:xfrm>
-            <a:off x="4543707" y="2348139"/>
-            <a:ext cx="2600730" cy="2378445"/>
-          </a:xfrm>
-          <a:prstGeom prst="rect">
-            <a:avLst/>
-          </a:prstGeom>
-        </p:spPr>
-      </p:pic>
-      <p:pic>
-        <p:nvPicPr>
-          <p:cNvPr id="7" name="Image 6"/>
-          <p:cNvPicPr>
-            <a:picLocks noChangeAspect="1"/>
-          </p:cNvPicPr>
-          <p:nvPr/>
-        </p:nvPicPr>
-        <p:blipFill>
-          <a:blip r:embed="rId3">
-            <a:extLst>
-              <a:ext uri="{28A0092B-C50C-407E-A947-70E740481C1C}">
-                <a14:useLocalDpi xmlns:a14="http://schemas.microsoft.com/office/drawing/2010/main" val="0"/>
-              </a:ext>
-            </a:extLst>
-          </a:blip>
-          <a:stretch>
-            <a:fillRect/>
-          </a:stretch>
-        </p:blipFill>
-        <p:spPr>
-          <a:xfrm>
-            <a:off x="7940253" y="2889661"/>
-            <a:ext cx="3514725" cy="1295400"/>
-          </a:xfrm>
-          <a:prstGeom prst="rect">
-            <a:avLst/>
-          </a:prstGeom>
-        </p:spPr>
-      </p:pic>
-    </p:spTree>
-    <p:extLst>
-      <p:ext uri="{BB962C8B-B14F-4D97-AF65-F5344CB8AC3E}">
-        <p14:creationId xmlns:p14="http://schemas.microsoft.com/office/powerpoint/2010/main" val="2357025866"/>
-      </p:ext>
-    </p:extLst>
-  </p:cSld>
-  <p:clrMapOvr>
-    <a:masterClrMapping/>
-  </p:clrMapOvr>
-</p:sld>
-</file>
-
-<file path=ppt/slides/slide4.xml><?xml version="1.0" encoding="utf-8"?>
-<p:sld xmlns:a="http://schemas.openxmlformats.org/drawingml/2006/main" xmlns:r="http://schemas.openxmlformats.org/officeDocument/2006/relationships" xmlns:p="http://schemas.openxmlformats.org/presentationml/2006/main">
-  <p:cSld>
-    <p:spTree>
-      <p:nvGrpSpPr>
-        <p:cNvPr id="1" name=""/>
-        <p:cNvGrpSpPr/>
-        <p:nvPr/>
-      </p:nvGrpSpPr>
-      <p:grpSpPr>
-        <a:xfrm>
-          <a:off x="0" y="0"/>
-          <a:ext cx="0" cy="0"/>
-          <a:chOff x="0" y="0"/>
-          <a:chExt cx="0" cy="0"/>
-        </a:xfrm>
-      </p:grpSpPr>
-      <p:sp>
-        <p:nvSpPr>
-          <p:cNvPr id="2" name="Titre 1"/>
-          <p:cNvSpPr>
-            <a:spLocks noGrp="1"/>
-          </p:cNvSpPr>
-          <p:nvPr>
-            <p:ph type="title"/>
-          </p:nvPr>
-        </p:nvSpPr>
-        <p:spPr/>
-        <p:txBody>
-          <a:bodyPr/>
-          <a:lstStyle/>
-          <a:p>
-            <a:r>
-              <a:rPr lang="fr-FR" dirty="0"/>
-              <a:t>Objectif</a:t>
-            </a:r>
-          </a:p>
-        </p:txBody>
-      </p:sp>
-      <p:pic>
-        <p:nvPicPr>
-          <p:cNvPr id="9" name="Espace réservé du contenu 8"/>
-          <p:cNvPicPr>
-            <a:picLocks noGrp="1" noChangeAspect="1"/>
-          </p:cNvPicPr>
-          <p:nvPr>
-            <p:ph idx="1"/>
-          </p:nvPr>
-        </p:nvPicPr>
-        <p:blipFill>
-          <a:blip r:embed="rId2">
-            <a:extLst>
-              <a:ext uri="{28A0092B-C50C-407E-A947-70E740481C1C}">
-                <a14:useLocalDpi xmlns:a14="http://schemas.microsoft.com/office/drawing/2010/main" val="0"/>
-              </a:ext>
-            </a:extLst>
-          </a:blip>
-          <a:stretch>
-            <a:fillRect/>
-          </a:stretch>
-        </p:blipFill>
-        <p:spPr>
-          <a:xfrm>
-            <a:off x="723525" y="1309775"/>
-            <a:ext cx="9962826" cy="5447992"/>
-          </a:xfrm>
-        </p:spPr>
-      </p:pic>
-    </p:spTree>
-    <p:extLst>
-      <p:ext uri="{BB962C8B-B14F-4D97-AF65-F5344CB8AC3E}">
-        <p14:creationId xmlns:p14="http://schemas.microsoft.com/office/powerpoint/2010/main" val="1494723214"/>
-      </p:ext>
-    </p:extLst>
-  </p:cSld>
-  <p:clrMapOvr>
-    <a:masterClrMapping/>
-  </p:clrMapOvr>
-</p:sld>
-</file>
-
-<file path=ppt/slides/slide5.xml><?xml version="1.0" encoding="utf-8"?>
-<p:sld xmlns:a="http://schemas.openxmlformats.org/drawingml/2006/main" xmlns:r="http://schemas.openxmlformats.org/officeDocument/2006/relationships" xmlns:p="http://schemas.openxmlformats.org/presentationml/2006/main">
-  <p:cSld>
-    <p:spTree>
-      <p:nvGrpSpPr>
-        <p:cNvPr id="1" name=""/>
-        <p:cNvGrpSpPr/>
-        <p:nvPr/>
-      </p:nvGrpSpPr>
-      <p:grpSpPr>
-        <a:xfrm>
-          <a:off x="0" y="0"/>
-          <a:ext cx="0" cy="0"/>
-          <a:chOff x="0" y="0"/>
-          <a:chExt cx="0" cy="0"/>
-        </a:xfrm>
-      </p:grpSpPr>
-      <p:sp>
-        <p:nvSpPr>
-          <p:cNvPr id="2" name="Titre 1"/>
-          <p:cNvSpPr>
-            <a:spLocks noGrp="1"/>
-          </p:cNvSpPr>
-          <p:nvPr>
-            <p:ph type="title"/>
-          </p:nvPr>
-        </p:nvSpPr>
-        <p:spPr/>
-        <p:txBody>
-          <a:bodyPr/>
-          <a:lstStyle/>
-          <a:p>
-            <a:r>
-              <a:rPr lang="fr-FR" dirty="0"/>
-              <a:t>Affichage des graphiques</a:t>
-            </a:r>
-          </a:p>
-        </p:txBody>
-      </p:sp>
-      <p:sp>
-        <p:nvSpPr>
-          <p:cNvPr id="3" name="Espace réservé du contenu 2"/>
-          <p:cNvSpPr>
-            <a:spLocks noGrp="1"/>
-          </p:cNvSpPr>
-          <p:nvPr>
-            <p:ph idx="1"/>
-          </p:nvPr>
-        </p:nvSpPr>
-        <p:spPr/>
-        <p:txBody>
-          <a:bodyPr/>
-          <a:lstStyle/>
-          <a:p>
-            <a:endParaRPr lang="fr-FR" dirty="0"/>
-          </a:p>
-          <a:p>
-            <a:r>
-              <a:rPr lang="fr-FR" dirty="0"/>
-              <a:t>Un graphique temps réelle</a:t>
-            </a:r>
-          </a:p>
-          <a:p>
-            <a:endParaRPr lang="fr-FR" dirty="0"/>
-          </a:p>
-          <a:p>
-            <a:r>
-              <a:rPr lang="fr-FR" dirty="0"/>
-              <a:t>Deux graphique d’études</a:t>
-            </a:r>
-          </a:p>
-          <a:p>
-            <a:endParaRPr lang="fr-FR" dirty="0"/>
-          </a:p>
-          <a:p>
-            <a:r>
-              <a:rPr lang="fr-FR" dirty="0"/>
-              <a:t>Export des graphiques sous différents format</a:t>
-            </a:r>
-          </a:p>
-        </p:txBody>
-      </p:sp>
-    </p:spTree>
-    <p:extLst>
-      <p:ext uri="{BB962C8B-B14F-4D97-AF65-F5344CB8AC3E}">
-        <p14:creationId xmlns:p14="http://schemas.microsoft.com/office/powerpoint/2010/main" val="3322025383"/>
-      </p:ext>
-    </p:extLst>
-  </p:cSld>
-  <p:clrMapOvr>
-    <a:masterClrMapping/>
-  </p:clrMapOvr>
-</p:sld>
-</file>
-
-<file path=ppt/slides/slide6.xml><?xml version="1.0" encoding="utf-8"?>
-<p:sld xmlns:a="http://schemas.openxmlformats.org/drawingml/2006/main" xmlns:r="http://schemas.openxmlformats.org/officeDocument/2006/relationships" xmlns:p="http://schemas.openxmlformats.org/presentationml/2006/main">
-  <p:cSld>
-    <p:spTree>
-      <p:nvGrpSpPr>
-        <p:cNvPr id="1" name=""/>
-        <p:cNvGrpSpPr/>
-        <p:nvPr/>
-      </p:nvGrpSpPr>
-      <p:grpSpPr>
-        <a:xfrm>
-          <a:off x="0" y="0"/>
-          <a:ext cx="0" cy="0"/>
-          <a:chOff x="0" y="0"/>
-          <a:chExt cx="0" cy="0"/>
-        </a:xfrm>
-      </p:grpSpPr>
-      <p:sp>
-        <p:nvSpPr>
-          <p:cNvPr id="2" name="Titre 1"/>
-          <p:cNvSpPr>
-            <a:spLocks noGrp="1"/>
-          </p:cNvSpPr>
-          <p:nvPr>
-            <p:ph type="title"/>
-          </p:nvPr>
-        </p:nvSpPr>
-        <p:spPr/>
-        <p:txBody>
-          <a:bodyPr/>
-          <a:lstStyle/>
-          <a:p>
-            <a:r>
-              <a:rPr lang="fr-FR"/>
-              <a:t>Affichage du flux </a:t>
-            </a:r>
-            <a:r>
-              <a:rPr lang="fr-FR" dirty="0"/>
-              <a:t>vidéo</a:t>
-            </a:r>
-          </a:p>
-        </p:txBody>
-      </p:sp>
-      <p:sp>
-        <p:nvSpPr>
-          <p:cNvPr id="3" name="Espace réservé du contenu 2"/>
-          <p:cNvSpPr>
-            <a:spLocks noGrp="1"/>
-          </p:cNvSpPr>
-          <p:nvPr>
-            <p:ph idx="1"/>
-          </p:nvPr>
-        </p:nvSpPr>
-        <p:spPr/>
-        <p:txBody>
-          <a:bodyPr/>
-          <a:lstStyle/>
-          <a:p>
-            <a:endParaRPr lang="fr-FR" dirty="0"/>
-          </a:p>
-          <a:p>
-            <a:r>
-              <a:rPr lang="fr-FR" dirty="0"/>
-              <a:t>Affichage en direct</a:t>
-            </a:r>
-          </a:p>
-          <a:p>
-            <a:endParaRPr lang="fr-FR" dirty="0"/>
-          </a:p>
-          <a:p>
-            <a:r>
-              <a:rPr lang="fr-FR" dirty="0"/>
-              <a:t>Compteur en temps réelle</a:t>
-            </a:r>
-          </a:p>
-          <a:p>
-            <a:endParaRPr lang="fr-FR" dirty="0"/>
-          </a:p>
-          <a:p>
-            <a:r>
-              <a:rPr lang="fr-FR" dirty="0"/>
-              <a:t>Redémarrage</a:t>
-            </a:r>
-          </a:p>
-        </p:txBody>
-      </p:sp>
-    </p:spTree>
-    <p:extLst>
-      <p:ext uri="{BB962C8B-B14F-4D97-AF65-F5344CB8AC3E}">
-        <p14:creationId xmlns:p14="http://schemas.microsoft.com/office/powerpoint/2010/main" val="3052822772"/>
-      </p:ext>
-    </p:extLst>
-  </p:cSld>
-  <p:clrMapOvr>
-    <a:masterClrMapping/>
-  </p:clrMapOvr>
-</p:sld>
-</file>
-
-<file path=ppt/slides/slide7.xml><?xml version="1.0" encoding="utf-8"?>
-<p:sld xmlns:a="http://schemas.openxmlformats.org/drawingml/2006/main" xmlns:r="http://schemas.openxmlformats.org/officeDocument/2006/relationships" xmlns:p="http://schemas.openxmlformats.org/presentationml/2006/main">
-  <p:cSld>
-    <p:spTree>
-      <p:nvGrpSpPr>
-        <p:cNvPr id="1" name=""/>
-        <p:cNvGrpSpPr/>
-        <p:nvPr/>
-      </p:nvGrpSpPr>
-      <p:grpSpPr>
-        <a:xfrm>
-          <a:off x="0" y="0"/>
-          <a:ext cx="0" cy="0"/>
-          <a:chOff x="0" y="0"/>
-          <a:chExt cx="0" cy="0"/>
-        </a:xfrm>
-      </p:grpSpPr>
-      <p:sp>
-        <p:nvSpPr>
-          <p:cNvPr id="2" name="Titre 1"/>
-          <p:cNvSpPr>
-            <a:spLocks noGrp="1"/>
-          </p:cNvSpPr>
-          <p:nvPr>
-            <p:ph type="title"/>
-          </p:nvPr>
-        </p:nvSpPr>
-        <p:spPr/>
-        <p:txBody>
-          <a:bodyPr/>
-          <a:lstStyle/>
-          <a:p>
-            <a:r>
-              <a:rPr lang="fr-FR" dirty="0"/>
-              <a:t>Technologie utilisées</a:t>
-            </a:r>
-          </a:p>
-        </p:txBody>
-      </p:sp>
-      <p:pic>
-        <p:nvPicPr>
-          <p:cNvPr id="25" name="Image 24"/>
-          <p:cNvPicPr>
-            <a:picLocks noChangeAspect="1"/>
-          </p:cNvPicPr>
-          <p:nvPr/>
-        </p:nvPicPr>
-        <p:blipFill>
-          <a:blip r:embed="rId2">
-            <a:extLst>
-              <a:ext uri="{28A0092B-C50C-407E-A947-70E740481C1C}">
-                <a14:useLocalDpi xmlns:a14="http://schemas.microsoft.com/office/drawing/2010/main" val="0"/>
-              </a:ext>
-            </a:extLst>
-          </a:blip>
-          <a:stretch>
-            <a:fillRect/>
-          </a:stretch>
-        </p:blipFill>
-        <p:spPr>
-          <a:xfrm>
-            <a:off x="4579862" y="3390082"/>
-            <a:ext cx="1962150" cy="329876"/>
-          </a:xfrm>
-          <a:prstGeom prst="rect">
-            <a:avLst/>
-          </a:prstGeom>
-        </p:spPr>
-      </p:pic>
-      <p:pic>
-        <p:nvPicPr>
-          <p:cNvPr id="29" name="Image 28"/>
-          <p:cNvPicPr>
-            <a:picLocks noChangeAspect="1"/>
-          </p:cNvPicPr>
-          <p:nvPr/>
-        </p:nvPicPr>
-        <p:blipFill>
-          <a:blip r:embed="rId3">
-            <a:extLst>
-              <a:ext uri="{28A0092B-C50C-407E-A947-70E740481C1C}">
-                <a14:useLocalDpi xmlns:a14="http://schemas.microsoft.com/office/drawing/2010/main" val="0"/>
-              </a:ext>
-            </a:extLst>
-          </a:blip>
-          <a:stretch>
-            <a:fillRect/>
-          </a:stretch>
-        </p:blipFill>
-        <p:spPr>
-          <a:xfrm>
-            <a:off x="1328807" y="4051009"/>
-            <a:ext cx="1909471" cy="1118831"/>
-          </a:xfrm>
-          <a:prstGeom prst="rect">
-            <a:avLst/>
-          </a:prstGeom>
-        </p:spPr>
-      </p:pic>
-      <p:pic>
-        <p:nvPicPr>
-          <p:cNvPr id="33" name="Image 32"/>
-          <p:cNvPicPr>
-            <a:picLocks noChangeAspect="1"/>
-          </p:cNvPicPr>
-          <p:nvPr/>
-        </p:nvPicPr>
-        <p:blipFill>
-          <a:blip r:embed="rId4">
-            <a:extLst>
-              <a:ext uri="{28A0092B-C50C-407E-A947-70E740481C1C}">
-                <a14:useLocalDpi xmlns:a14="http://schemas.microsoft.com/office/drawing/2010/main" val="0"/>
-              </a:ext>
-            </a:extLst>
-          </a:blip>
-          <a:stretch>
-            <a:fillRect/>
-          </a:stretch>
-        </p:blipFill>
-        <p:spPr>
-          <a:xfrm>
-            <a:off x="4915618" y="5326063"/>
-            <a:ext cx="1290637" cy="1290637"/>
-          </a:xfrm>
-          <a:prstGeom prst="rect">
-            <a:avLst/>
-          </a:prstGeom>
-        </p:spPr>
-      </p:pic>
-      <p:pic>
-        <p:nvPicPr>
-          <p:cNvPr id="37" name="Image 36"/>
-          <p:cNvPicPr>
-            <a:picLocks noChangeAspect="1"/>
-          </p:cNvPicPr>
-          <p:nvPr/>
-        </p:nvPicPr>
-        <p:blipFill>
-          <a:blip r:embed="rId5">
-            <a:extLst>
-              <a:ext uri="{28A0092B-C50C-407E-A947-70E740481C1C}">
-                <a14:useLocalDpi xmlns:a14="http://schemas.microsoft.com/office/drawing/2010/main" val="0"/>
-              </a:ext>
-            </a:extLst>
-          </a:blip>
-          <a:stretch>
-            <a:fillRect/>
-          </a:stretch>
-        </p:blipFill>
-        <p:spPr>
-          <a:xfrm>
-            <a:off x="8466063" y="3530862"/>
-            <a:ext cx="1777972" cy="919545"/>
-          </a:xfrm>
-          <a:prstGeom prst="rect">
-            <a:avLst/>
-          </a:prstGeom>
-        </p:spPr>
-      </p:pic>
-      <p:pic>
-        <p:nvPicPr>
-          <p:cNvPr id="39" name="Image 38"/>
-          <p:cNvPicPr>
-            <a:picLocks noChangeAspect="1"/>
-          </p:cNvPicPr>
-          <p:nvPr/>
-        </p:nvPicPr>
-        <p:blipFill>
-          <a:blip r:embed="rId6">
-            <a:extLst>
-              <a:ext uri="{28A0092B-C50C-407E-A947-70E740481C1C}">
-                <a14:useLocalDpi xmlns:a14="http://schemas.microsoft.com/office/drawing/2010/main" val="0"/>
-              </a:ext>
-            </a:extLst>
-          </a:blip>
-          <a:stretch>
-            <a:fillRect/>
-          </a:stretch>
-        </p:blipFill>
-        <p:spPr>
-          <a:xfrm>
-            <a:off x="1625191" y="3034572"/>
-            <a:ext cx="1316704" cy="711020"/>
-          </a:xfrm>
-          <a:prstGeom prst="rect">
-            <a:avLst/>
-          </a:prstGeom>
-        </p:spPr>
-      </p:pic>
-      <p:pic>
-        <p:nvPicPr>
-          <p:cNvPr id="41" name="Image 40"/>
-          <p:cNvPicPr>
-            <a:picLocks noChangeAspect="1"/>
-          </p:cNvPicPr>
-          <p:nvPr/>
-        </p:nvPicPr>
-        <p:blipFill>
-          <a:blip r:embed="rId7">
-            <a:extLst>
-              <a:ext uri="{28A0092B-C50C-407E-A947-70E740481C1C}">
-                <a14:useLocalDpi xmlns:a14="http://schemas.microsoft.com/office/drawing/2010/main" val="0"/>
-              </a:ext>
-            </a:extLst>
-          </a:blip>
-          <a:stretch>
-            <a:fillRect/>
-          </a:stretch>
-        </p:blipFill>
-        <p:spPr>
-          <a:xfrm>
-            <a:off x="9570963" y="4932631"/>
-            <a:ext cx="1002078" cy="1266825"/>
-          </a:xfrm>
-          <a:prstGeom prst="rect">
-            <a:avLst/>
-          </a:prstGeom>
-        </p:spPr>
-      </p:pic>
-      <p:sp>
-        <p:nvSpPr>
-          <p:cNvPr id="52" name="Espace réservé du contenu 51"/>
-          <p:cNvSpPr>
-            <a:spLocks noGrp="1"/>
-          </p:cNvSpPr>
-          <p:nvPr>
-            <p:ph idx="1"/>
-          </p:nvPr>
-        </p:nvSpPr>
-        <p:spPr>
-          <a:xfrm>
-            <a:off x="4471988" y="1978025"/>
-            <a:ext cx="3076575" cy="4351338"/>
-          </a:xfrm>
-        </p:spPr>
-        <p:txBody>
-          <a:bodyPr/>
-          <a:lstStyle/>
-          <a:p>
-            <a:r>
-              <a:rPr lang="fr-FR" dirty="0" err="1"/>
-              <a:t>Highcharts</a:t>
-            </a:r>
-            <a:endParaRPr lang="fr-FR" dirty="0"/>
-          </a:p>
-          <a:p>
-            <a:r>
-              <a:rPr lang="fr-FR" dirty="0"/>
-              <a:t>Ajax/jQuery</a:t>
-            </a:r>
-          </a:p>
-        </p:txBody>
-      </p:sp>
-      <p:pic>
-        <p:nvPicPr>
-          <p:cNvPr id="54" name="Image 53"/>
-          <p:cNvPicPr>
-            <a:picLocks noChangeAspect="1"/>
-          </p:cNvPicPr>
-          <p:nvPr/>
-        </p:nvPicPr>
-        <p:blipFill>
-          <a:blip r:embed="rId8">
-            <a:extLst>
-              <a:ext uri="{28A0092B-C50C-407E-A947-70E740481C1C}">
-                <a14:useLocalDpi xmlns:a14="http://schemas.microsoft.com/office/drawing/2010/main" val="0"/>
-              </a:ext>
-            </a:extLst>
-          </a:blip>
-          <a:stretch>
-            <a:fillRect/>
-          </a:stretch>
-        </p:blipFill>
-        <p:spPr>
-          <a:xfrm>
             <a:off x="1862612" y="5566043"/>
             <a:ext cx="841859" cy="841859"/>
-          </a:xfrm>
-          <a:prstGeom prst="rect">
-            <a:avLst/>
-          </a:prstGeom>
-        </p:spPr>
-      </p:pic>
-      <p:pic>
-        <p:nvPicPr>
-          <p:cNvPr id="56" name="Image 55"/>
-          <p:cNvPicPr>
-            <a:picLocks noChangeAspect="1"/>
-          </p:cNvPicPr>
-          <p:nvPr/>
-        </p:nvPicPr>
-        <p:blipFill>
-          <a:blip r:embed="rId9">
-            <a:extLst>
-              <a:ext uri="{28A0092B-C50C-407E-A947-70E740481C1C}">
-                <a14:useLocalDpi xmlns:a14="http://schemas.microsoft.com/office/drawing/2010/main" val="0"/>
-              </a:ext>
-            </a:extLst>
-          </a:blip>
-          <a:stretch>
-            <a:fillRect/>
-          </a:stretch>
-        </p:blipFill>
-        <p:spPr>
-          <a:xfrm>
-            <a:off x="4536523" y="4153694"/>
-            <a:ext cx="2048828" cy="1020092"/>
           </a:xfrm>
           <a:prstGeom prst="rect">
             <a:avLst/>
@@ -5034,24 +3673,12 @@
           </a:lstStyle>
           <a:p>
             <a:r>
-              <a:rPr lang="fr-FR" dirty="0" err="1"/>
-              <a:t>php</a:t>
-            </a:r>
-            <a:r>
-              <a:rPr lang="fr-FR" dirty="0"/>
-              <a:t>/html/</a:t>
-            </a:r>
-            <a:r>
-              <a:rPr lang="fr-FR" dirty="0" err="1"/>
-              <a:t>css</a:t>
-            </a:r>
-            <a:r>
-              <a:rPr lang="fr-FR" dirty="0"/>
-              <a:t>/</a:t>
-            </a:r>
-            <a:r>
-              <a:rPr lang="fr-FR" dirty="0" err="1"/>
-              <a:t>js</a:t>
+              <a:rPr lang="fr-FR" dirty="0" smtClean="0"/>
+              <a:t>PHP</a:t>
+            </a:r>
+            <a:r>
+              <a:rPr lang="fr-FR" dirty="0" smtClean="0"/>
+              <a:t>/HTML/CSS/JS</a:t>
             </a:r>
             <a:endParaRPr lang="fr-FR" dirty="0"/>
           </a:p>
@@ -5063,9 +3690,286 @@
           </a:p>
         </p:txBody>
       </p:sp>
-      <p:sp>
-        <p:nvSpPr>
-          <p:cNvPr id="58" name="Espace réservé du contenu 51"/>
+    </p:spTree>
+    <p:extLst>
+      <p:ext uri="{BB962C8B-B14F-4D97-AF65-F5344CB8AC3E}">
+        <p14:creationId xmlns:p14="http://schemas.microsoft.com/office/powerpoint/2010/main" val="2205020198"/>
+      </p:ext>
+    </p:extLst>
+  </p:cSld>
+  <p:clrMapOvr>
+    <a:masterClrMapping/>
+  </p:clrMapOvr>
+  <p:timing>
+    <p:tnLst>
+      <p:par>
+        <p:cTn id="1" dur="indefinite" restart="never" nodeType="tmRoot"/>
+      </p:par>
+    </p:tnLst>
+  </p:timing>
+</p:sld>
+</file>
+
+<file path=ppt/slides/slide11.xml><?xml version="1.0" encoding="utf-8"?>
+<p:sld xmlns:a="http://schemas.openxmlformats.org/drawingml/2006/main" xmlns:r="http://schemas.openxmlformats.org/officeDocument/2006/relationships" xmlns:p="http://schemas.openxmlformats.org/presentationml/2006/main">
+  <p:cSld>
+    <p:spTree>
+      <p:nvGrpSpPr>
+        <p:cNvPr id="1" name=""/>
+        <p:cNvGrpSpPr/>
+        <p:nvPr/>
+      </p:nvGrpSpPr>
+      <p:grpSpPr>
+        <a:xfrm>
+          <a:off x="0" y="0"/>
+          <a:ext cx="0" cy="0"/>
+          <a:chOff x="0" y="0"/>
+          <a:chExt cx="0" cy="0"/>
+        </a:xfrm>
+      </p:grpSpPr>
+      <p:sp>
+        <p:nvSpPr>
+          <p:cNvPr id="2" name="Titre 1"/>
+          <p:cNvSpPr>
+            <a:spLocks noGrp="1"/>
+          </p:cNvSpPr>
+          <p:nvPr>
+            <p:ph type="title"/>
+          </p:nvPr>
+        </p:nvSpPr>
+        <p:spPr/>
+        <p:txBody>
+          <a:bodyPr/>
+          <a:lstStyle/>
+          <a:p>
+            <a:r>
+              <a:rPr lang="fr-FR" dirty="0" smtClean="0"/>
+              <a:t>Technologies </a:t>
+            </a:r>
+            <a:r>
+              <a:rPr lang="fr-FR" dirty="0"/>
+              <a:t>utilisées</a:t>
+            </a:r>
+          </a:p>
+        </p:txBody>
+      </p:sp>
+      <p:pic>
+        <p:nvPicPr>
+          <p:cNvPr id="25" name="Image 24"/>
+          <p:cNvPicPr>
+            <a:picLocks noChangeAspect="1"/>
+          </p:cNvPicPr>
+          <p:nvPr/>
+        </p:nvPicPr>
+        <p:blipFill>
+          <a:blip r:embed="rId2" cstate="print">
+            <a:extLst>
+              <a:ext uri="{28A0092B-C50C-407E-A947-70E740481C1C}">
+                <a14:useLocalDpi xmlns:a14="http://schemas.microsoft.com/office/drawing/2010/main" val="0"/>
+              </a:ext>
+            </a:extLst>
+          </a:blip>
+          <a:stretch>
+            <a:fillRect/>
+          </a:stretch>
+        </p:blipFill>
+        <p:spPr>
+          <a:xfrm>
+            <a:off x="4579862" y="3390082"/>
+            <a:ext cx="1962150" cy="329876"/>
+          </a:xfrm>
+          <a:prstGeom prst="rect">
+            <a:avLst/>
+          </a:prstGeom>
+        </p:spPr>
+      </p:pic>
+      <p:pic>
+        <p:nvPicPr>
+          <p:cNvPr id="29" name="Image 28"/>
+          <p:cNvPicPr>
+            <a:picLocks noChangeAspect="1"/>
+          </p:cNvPicPr>
+          <p:nvPr/>
+        </p:nvPicPr>
+        <p:blipFill>
+          <a:blip r:embed="rId3" cstate="print">
+            <a:extLst>
+              <a:ext uri="{28A0092B-C50C-407E-A947-70E740481C1C}">
+                <a14:useLocalDpi xmlns:a14="http://schemas.microsoft.com/office/drawing/2010/main" val="0"/>
+              </a:ext>
+            </a:extLst>
+          </a:blip>
+          <a:stretch>
+            <a:fillRect/>
+          </a:stretch>
+        </p:blipFill>
+        <p:spPr>
+          <a:xfrm>
+            <a:off x="1328807" y="4051009"/>
+            <a:ext cx="1909471" cy="1118831"/>
+          </a:xfrm>
+          <a:prstGeom prst="rect">
+            <a:avLst/>
+          </a:prstGeom>
+        </p:spPr>
+      </p:pic>
+      <p:pic>
+        <p:nvPicPr>
+          <p:cNvPr id="33" name="Image 32"/>
+          <p:cNvPicPr>
+            <a:picLocks noChangeAspect="1"/>
+          </p:cNvPicPr>
+          <p:nvPr/>
+        </p:nvPicPr>
+        <p:blipFill>
+          <a:blip r:embed="rId4" cstate="print">
+            <a:extLst>
+              <a:ext uri="{28A0092B-C50C-407E-A947-70E740481C1C}">
+                <a14:useLocalDpi xmlns:a14="http://schemas.microsoft.com/office/drawing/2010/main" val="0"/>
+              </a:ext>
+            </a:extLst>
+          </a:blip>
+          <a:stretch>
+            <a:fillRect/>
+          </a:stretch>
+        </p:blipFill>
+        <p:spPr>
+          <a:xfrm>
+            <a:off x="4915618" y="5326063"/>
+            <a:ext cx="1290637" cy="1290637"/>
+          </a:xfrm>
+          <a:prstGeom prst="rect">
+            <a:avLst/>
+          </a:prstGeom>
+        </p:spPr>
+      </p:pic>
+      <p:pic>
+        <p:nvPicPr>
+          <p:cNvPr id="39" name="Image 38"/>
+          <p:cNvPicPr>
+            <a:picLocks noChangeAspect="1"/>
+          </p:cNvPicPr>
+          <p:nvPr/>
+        </p:nvPicPr>
+        <p:blipFill>
+          <a:blip r:embed="rId5" cstate="print">
+            <a:extLst>
+              <a:ext uri="{28A0092B-C50C-407E-A947-70E740481C1C}">
+                <a14:useLocalDpi xmlns:a14="http://schemas.microsoft.com/office/drawing/2010/main" val="0"/>
+              </a:ext>
+            </a:extLst>
+          </a:blip>
+          <a:stretch>
+            <a:fillRect/>
+          </a:stretch>
+        </p:blipFill>
+        <p:spPr>
+          <a:xfrm>
+            <a:off x="1625191" y="3034572"/>
+            <a:ext cx="1316704" cy="711020"/>
+          </a:xfrm>
+          <a:prstGeom prst="rect">
+            <a:avLst/>
+          </a:prstGeom>
+        </p:spPr>
+      </p:pic>
+      <p:sp>
+        <p:nvSpPr>
+          <p:cNvPr id="52" name="Espace réservé du contenu 51"/>
+          <p:cNvSpPr>
+            <a:spLocks noGrp="1"/>
+          </p:cNvSpPr>
+          <p:nvPr>
+            <p:ph idx="1"/>
+          </p:nvPr>
+        </p:nvSpPr>
+        <p:spPr>
+          <a:xfrm>
+            <a:off x="4471988" y="1978025"/>
+            <a:ext cx="3076575" cy="4351338"/>
+          </a:xfrm>
+        </p:spPr>
+        <p:txBody>
+          <a:bodyPr/>
+          <a:lstStyle/>
+          <a:p>
+            <a:r>
+              <a:rPr lang="fr-FR" dirty="0" err="1"/>
+              <a:t>Highcharts</a:t>
+            </a:r>
+            <a:endParaRPr lang="fr-FR" dirty="0"/>
+          </a:p>
+          <a:p>
+            <a:r>
+              <a:rPr lang="fr-FR" dirty="0"/>
+              <a:t>Ajax/jQuery</a:t>
+            </a:r>
+          </a:p>
+        </p:txBody>
+      </p:sp>
+      <p:pic>
+        <p:nvPicPr>
+          <p:cNvPr id="54" name="Image 53"/>
+          <p:cNvPicPr>
+            <a:picLocks noChangeAspect="1"/>
+          </p:cNvPicPr>
+          <p:nvPr/>
+        </p:nvPicPr>
+        <p:blipFill>
+          <a:blip r:embed="rId6" cstate="print">
+            <a:extLst>
+              <a:ext uri="{28A0092B-C50C-407E-A947-70E740481C1C}">
+                <a14:useLocalDpi xmlns:a14="http://schemas.microsoft.com/office/drawing/2010/main" val="0"/>
+              </a:ext>
+            </a:extLst>
+          </a:blip>
+          <a:stretch>
+            <a:fillRect/>
+          </a:stretch>
+        </p:blipFill>
+        <p:spPr>
+          <a:xfrm>
+            <a:off x="1862612" y="5566043"/>
+            <a:ext cx="841859" cy="841859"/>
+          </a:xfrm>
+          <a:prstGeom prst="rect">
+            <a:avLst/>
+          </a:prstGeom>
+        </p:spPr>
+      </p:pic>
+      <p:pic>
+        <p:nvPicPr>
+          <p:cNvPr id="56" name="Image 55"/>
+          <p:cNvPicPr>
+            <a:picLocks noChangeAspect="1"/>
+          </p:cNvPicPr>
+          <p:nvPr/>
+        </p:nvPicPr>
+        <p:blipFill>
+          <a:blip r:embed="rId7">
+            <a:extLst>
+              <a:ext uri="{28A0092B-C50C-407E-A947-70E740481C1C}">
+                <a14:useLocalDpi xmlns:a14="http://schemas.microsoft.com/office/drawing/2010/main" val="0"/>
+              </a:ext>
+            </a:extLst>
+          </a:blip>
+          <a:stretch>
+            <a:fillRect/>
+          </a:stretch>
+        </p:blipFill>
+        <p:spPr>
+          <a:xfrm>
+            <a:off x="4536523" y="4153694"/>
+            <a:ext cx="2048828" cy="1020092"/>
+          </a:xfrm>
+          <a:prstGeom prst="rect">
+            <a:avLst/>
+          </a:prstGeom>
+        </p:spPr>
+      </p:pic>
+      <p:sp>
+        <p:nvSpPr>
+          <p:cNvPr id="57" name="Espace réservé du contenu 51"/>
           <p:cNvSpPr txBox="1">
             <a:spLocks/>
           </p:cNvSpPr>
@@ -5073,7 +3977,7 @@
         </p:nvSpPr>
         <p:spPr>
           <a:xfrm>
-            <a:off x="7953376" y="1978025"/>
+            <a:off x="990600" y="1978025"/>
             <a:ext cx="3076575" cy="4351338"/>
           </a:xfrm>
           <a:prstGeom prst="rect">
@@ -5250,6 +4154,747 @@
           </a:lstStyle>
           <a:p>
             <a:r>
+              <a:rPr lang="fr-FR" dirty="0" smtClean="0"/>
+              <a:t>PHP</a:t>
+            </a:r>
+            <a:r>
+              <a:rPr lang="fr-FR" dirty="0" smtClean="0"/>
+              <a:t>/HTML/CSS/JS</a:t>
+            </a:r>
+            <a:endParaRPr lang="fr-FR" dirty="0"/>
+          </a:p>
+          <a:p>
+            <a:r>
+              <a:rPr lang="fr-FR" dirty="0"/>
+              <a:t>Bootstrap</a:t>
+            </a:r>
+          </a:p>
+        </p:txBody>
+      </p:sp>
+    </p:spTree>
+    <p:extLst>
+      <p:ext uri="{BB962C8B-B14F-4D97-AF65-F5344CB8AC3E}">
+        <p14:creationId xmlns:p14="http://schemas.microsoft.com/office/powerpoint/2010/main" val="2234663574"/>
+      </p:ext>
+    </p:extLst>
+  </p:cSld>
+  <p:clrMapOvr>
+    <a:masterClrMapping/>
+  </p:clrMapOvr>
+  <p:timing>
+    <p:tnLst>
+      <p:par>
+        <p:cTn id="1" dur="indefinite" restart="never" nodeType="tmRoot"/>
+      </p:par>
+    </p:tnLst>
+  </p:timing>
+</p:sld>
+</file>
+
+<file path=ppt/slides/slide12.xml><?xml version="1.0" encoding="utf-8"?>
+<p:sld xmlns:a="http://schemas.openxmlformats.org/drawingml/2006/main" xmlns:r="http://schemas.openxmlformats.org/officeDocument/2006/relationships" xmlns:p="http://schemas.openxmlformats.org/presentationml/2006/main">
+  <p:cSld>
+    <p:spTree>
+      <p:nvGrpSpPr>
+        <p:cNvPr id="1" name=""/>
+        <p:cNvGrpSpPr/>
+        <p:nvPr/>
+      </p:nvGrpSpPr>
+      <p:grpSpPr>
+        <a:xfrm>
+          <a:off x="0" y="0"/>
+          <a:ext cx="0" cy="0"/>
+          <a:chOff x="0" y="0"/>
+          <a:chExt cx="0" cy="0"/>
+        </a:xfrm>
+      </p:grpSpPr>
+      <p:sp>
+        <p:nvSpPr>
+          <p:cNvPr id="2" name="Titre 1"/>
+          <p:cNvSpPr>
+            <a:spLocks noGrp="1"/>
+          </p:cNvSpPr>
+          <p:nvPr>
+            <p:ph type="title"/>
+          </p:nvPr>
+        </p:nvSpPr>
+        <p:spPr/>
+        <p:txBody>
+          <a:bodyPr/>
+          <a:lstStyle/>
+          <a:p>
+            <a:r>
+              <a:rPr lang="fr-FR" dirty="0" smtClean="0"/>
+              <a:t>Technologies </a:t>
+            </a:r>
+            <a:r>
+              <a:rPr lang="fr-FR" dirty="0"/>
+              <a:t>utilisées</a:t>
+            </a:r>
+          </a:p>
+        </p:txBody>
+      </p:sp>
+      <p:pic>
+        <p:nvPicPr>
+          <p:cNvPr id="25" name="Image 24"/>
+          <p:cNvPicPr>
+            <a:picLocks noChangeAspect="1"/>
+          </p:cNvPicPr>
+          <p:nvPr/>
+        </p:nvPicPr>
+        <p:blipFill>
+          <a:blip r:embed="rId2" cstate="print">
+            <a:extLst>
+              <a:ext uri="{28A0092B-C50C-407E-A947-70E740481C1C}">
+                <a14:useLocalDpi xmlns:a14="http://schemas.microsoft.com/office/drawing/2010/main" val="0"/>
+              </a:ext>
+            </a:extLst>
+          </a:blip>
+          <a:stretch>
+            <a:fillRect/>
+          </a:stretch>
+        </p:blipFill>
+        <p:spPr>
+          <a:xfrm>
+            <a:off x="4579862" y="3390082"/>
+            <a:ext cx="1962150" cy="329876"/>
+          </a:xfrm>
+          <a:prstGeom prst="rect">
+            <a:avLst/>
+          </a:prstGeom>
+        </p:spPr>
+      </p:pic>
+      <p:pic>
+        <p:nvPicPr>
+          <p:cNvPr id="29" name="Image 28"/>
+          <p:cNvPicPr>
+            <a:picLocks noChangeAspect="1"/>
+          </p:cNvPicPr>
+          <p:nvPr/>
+        </p:nvPicPr>
+        <p:blipFill>
+          <a:blip r:embed="rId3" cstate="print">
+            <a:extLst>
+              <a:ext uri="{28A0092B-C50C-407E-A947-70E740481C1C}">
+                <a14:useLocalDpi xmlns:a14="http://schemas.microsoft.com/office/drawing/2010/main" val="0"/>
+              </a:ext>
+            </a:extLst>
+          </a:blip>
+          <a:stretch>
+            <a:fillRect/>
+          </a:stretch>
+        </p:blipFill>
+        <p:spPr>
+          <a:xfrm>
+            <a:off x="1328807" y="4051009"/>
+            <a:ext cx="1909471" cy="1118831"/>
+          </a:xfrm>
+          <a:prstGeom prst="rect">
+            <a:avLst/>
+          </a:prstGeom>
+        </p:spPr>
+      </p:pic>
+      <p:pic>
+        <p:nvPicPr>
+          <p:cNvPr id="33" name="Image 32"/>
+          <p:cNvPicPr>
+            <a:picLocks noChangeAspect="1"/>
+          </p:cNvPicPr>
+          <p:nvPr/>
+        </p:nvPicPr>
+        <p:blipFill>
+          <a:blip r:embed="rId4" cstate="print">
+            <a:extLst>
+              <a:ext uri="{28A0092B-C50C-407E-A947-70E740481C1C}">
+                <a14:useLocalDpi xmlns:a14="http://schemas.microsoft.com/office/drawing/2010/main" val="0"/>
+              </a:ext>
+            </a:extLst>
+          </a:blip>
+          <a:stretch>
+            <a:fillRect/>
+          </a:stretch>
+        </p:blipFill>
+        <p:spPr>
+          <a:xfrm>
+            <a:off x="4915618" y="5326063"/>
+            <a:ext cx="1290637" cy="1290637"/>
+          </a:xfrm>
+          <a:prstGeom prst="rect">
+            <a:avLst/>
+          </a:prstGeom>
+        </p:spPr>
+      </p:pic>
+      <p:pic>
+        <p:nvPicPr>
+          <p:cNvPr id="37" name="Image 36"/>
+          <p:cNvPicPr>
+            <a:picLocks noChangeAspect="1"/>
+          </p:cNvPicPr>
+          <p:nvPr/>
+        </p:nvPicPr>
+        <p:blipFill>
+          <a:blip r:embed="rId5" cstate="print">
+            <a:extLst>
+              <a:ext uri="{28A0092B-C50C-407E-A947-70E740481C1C}">
+                <a14:useLocalDpi xmlns:a14="http://schemas.microsoft.com/office/drawing/2010/main" val="0"/>
+              </a:ext>
+            </a:extLst>
+          </a:blip>
+          <a:stretch>
+            <a:fillRect/>
+          </a:stretch>
+        </p:blipFill>
+        <p:spPr>
+          <a:xfrm>
+            <a:off x="8466063" y="3530862"/>
+            <a:ext cx="1777972" cy="919545"/>
+          </a:xfrm>
+          <a:prstGeom prst="rect">
+            <a:avLst/>
+          </a:prstGeom>
+        </p:spPr>
+      </p:pic>
+      <p:pic>
+        <p:nvPicPr>
+          <p:cNvPr id="39" name="Image 38"/>
+          <p:cNvPicPr>
+            <a:picLocks noChangeAspect="1"/>
+          </p:cNvPicPr>
+          <p:nvPr/>
+        </p:nvPicPr>
+        <p:blipFill>
+          <a:blip r:embed="rId6" cstate="print">
+            <a:extLst>
+              <a:ext uri="{28A0092B-C50C-407E-A947-70E740481C1C}">
+                <a14:useLocalDpi xmlns:a14="http://schemas.microsoft.com/office/drawing/2010/main" val="0"/>
+              </a:ext>
+            </a:extLst>
+          </a:blip>
+          <a:stretch>
+            <a:fillRect/>
+          </a:stretch>
+        </p:blipFill>
+        <p:spPr>
+          <a:xfrm>
+            <a:off x="1625191" y="3034572"/>
+            <a:ext cx="1316704" cy="711020"/>
+          </a:xfrm>
+          <a:prstGeom prst="rect">
+            <a:avLst/>
+          </a:prstGeom>
+        </p:spPr>
+      </p:pic>
+      <p:pic>
+        <p:nvPicPr>
+          <p:cNvPr id="41" name="Image 40"/>
+          <p:cNvPicPr>
+            <a:picLocks noChangeAspect="1"/>
+          </p:cNvPicPr>
+          <p:nvPr/>
+        </p:nvPicPr>
+        <p:blipFill>
+          <a:blip r:embed="rId7" cstate="print">
+            <a:extLst>
+              <a:ext uri="{28A0092B-C50C-407E-A947-70E740481C1C}">
+                <a14:useLocalDpi xmlns:a14="http://schemas.microsoft.com/office/drawing/2010/main" val="0"/>
+              </a:ext>
+            </a:extLst>
+          </a:blip>
+          <a:stretch>
+            <a:fillRect/>
+          </a:stretch>
+        </p:blipFill>
+        <p:spPr>
+          <a:xfrm>
+            <a:off x="9570963" y="4932631"/>
+            <a:ext cx="1002078" cy="1266825"/>
+          </a:xfrm>
+          <a:prstGeom prst="rect">
+            <a:avLst/>
+          </a:prstGeom>
+        </p:spPr>
+      </p:pic>
+      <p:sp>
+        <p:nvSpPr>
+          <p:cNvPr id="52" name="Espace réservé du contenu 51"/>
+          <p:cNvSpPr>
+            <a:spLocks noGrp="1"/>
+          </p:cNvSpPr>
+          <p:nvPr>
+            <p:ph idx="1"/>
+          </p:nvPr>
+        </p:nvSpPr>
+        <p:spPr>
+          <a:xfrm>
+            <a:off x="4471988" y="1978025"/>
+            <a:ext cx="3076575" cy="4351338"/>
+          </a:xfrm>
+        </p:spPr>
+        <p:txBody>
+          <a:bodyPr/>
+          <a:lstStyle/>
+          <a:p>
+            <a:r>
+              <a:rPr lang="fr-FR" dirty="0" err="1"/>
+              <a:t>Highcharts</a:t>
+            </a:r>
+            <a:endParaRPr lang="fr-FR" dirty="0"/>
+          </a:p>
+          <a:p>
+            <a:r>
+              <a:rPr lang="fr-FR" dirty="0"/>
+              <a:t>Ajax/jQuery</a:t>
+            </a:r>
+          </a:p>
+        </p:txBody>
+      </p:sp>
+      <p:pic>
+        <p:nvPicPr>
+          <p:cNvPr id="54" name="Image 53"/>
+          <p:cNvPicPr>
+            <a:picLocks noChangeAspect="1"/>
+          </p:cNvPicPr>
+          <p:nvPr/>
+        </p:nvPicPr>
+        <p:blipFill>
+          <a:blip r:embed="rId8" cstate="print">
+            <a:extLst>
+              <a:ext uri="{28A0092B-C50C-407E-A947-70E740481C1C}">
+                <a14:useLocalDpi xmlns:a14="http://schemas.microsoft.com/office/drawing/2010/main" val="0"/>
+              </a:ext>
+            </a:extLst>
+          </a:blip>
+          <a:stretch>
+            <a:fillRect/>
+          </a:stretch>
+        </p:blipFill>
+        <p:spPr>
+          <a:xfrm>
+            <a:off x="1862612" y="5566043"/>
+            <a:ext cx="841859" cy="841859"/>
+          </a:xfrm>
+          <a:prstGeom prst="rect">
+            <a:avLst/>
+          </a:prstGeom>
+        </p:spPr>
+      </p:pic>
+      <p:pic>
+        <p:nvPicPr>
+          <p:cNvPr id="56" name="Image 55"/>
+          <p:cNvPicPr>
+            <a:picLocks noChangeAspect="1"/>
+          </p:cNvPicPr>
+          <p:nvPr/>
+        </p:nvPicPr>
+        <p:blipFill>
+          <a:blip r:embed="rId9">
+            <a:extLst>
+              <a:ext uri="{28A0092B-C50C-407E-A947-70E740481C1C}">
+                <a14:useLocalDpi xmlns:a14="http://schemas.microsoft.com/office/drawing/2010/main" val="0"/>
+              </a:ext>
+            </a:extLst>
+          </a:blip>
+          <a:stretch>
+            <a:fillRect/>
+          </a:stretch>
+        </p:blipFill>
+        <p:spPr>
+          <a:xfrm>
+            <a:off x="4536523" y="4153694"/>
+            <a:ext cx="2048828" cy="1020092"/>
+          </a:xfrm>
+          <a:prstGeom prst="rect">
+            <a:avLst/>
+          </a:prstGeom>
+        </p:spPr>
+      </p:pic>
+      <p:sp>
+        <p:nvSpPr>
+          <p:cNvPr id="57" name="Espace réservé du contenu 51"/>
+          <p:cNvSpPr txBox="1">
+            <a:spLocks/>
+          </p:cNvSpPr>
+          <p:nvPr/>
+        </p:nvSpPr>
+        <p:spPr>
+          <a:xfrm>
+            <a:off x="990600" y="1978025"/>
+            <a:ext cx="3076575" cy="4351338"/>
+          </a:xfrm>
+          <a:prstGeom prst="rect">
+            <a:avLst/>
+          </a:prstGeom>
+        </p:spPr>
+        <p:txBody>
+          <a:bodyPr vert="horz" lIns="91440" tIns="45720" rIns="91440" bIns="45720" rtlCol="0">
+            <a:normAutofit/>
+          </a:bodyPr>
+          <a:lstStyle>
+            <a:lvl1pPr marL="228600" indent="-228600" algn="l" defTabSz="914400" rtl="0" eaLnBrk="1" latinLnBrk="0" hangingPunct="1">
+              <a:lnSpc>
+                <a:spcPct val="90000"/>
+              </a:lnSpc>
+              <a:spcBef>
+                <a:spcPts val="1000"/>
+              </a:spcBef>
+              <a:buFont typeface="Arial" panose="020B0604020202020204" pitchFamily="34" charset="0"/>
+              <a:buChar char="•"/>
+              <a:defRPr sz="2800" kern="1200">
+                <a:solidFill>
+                  <a:schemeClr val="bg1"/>
+                </a:solidFill>
+                <a:latin typeface="+mn-lt"/>
+                <a:ea typeface="+mn-ea"/>
+                <a:cs typeface="+mn-cs"/>
+              </a:defRPr>
+            </a:lvl1pPr>
+            <a:lvl2pPr marL="685800" indent="-228600" algn="l" defTabSz="914400" rtl="0" eaLnBrk="1" latinLnBrk="0" hangingPunct="1">
+              <a:lnSpc>
+                <a:spcPct val="90000"/>
+              </a:lnSpc>
+              <a:spcBef>
+                <a:spcPts val="500"/>
+              </a:spcBef>
+              <a:buFont typeface="Arial" panose="020B0604020202020204" pitchFamily="34" charset="0"/>
+              <a:buChar char="•"/>
+              <a:defRPr sz="2400" kern="1200">
+                <a:solidFill>
+                  <a:schemeClr val="bg1"/>
+                </a:solidFill>
+                <a:latin typeface="+mn-lt"/>
+                <a:ea typeface="+mn-ea"/>
+                <a:cs typeface="+mn-cs"/>
+              </a:defRPr>
+            </a:lvl2pPr>
+            <a:lvl3pPr marL="1143000" indent="-228600" algn="l" defTabSz="914400" rtl="0" eaLnBrk="1" latinLnBrk="0" hangingPunct="1">
+              <a:lnSpc>
+                <a:spcPct val="90000"/>
+              </a:lnSpc>
+              <a:spcBef>
+                <a:spcPts val="500"/>
+              </a:spcBef>
+              <a:buFont typeface="Arial" panose="020B0604020202020204" pitchFamily="34" charset="0"/>
+              <a:buChar char="•"/>
+              <a:defRPr sz="2000" kern="1200">
+                <a:solidFill>
+                  <a:schemeClr val="bg1"/>
+                </a:solidFill>
+                <a:latin typeface="+mn-lt"/>
+                <a:ea typeface="+mn-ea"/>
+                <a:cs typeface="+mn-cs"/>
+              </a:defRPr>
+            </a:lvl3pPr>
+            <a:lvl4pPr marL="1600200" indent="-228600" algn="l" defTabSz="914400" rtl="0" eaLnBrk="1" latinLnBrk="0" hangingPunct="1">
+              <a:lnSpc>
+                <a:spcPct val="90000"/>
+              </a:lnSpc>
+              <a:spcBef>
+                <a:spcPts val="500"/>
+              </a:spcBef>
+              <a:buFont typeface="Arial" panose="020B0604020202020204" pitchFamily="34" charset="0"/>
+              <a:buChar char="•"/>
+              <a:defRPr sz="1800" kern="1200">
+                <a:solidFill>
+                  <a:schemeClr val="bg1"/>
+                </a:solidFill>
+                <a:latin typeface="+mn-lt"/>
+                <a:ea typeface="+mn-ea"/>
+                <a:cs typeface="+mn-cs"/>
+              </a:defRPr>
+            </a:lvl4pPr>
+            <a:lvl5pPr marL="2057400" indent="-228600" algn="l" defTabSz="914400" rtl="0" eaLnBrk="1" latinLnBrk="0" hangingPunct="1">
+              <a:lnSpc>
+                <a:spcPct val="90000"/>
+              </a:lnSpc>
+              <a:spcBef>
+                <a:spcPts val="500"/>
+              </a:spcBef>
+              <a:buFont typeface="Arial" panose="020B0604020202020204" pitchFamily="34" charset="0"/>
+              <a:buChar char="•"/>
+              <a:defRPr sz="1800" kern="1200">
+                <a:solidFill>
+                  <a:schemeClr val="bg1"/>
+                </a:solidFill>
+                <a:latin typeface="+mn-lt"/>
+                <a:ea typeface="+mn-ea"/>
+                <a:cs typeface="+mn-cs"/>
+              </a:defRPr>
+            </a:lvl5pPr>
+            <a:lvl6pPr marL="2514600" indent="-228600" algn="l" defTabSz="914400" rtl="0" eaLnBrk="1" latinLnBrk="0" hangingPunct="1">
+              <a:lnSpc>
+                <a:spcPct val="90000"/>
+              </a:lnSpc>
+              <a:spcBef>
+                <a:spcPts val="500"/>
+              </a:spcBef>
+              <a:buFont typeface="Arial" panose="020B0604020202020204" pitchFamily="34" charset="0"/>
+              <a:buChar char="•"/>
+              <a:defRPr sz="1800" kern="1200">
+                <a:solidFill>
+                  <a:schemeClr val="tx1"/>
+                </a:solidFill>
+                <a:latin typeface="+mn-lt"/>
+                <a:ea typeface="+mn-ea"/>
+                <a:cs typeface="+mn-cs"/>
+              </a:defRPr>
+            </a:lvl6pPr>
+            <a:lvl7pPr marL="2971800" indent="-228600" algn="l" defTabSz="914400" rtl="0" eaLnBrk="1" latinLnBrk="0" hangingPunct="1">
+              <a:lnSpc>
+                <a:spcPct val="90000"/>
+              </a:lnSpc>
+              <a:spcBef>
+                <a:spcPts val="500"/>
+              </a:spcBef>
+              <a:buFont typeface="Arial" panose="020B0604020202020204" pitchFamily="34" charset="0"/>
+              <a:buChar char="•"/>
+              <a:defRPr sz="1800" kern="1200">
+                <a:solidFill>
+                  <a:schemeClr val="tx1"/>
+                </a:solidFill>
+                <a:latin typeface="+mn-lt"/>
+                <a:ea typeface="+mn-ea"/>
+                <a:cs typeface="+mn-cs"/>
+              </a:defRPr>
+            </a:lvl7pPr>
+            <a:lvl8pPr marL="3429000" indent="-228600" algn="l" defTabSz="914400" rtl="0" eaLnBrk="1" latinLnBrk="0" hangingPunct="1">
+              <a:lnSpc>
+                <a:spcPct val="90000"/>
+              </a:lnSpc>
+              <a:spcBef>
+                <a:spcPts val="500"/>
+              </a:spcBef>
+              <a:buFont typeface="Arial" panose="020B0604020202020204" pitchFamily="34" charset="0"/>
+              <a:buChar char="•"/>
+              <a:defRPr sz="1800" kern="1200">
+                <a:solidFill>
+                  <a:schemeClr val="tx1"/>
+                </a:solidFill>
+                <a:latin typeface="+mn-lt"/>
+                <a:ea typeface="+mn-ea"/>
+                <a:cs typeface="+mn-cs"/>
+              </a:defRPr>
+            </a:lvl8pPr>
+            <a:lvl9pPr marL="3886200" indent="-228600" algn="l" defTabSz="914400" rtl="0" eaLnBrk="1" latinLnBrk="0" hangingPunct="1">
+              <a:lnSpc>
+                <a:spcPct val="90000"/>
+              </a:lnSpc>
+              <a:spcBef>
+                <a:spcPts val="500"/>
+              </a:spcBef>
+              <a:buFont typeface="Arial" panose="020B0604020202020204" pitchFamily="34" charset="0"/>
+              <a:buChar char="•"/>
+              <a:defRPr sz="1800" kern="1200">
+                <a:solidFill>
+                  <a:schemeClr val="tx1"/>
+                </a:solidFill>
+                <a:latin typeface="+mn-lt"/>
+                <a:ea typeface="+mn-ea"/>
+                <a:cs typeface="+mn-cs"/>
+              </a:defRPr>
+            </a:lvl9pPr>
+          </a:lstStyle>
+          <a:p>
+            <a:r>
+              <a:rPr lang="fr-FR" dirty="0" smtClean="0"/>
+              <a:t>PHP/HTML/CSS/JS</a:t>
+            </a:r>
+            <a:endParaRPr lang="fr-FR" dirty="0"/>
+          </a:p>
+          <a:p>
+            <a:r>
+              <a:rPr lang="fr-FR" dirty="0"/>
+              <a:t>Bootstrap</a:t>
+            </a:r>
+          </a:p>
+        </p:txBody>
+      </p:sp>
+      <p:sp>
+        <p:nvSpPr>
+          <p:cNvPr id="58" name="Espace réservé du contenu 51"/>
+          <p:cNvSpPr txBox="1">
+            <a:spLocks/>
+          </p:cNvSpPr>
+          <p:nvPr/>
+        </p:nvSpPr>
+        <p:spPr>
+          <a:xfrm>
+            <a:off x="7953376" y="1978025"/>
+            <a:ext cx="3076575" cy="4351338"/>
+          </a:xfrm>
+          <a:prstGeom prst="rect">
+            <a:avLst/>
+          </a:prstGeom>
+        </p:spPr>
+        <p:txBody>
+          <a:bodyPr vert="horz" lIns="91440" tIns="45720" rIns="91440" bIns="45720" rtlCol="0">
+            <a:normAutofit/>
+          </a:bodyPr>
+          <a:lstStyle>
+            <a:lvl1pPr marL="228600" indent="-228600" algn="l" defTabSz="914400" rtl="0" eaLnBrk="1" latinLnBrk="0" hangingPunct="1">
+              <a:lnSpc>
+                <a:spcPct val="90000"/>
+              </a:lnSpc>
+              <a:spcBef>
+                <a:spcPts val="1000"/>
+              </a:spcBef>
+              <a:buFont typeface="Arial" panose="020B0604020202020204" pitchFamily="34" charset="0"/>
+              <a:buChar char="•"/>
+              <a:defRPr sz="2800" kern="1200">
+                <a:solidFill>
+                  <a:schemeClr val="bg1"/>
+                </a:solidFill>
+                <a:latin typeface="+mn-lt"/>
+                <a:ea typeface="+mn-ea"/>
+                <a:cs typeface="+mn-cs"/>
+              </a:defRPr>
+            </a:lvl1pPr>
+            <a:lvl2pPr marL="685800" indent="-228600" algn="l" defTabSz="914400" rtl="0" eaLnBrk="1" latinLnBrk="0" hangingPunct="1">
+              <a:lnSpc>
+                <a:spcPct val="90000"/>
+              </a:lnSpc>
+              <a:spcBef>
+                <a:spcPts val="500"/>
+              </a:spcBef>
+              <a:buFont typeface="Arial" panose="020B0604020202020204" pitchFamily="34" charset="0"/>
+              <a:buChar char="•"/>
+              <a:defRPr sz="2400" kern="1200">
+                <a:solidFill>
+                  <a:schemeClr val="bg1"/>
+                </a:solidFill>
+                <a:latin typeface="+mn-lt"/>
+                <a:ea typeface="+mn-ea"/>
+                <a:cs typeface="+mn-cs"/>
+              </a:defRPr>
+            </a:lvl2pPr>
+            <a:lvl3pPr marL="1143000" indent="-228600" algn="l" defTabSz="914400" rtl="0" eaLnBrk="1" latinLnBrk="0" hangingPunct="1">
+              <a:lnSpc>
+                <a:spcPct val="90000"/>
+              </a:lnSpc>
+              <a:spcBef>
+                <a:spcPts val="500"/>
+              </a:spcBef>
+              <a:buFont typeface="Arial" panose="020B0604020202020204" pitchFamily="34" charset="0"/>
+              <a:buChar char="•"/>
+              <a:defRPr sz="2000" kern="1200">
+                <a:solidFill>
+                  <a:schemeClr val="bg1"/>
+                </a:solidFill>
+                <a:latin typeface="+mn-lt"/>
+                <a:ea typeface="+mn-ea"/>
+                <a:cs typeface="+mn-cs"/>
+              </a:defRPr>
+            </a:lvl3pPr>
+            <a:lvl4pPr marL="1600200" indent="-228600" algn="l" defTabSz="914400" rtl="0" eaLnBrk="1" latinLnBrk="0" hangingPunct="1">
+              <a:lnSpc>
+                <a:spcPct val="90000"/>
+              </a:lnSpc>
+              <a:spcBef>
+                <a:spcPts val="500"/>
+              </a:spcBef>
+              <a:buFont typeface="Arial" panose="020B0604020202020204" pitchFamily="34" charset="0"/>
+              <a:buChar char="•"/>
+              <a:defRPr sz="1800" kern="1200">
+                <a:solidFill>
+                  <a:schemeClr val="bg1"/>
+                </a:solidFill>
+                <a:latin typeface="+mn-lt"/>
+                <a:ea typeface="+mn-ea"/>
+                <a:cs typeface="+mn-cs"/>
+              </a:defRPr>
+            </a:lvl4pPr>
+            <a:lvl5pPr marL="2057400" indent="-228600" algn="l" defTabSz="914400" rtl="0" eaLnBrk="1" latinLnBrk="0" hangingPunct="1">
+              <a:lnSpc>
+                <a:spcPct val="90000"/>
+              </a:lnSpc>
+              <a:spcBef>
+                <a:spcPts val="500"/>
+              </a:spcBef>
+              <a:buFont typeface="Arial" panose="020B0604020202020204" pitchFamily="34" charset="0"/>
+              <a:buChar char="•"/>
+              <a:defRPr sz="1800" kern="1200">
+                <a:solidFill>
+                  <a:schemeClr val="bg1"/>
+                </a:solidFill>
+                <a:latin typeface="+mn-lt"/>
+                <a:ea typeface="+mn-ea"/>
+                <a:cs typeface="+mn-cs"/>
+              </a:defRPr>
+            </a:lvl5pPr>
+            <a:lvl6pPr marL="2514600" indent="-228600" algn="l" defTabSz="914400" rtl="0" eaLnBrk="1" latinLnBrk="0" hangingPunct="1">
+              <a:lnSpc>
+                <a:spcPct val="90000"/>
+              </a:lnSpc>
+              <a:spcBef>
+                <a:spcPts val="500"/>
+              </a:spcBef>
+              <a:buFont typeface="Arial" panose="020B0604020202020204" pitchFamily="34" charset="0"/>
+              <a:buChar char="•"/>
+              <a:defRPr sz="1800" kern="1200">
+                <a:solidFill>
+                  <a:schemeClr val="tx1"/>
+                </a:solidFill>
+                <a:latin typeface="+mn-lt"/>
+                <a:ea typeface="+mn-ea"/>
+                <a:cs typeface="+mn-cs"/>
+              </a:defRPr>
+            </a:lvl6pPr>
+            <a:lvl7pPr marL="2971800" indent="-228600" algn="l" defTabSz="914400" rtl="0" eaLnBrk="1" latinLnBrk="0" hangingPunct="1">
+              <a:lnSpc>
+                <a:spcPct val="90000"/>
+              </a:lnSpc>
+              <a:spcBef>
+                <a:spcPts val="500"/>
+              </a:spcBef>
+              <a:buFont typeface="Arial" panose="020B0604020202020204" pitchFamily="34" charset="0"/>
+              <a:buChar char="•"/>
+              <a:defRPr sz="1800" kern="1200">
+                <a:solidFill>
+                  <a:schemeClr val="tx1"/>
+                </a:solidFill>
+                <a:latin typeface="+mn-lt"/>
+                <a:ea typeface="+mn-ea"/>
+                <a:cs typeface="+mn-cs"/>
+              </a:defRPr>
+            </a:lvl7pPr>
+            <a:lvl8pPr marL="3429000" indent="-228600" algn="l" defTabSz="914400" rtl="0" eaLnBrk="1" latinLnBrk="0" hangingPunct="1">
+              <a:lnSpc>
+                <a:spcPct val="90000"/>
+              </a:lnSpc>
+              <a:spcBef>
+                <a:spcPts val="500"/>
+              </a:spcBef>
+              <a:buFont typeface="Arial" panose="020B0604020202020204" pitchFamily="34" charset="0"/>
+              <a:buChar char="•"/>
+              <a:defRPr sz="1800" kern="1200">
+                <a:solidFill>
+                  <a:schemeClr val="tx1"/>
+                </a:solidFill>
+                <a:latin typeface="+mn-lt"/>
+                <a:ea typeface="+mn-ea"/>
+                <a:cs typeface="+mn-cs"/>
+              </a:defRPr>
+            </a:lvl8pPr>
+            <a:lvl9pPr marL="3886200" indent="-228600" algn="l" defTabSz="914400" rtl="0" eaLnBrk="1" latinLnBrk="0" hangingPunct="1">
+              <a:lnSpc>
+                <a:spcPct val="90000"/>
+              </a:lnSpc>
+              <a:spcBef>
+                <a:spcPts val="500"/>
+              </a:spcBef>
+              <a:buFont typeface="Arial" panose="020B0604020202020204" pitchFamily="34" charset="0"/>
+              <a:buChar char="•"/>
+              <a:defRPr sz="1800" kern="1200">
+                <a:solidFill>
+                  <a:schemeClr val="tx1"/>
+                </a:solidFill>
+                <a:latin typeface="+mn-lt"/>
+                <a:ea typeface="+mn-ea"/>
+                <a:cs typeface="+mn-cs"/>
+              </a:defRPr>
+            </a:lvl9pPr>
+          </a:lstStyle>
+          <a:p>
+            <a:r>
               <a:rPr lang="fr-FR" dirty="0"/>
               <a:t>MySQL</a:t>
             </a:r>
@@ -5262,8 +4907,20 @@
           </a:p>
           <a:p>
             <a:r>
+              <a:rPr lang="fr-FR" dirty="0" err="1"/>
+              <a:t>Raspberry</a:t>
+            </a:r>
+            <a:r>
               <a:rPr lang="fr-FR" dirty="0"/>
-              <a:t>Raspberry pi 3</a:t>
+              <a:t> </a:t>
+            </a:r>
+            <a:r>
+              <a:rPr lang="fr-FR" dirty="0" smtClean="0"/>
+              <a:t>PI </a:t>
+            </a:r>
+            <a:r>
+              <a:rPr lang="fr-FR" dirty="0"/>
+              <a:t>3</a:t>
             </a:r>
           </a:p>
         </p:txBody>
@@ -5301,13 +4958,3067 @@
     </p:spTree>
     <p:extLst>
       <p:ext uri="{BB962C8B-B14F-4D97-AF65-F5344CB8AC3E}">
-        <p14:creationId xmlns:p14="http://schemas.microsoft.com/office/powerpoint/2010/main" val="2205020198"/>
+        <p14:creationId xmlns:p14="http://schemas.microsoft.com/office/powerpoint/2010/main" val="3929550831"/>
       </p:ext>
     </p:extLst>
   </p:cSld>
   <p:clrMapOvr>
     <a:masterClrMapping/>
   </p:clrMapOvr>
+  <p:timing>
+    <p:tnLst>
+      <p:par>
+        <p:cTn id="1" dur="indefinite" restart="never" nodeType="tmRoot"/>
+      </p:par>
+    </p:tnLst>
+  </p:timing>
+</p:sld>
+</file>
+
+<file path=ppt/slides/slide13.xml><?xml version="1.0" encoding="utf-8"?>
+<p:sld xmlns:a="http://schemas.openxmlformats.org/drawingml/2006/main" xmlns:r="http://schemas.openxmlformats.org/officeDocument/2006/relationships" xmlns:p="http://schemas.openxmlformats.org/presentationml/2006/main">
+  <p:cSld>
+    <p:spTree>
+      <p:nvGrpSpPr>
+        <p:cNvPr id="1" name=""/>
+        <p:cNvGrpSpPr/>
+        <p:nvPr/>
+      </p:nvGrpSpPr>
+      <p:grpSpPr>
+        <a:xfrm>
+          <a:off x="0" y="0"/>
+          <a:ext cx="0" cy="0"/>
+          <a:chOff x="0" y="0"/>
+          <a:chExt cx="0" cy="0"/>
+        </a:xfrm>
+      </p:grpSpPr>
+      <p:sp>
+        <p:nvSpPr>
+          <p:cNvPr id="2" name="Titre 1"/>
+          <p:cNvSpPr>
+            <a:spLocks noGrp="1"/>
+          </p:cNvSpPr>
+          <p:nvPr>
+            <p:ph type="title"/>
+          </p:nvPr>
+        </p:nvSpPr>
+        <p:spPr/>
+        <p:txBody>
+          <a:bodyPr/>
+          <a:lstStyle/>
+          <a:p>
+            <a:r>
+              <a:rPr lang="fr-FR" dirty="0" smtClean="0"/>
+              <a:t>HTML/CSS</a:t>
+            </a:r>
+            <a:endParaRPr lang="fr-FR" dirty="0"/>
+          </a:p>
+        </p:txBody>
+      </p:sp>
+      <p:sp>
+        <p:nvSpPr>
+          <p:cNvPr id="3" name="Espace réservé du contenu 2"/>
+          <p:cNvSpPr>
+            <a:spLocks noGrp="1"/>
+          </p:cNvSpPr>
+          <p:nvPr>
+            <p:ph idx="1"/>
+          </p:nvPr>
+        </p:nvSpPr>
+        <p:spPr>
+          <a:xfrm>
+            <a:off x="838200" y="1825625"/>
+            <a:ext cx="4776989" cy="4351338"/>
+          </a:xfrm>
+        </p:spPr>
+        <p:txBody>
+          <a:bodyPr/>
+          <a:lstStyle/>
+          <a:p>
+            <a:r>
+              <a:rPr lang="fr-FR" dirty="0"/>
+              <a:t>Supporté par toutes les machines</a:t>
+            </a:r>
+          </a:p>
+          <a:p>
+            <a:endParaRPr lang="fr-FR" dirty="0"/>
+          </a:p>
+          <a:p>
+            <a:r>
+              <a:rPr lang="fr-FR" dirty="0"/>
+              <a:t>Simple à maintenir</a:t>
+            </a:r>
+          </a:p>
+          <a:p>
+            <a:endParaRPr lang="fr-FR" dirty="0"/>
+          </a:p>
+          <a:p>
+            <a:r>
+              <a:rPr lang="fr-FR" dirty="0"/>
+              <a:t>Répond à nos attentes</a:t>
+            </a:r>
+          </a:p>
+          <a:p>
+            <a:endParaRPr lang="fr-FR" dirty="0"/>
+          </a:p>
+          <a:p>
+            <a:r>
+              <a:rPr lang="fr-FR" dirty="0"/>
+              <a:t>Passage de </a:t>
+            </a:r>
+            <a:r>
+              <a:rPr lang="fr-FR" dirty="0" smtClean="0"/>
+              <a:t>CSS, </a:t>
+            </a:r>
+            <a:r>
+              <a:rPr lang="fr-FR" dirty="0"/>
+              <a:t>entièrement à la main, à </a:t>
+            </a:r>
+            <a:r>
+              <a:rPr lang="fr-FR" dirty="0" err="1"/>
+              <a:t>B</a:t>
+            </a:r>
+            <a:r>
+              <a:rPr lang="fr-FR" dirty="0" err="1" smtClean="0"/>
+              <a:t>ootstrap</a:t>
+            </a:r>
+            <a:endParaRPr lang="fr-FR" dirty="0"/>
+          </a:p>
+        </p:txBody>
+      </p:sp>
+      <p:pic>
+        <p:nvPicPr>
+          <p:cNvPr id="5" name="Image 4"/>
+          <p:cNvPicPr>
+            <a:picLocks noChangeAspect="1"/>
+          </p:cNvPicPr>
+          <p:nvPr/>
+        </p:nvPicPr>
+        <p:blipFill>
+          <a:blip r:embed="rId2"/>
+          <a:stretch>
+            <a:fillRect/>
+          </a:stretch>
+        </p:blipFill>
+        <p:spPr>
+          <a:xfrm>
+            <a:off x="5081522" y="2171231"/>
+            <a:ext cx="6135978" cy="2906222"/>
+          </a:xfrm>
+          <a:prstGeom prst="rect">
+            <a:avLst/>
+          </a:prstGeom>
+        </p:spPr>
+      </p:pic>
+    </p:spTree>
+    <p:extLst>
+      <p:ext uri="{BB962C8B-B14F-4D97-AF65-F5344CB8AC3E}">
+        <p14:creationId xmlns:p14="http://schemas.microsoft.com/office/powerpoint/2010/main" val="1994096121"/>
+      </p:ext>
+    </p:extLst>
+  </p:cSld>
+  <p:clrMapOvr>
+    <a:masterClrMapping/>
+  </p:clrMapOvr>
+  <p:timing>
+    <p:tnLst>
+      <p:par>
+        <p:cTn id="1" dur="indefinite" restart="never" nodeType="tmRoot"/>
+      </p:par>
+    </p:tnLst>
+  </p:timing>
+</p:sld>
+</file>
+
+<file path=ppt/slides/slide14.xml><?xml version="1.0" encoding="utf-8"?>
+<p:sld xmlns:a="http://schemas.openxmlformats.org/drawingml/2006/main" xmlns:r="http://schemas.openxmlformats.org/officeDocument/2006/relationships" xmlns:p="http://schemas.openxmlformats.org/presentationml/2006/main">
+  <p:cSld>
+    <p:spTree>
+      <p:nvGrpSpPr>
+        <p:cNvPr id="1" name=""/>
+        <p:cNvGrpSpPr/>
+        <p:nvPr/>
+      </p:nvGrpSpPr>
+      <p:grpSpPr>
+        <a:xfrm>
+          <a:off x="0" y="0"/>
+          <a:ext cx="0" cy="0"/>
+          <a:chOff x="0" y="0"/>
+          <a:chExt cx="0" cy="0"/>
+        </a:xfrm>
+      </p:grpSpPr>
+      <p:sp>
+        <p:nvSpPr>
+          <p:cNvPr id="8" name="Rectangle 7"/>
+          <p:cNvSpPr/>
+          <p:nvPr/>
+        </p:nvSpPr>
+        <p:spPr>
+          <a:xfrm>
+            <a:off x="6835531" y="4885678"/>
+            <a:ext cx="2667001" cy="1262658"/>
+          </a:xfrm>
+          <a:prstGeom prst="rect">
+            <a:avLst/>
+          </a:prstGeom>
+          <a:solidFill>
+            <a:schemeClr val="bg1"/>
+          </a:solidFill>
+          <a:ln>
+            <a:noFill/>
+          </a:ln>
+        </p:spPr>
+        <p:style>
+          <a:lnRef idx="2">
+            <a:schemeClr val="accent1">
+              <a:shade val="50000"/>
+            </a:schemeClr>
+          </a:lnRef>
+          <a:fillRef idx="1">
+            <a:schemeClr val="accent1"/>
+          </a:fillRef>
+          <a:effectRef idx="0">
+            <a:schemeClr val="accent1"/>
+          </a:effectRef>
+          <a:fontRef idx="minor">
+            <a:schemeClr val="lt1"/>
+          </a:fontRef>
+        </p:style>
+        <p:txBody>
+          <a:bodyPr rtlCol="0" anchor="ctr"/>
+          <a:lstStyle/>
+          <a:p>
+            <a:pPr algn="ctr"/>
+            <a:endParaRPr lang="fr-FR"/>
+          </a:p>
+        </p:txBody>
+      </p:sp>
+      <p:sp>
+        <p:nvSpPr>
+          <p:cNvPr id="2" name="Titre 1"/>
+          <p:cNvSpPr>
+            <a:spLocks noGrp="1"/>
+          </p:cNvSpPr>
+          <p:nvPr>
+            <p:ph type="title"/>
+          </p:nvPr>
+        </p:nvSpPr>
+        <p:spPr/>
+        <p:txBody>
+          <a:bodyPr/>
+          <a:lstStyle/>
+          <a:p>
+            <a:r>
+              <a:rPr lang="fr-FR" dirty="0"/>
+              <a:t>Passage de </a:t>
+            </a:r>
+            <a:r>
+              <a:rPr lang="fr-FR" dirty="0" smtClean="0"/>
+              <a:t>XML </a:t>
+            </a:r>
+            <a:r>
+              <a:rPr lang="fr-FR" dirty="0"/>
+              <a:t>à MySQL et </a:t>
+            </a:r>
+            <a:r>
+              <a:rPr lang="fr-FR" dirty="0" smtClean="0"/>
+              <a:t>PHP</a:t>
+            </a:r>
+            <a:endParaRPr lang="fr-FR" dirty="0"/>
+          </a:p>
+        </p:txBody>
+      </p:sp>
+      <p:sp>
+        <p:nvSpPr>
+          <p:cNvPr id="3" name="Espace réservé du contenu 2"/>
+          <p:cNvSpPr>
+            <a:spLocks noGrp="1"/>
+          </p:cNvSpPr>
+          <p:nvPr>
+            <p:ph idx="1"/>
+          </p:nvPr>
+        </p:nvSpPr>
+        <p:spPr>
+          <a:xfrm>
+            <a:off x="838200" y="1825625"/>
+            <a:ext cx="5887863" cy="4351338"/>
+          </a:xfrm>
+        </p:spPr>
+        <p:txBody>
+          <a:bodyPr/>
+          <a:lstStyle/>
+          <a:p>
+            <a:endParaRPr lang="fr-FR" dirty="0"/>
+          </a:p>
+          <a:p>
+            <a:r>
+              <a:rPr lang="fr-FR" dirty="0"/>
+              <a:t>Plus simple pour stocker et traiter les données</a:t>
+            </a:r>
+          </a:p>
+          <a:p>
+            <a:endParaRPr lang="fr-FR" dirty="0"/>
+          </a:p>
+          <a:p>
+            <a:r>
+              <a:rPr lang="fr-FR" dirty="0" smtClean="0"/>
+              <a:t>PHP pour </a:t>
+            </a:r>
+            <a:r>
+              <a:rPr lang="fr-FR" dirty="0"/>
+              <a:t>communiquer avec la base de </a:t>
+            </a:r>
+            <a:r>
+              <a:rPr lang="fr-FR" dirty="0" smtClean="0"/>
+              <a:t>données</a:t>
+            </a:r>
+          </a:p>
+          <a:p>
+            <a:endParaRPr lang="fr-FR" dirty="0"/>
+          </a:p>
+          <a:p>
+            <a:pPr marL="0" indent="0">
+              <a:buNone/>
+            </a:pPr>
+            <a:r>
+              <a:rPr lang="fr-FR" dirty="0" smtClean="0"/>
+              <a:t>+ Une version du projet avec </a:t>
+            </a:r>
+            <a:r>
+              <a:rPr lang="fr-FR" dirty="0" err="1" smtClean="0"/>
+              <a:t>SQLite</a:t>
+            </a:r>
+            <a:endParaRPr lang="fr-FR" dirty="0"/>
+          </a:p>
+          <a:p>
+            <a:endParaRPr lang="fr-FR" dirty="0"/>
+          </a:p>
+          <a:p>
+            <a:endParaRPr lang="fr-FR" dirty="0"/>
+          </a:p>
+        </p:txBody>
+      </p:sp>
+      <p:pic>
+        <p:nvPicPr>
+          <p:cNvPr id="5" name="Image 4"/>
+          <p:cNvPicPr>
+            <a:picLocks noChangeAspect="1"/>
+          </p:cNvPicPr>
+          <p:nvPr/>
+        </p:nvPicPr>
+        <p:blipFill>
+          <a:blip r:embed="rId2" cstate="print">
+            <a:extLst>
+              <a:ext uri="{28A0092B-C50C-407E-A947-70E740481C1C}">
+                <a14:useLocalDpi xmlns:a14="http://schemas.microsoft.com/office/drawing/2010/main" val="0"/>
+              </a:ext>
+            </a:extLst>
+          </a:blip>
+          <a:stretch>
+            <a:fillRect/>
+          </a:stretch>
+        </p:blipFill>
+        <p:spPr>
+          <a:xfrm>
+            <a:off x="6835532" y="4885678"/>
+            <a:ext cx="2667000" cy="1262658"/>
+          </a:xfrm>
+          <a:prstGeom prst="rect">
+            <a:avLst/>
+          </a:prstGeom>
+        </p:spPr>
+      </p:pic>
+      <p:pic>
+        <p:nvPicPr>
+          <p:cNvPr id="6" name="Image 5"/>
+          <p:cNvPicPr>
+            <a:picLocks noChangeAspect="1"/>
+          </p:cNvPicPr>
+          <p:nvPr/>
+        </p:nvPicPr>
+        <p:blipFill>
+          <a:blip r:embed="rId3" cstate="print">
+            <a:extLst>
+              <a:ext uri="{28A0092B-C50C-407E-A947-70E740481C1C}">
+                <a14:useLocalDpi xmlns:a14="http://schemas.microsoft.com/office/drawing/2010/main" val="0"/>
+              </a:ext>
+            </a:extLst>
+          </a:blip>
+          <a:stretch>
+            <a:fillRect/>
+          </a:stretch>
+        </p:blipFill>
+        <p:spPr>
+          <a:xfrm>
+            <a:off x="7197214" y="1592336"/>
+            <a:ext cx="1479997" cy="1479997"/>
+          </a:xfrm>
+          <a:prstGeom prst="rect">
+            <a:avLst/>
+          </a:prstGeom>
+        </p:spPr>
+      </p:pic>
+      <p:pic>
+        <p:nvPicPr>
+          <p:cNvPr id="7" name="Image 6"/>
+          <p:cNvPicPr>
+            <a:picLocks noChangeAspect="1"/>
+          </p:cNvPicPr>
+          <p:nvPr/>
+        </p:nvPicPr>
+        <p:blipFill>
+          <a:blip r:embed="rId4" cstate="print">
+            <a:extLst>
+              <a:ext uri="{28A0092B-C50C-407E-A947-70E740481C1C}">
+                <a14:useLocalDpi xmlns:a14="http://schemas.microsoft.com/office/drawing/2010/main" val="0"/>
+              </a:ext>
+            </a:extLst>
+          </a:blip>
+          <a:stretch>
+            <a:fillRect/>
+          </a:stretch>
+        </p:blipFill>
+        <p:spPr>
+          <a:xfrm>
+            <a:off x="9410648" y="3519349"/>
+            <a:ext cx="1933563" cy="1055328"/>
+          </a:xfrm>
+          <a:prstGeom prst="rect">
+            <a:avLst/>
+          </a:prstGeom>
+        </p:spPr>
+      </p:pic>
+      <p:pic>
+        <p:nvPicPr>
+          <p:cNvPr id="4" name="Image 3"/>
+          <p:cNvPicPr>
+            <a:picLocks noChangeAspect="1"/>
+          </p:cNvPicPr>
+          <p:nvPr/>
+        </p:nvPicPr>
+        <p:blipFill>
+          <a:blip r:embed="rId5" cstate="print">
+            <a:extLst>
+              <a:ext uri="{28A0092B-C50C-407E-A947-70E740481C1C}">
+                <a14:useLocalDpi xmlns:a14="http://schemas.microsoft.com/office/drawing/2010/main" val="0"/>
+              </a:ext>
+            </a:extLst>
+          </a:blip>
+          <a:stretch>
+            <a:fillRect/>
+          </a:stretch>
+        </p:blipFill>
+        <p:spPr>
+          <a:xfrm>
+            <a:off x="8648574" y="2917899"/>
+            <a:ext cx="1977712" cy="1067964"/>
+          </a:xfrm>
+          <a:prstGeom prst="rect">
+            <a:avLst/>
+          </a:prstGeom>
+        </p:spPr>
+      </p:pic>
+      <p:cxnSp>
+        <p:nvCxnSpPr>
+          <p:cNvPr id="10" name="Connecteur en arc 9"/>
+          <p:cNvCxnSpPr/>
+          <p:nvPr/>
+        </p:nvCxnSpPr>
+        <p:spPr>
+          <a:xfrm>
+            <a:off x="8822028" y="2198390"/>
+            <a:ext cx="1555401" cy="686479"/>
+          </a:xfrm>
+          <a:prstGeom prst="curvedConnector3">
+            <a:avLst>
+              <a:gd name="adj1" fmla="val 103821"/>
+            </a:avLst>
+          </a:prstGeom>
+          <a:ln w="76200">
+            <a:solidFill>
+              <a:schemeClr val="bg1"/>
+            </a:solidFill>
+            <a:tailEnd type="triangle"/>
+          </a:ln>
+        </p:spPr>
+        <p:style>
+          <a:lnRef idx="1">
+            <a:schemeClr val="accent1"/>
+          </a:lnRef>
+          <a:fillRef idx="0">
+            <a:schemeClr val="accent1"/>
+          </a:fillRef>
+          <a:effectRef idx="0">
+            <a:schemeClr val="accent1"/>
+          </a:effectRef>
+          <a:fontRef idx="minor">
+            <a:schemeClr val="tx1"/>
+          </a:fontRef>
+        </p:style>
+      </p:cxnSp>
+      <p:sp>
+        <p:nvSpPr>
+          <p:cNvPr id="15" name="ZoneTexte 14"/>
+          <p:cNvSpPr txBox="1"/>
+          <p:nvPr/>
+        </p:nvSpPr>
+        <p:spPr>
+          <a:xfrm>
+            <a:off x="6429848" y="4232223"/>
+            <a:ext cx="437882" cy="1015663"/>
+          </a:xfrm>
+          <a:prstGeom prst="rect">
+            <a:avLst/>
+          </a:prstGeom>
+          <a:noFill/>
+        </p:spPr>
+        <p:txBody>
+          <a:bodyPr wrap="square" rtlCol="0">
+            <a:spAutoFit/>
+          </a:bodyPr>
+          <a:lstStyle/>
+          <a:p>
+            <a:r>
+              <a:rPr lang="fr-FR" sz="6000" dirty="0" smtClean="0">
+                <a:solidFill>
+                  <a:schemeClr val="bg1"/>
+                </a:solidFill>
+              </a:rPr>
+              <a:t>+</a:t>
+            </a:r>
+            <a:endParaRPr lang="fr-FR" sz="6000" dirty="0">
+              <a:solidFill>
+                <a:schemeClr val="bg1"/>
+              </a:solidFill>
+            </a:endParaRPr>
+          </a:p>
+        </p:txBody>
+      </p:sp>
+    </p:spTree>
+    <p:extLst>
+      <p:ext uri="{BB962C8B-B14F-4D97-AF65-F5344CB8AC3E}">
+        <p14:creationId xmlns:p14="http://schemas.microsoft.com/office/powerpoint/2010/main" val="1705201438"/>
+      </p:ext>
+    </p:extLst>
+  </p:cSld>
+  <p:clrMapOvr>
+    <a:masterClrMapping/>
+  </p:clrMapOvr>
+  <p:timing>
+    <p:tnLst>
+      <p:par>
+        <p:cTn id="1" dur="indefinite" restart="never" nodeType="tmRoot"/>
+      </p:par>
+    </p:tnLst>
+  </p:timing>
+</p:sld>
+</file>
+
+<file path=ppt/slides/slide15.xml><?xml version="1.0" encoding="utf-8"?>
+<p:sld xmlns:a="http://schemas.openxmlformats.org/drawingml/2006/main" xmlns:r="http://schemas.openxmlformats.org/officeDocument/2006/relationships" xmlns:p="http://schemas.openxmlformats.org/presentationml/2006/main">
+  <p:cSld>
+    <p:spTree>
+      <p:nvGrpSpPr>
+        <p:cNvPr id="1" name=""/>
+        <p:cNvGrpSpPr/>
+        <p:nvPr/>
+      </p:nvGrpSpPr>
+      <p:grpSpPr>
+        <a:xfrm>
+          <a:off x="0" y="0"/>
+          <a:ext cx="0" cy="0"/>
+          <a:chOff x="0" y="0"/>
+          <a:chExt cx="0" cy="0"/>
+        </a:xfrm>
+      </p:grpSpPr>
+      <p:sp>
+        <p:nvSpPr>
+          <p:cNvPr id="2" name="Titre 1"/>
+          <p:cNvSpPr>
+            <a:spLocks noGrp="1"/>
+          </p:cNvSpPr>
+          <p:nvPr>
+            <p:ph type="title"/>
+          </p:nvPr>
+        </p:nvSpPr>
+        <p:spPr/>
+        <p:txBody>
+          <a:bodyPr/>
+          <a:lstStyle/>
+          <a:p>
+            <a:r>
+              <a:rPr lang="fr-FR" dirty="0" smtClean="0"/>
+              <a:t>AJAX</a:t>
+            </a:r>
+            <a:endParaRPr lang="fr-FR" dirty="0"/>
+          </a:p>
+        </p:txBody>
+      </p:sp>
+      <p:sp>
+        <p:nvSpPr>
+          <p:cNvPr id="3" name="Espace réservé du contenu 2"/>
+          <p:cNvSpPr>
+            <a:spLocks noGrp="1"/>
+          </p:cNvSpPr>
+          <p:nvPr>
+            <p:ph idx="1"/>
+          </p:nvPr>
+        </p:nvSpPr>
+        <p:spPr/>
+        <p:txBody>
+          <a:bodyPr/>
+          <a:lstStyle/>
+          <a:p>
+            <a:r>
+              <a:rPr lang="fr-FR" dirty="0"/>
+              <a:t>JS pour actualiser le compteur et gérer l’affichage des </a:t>
+            </a:r>
+            <a:r>
+              <a:rPr lang="fr-FR" dirty="0" smtClean="0"/>
+              <a:t>graphiques</a:t>
+            </a:r>
+          </a:p>
+          <a:p>
+            <a:endParaRPr lang="fr-FR" dirty="0"/>
+          </a:p>
+          <a:p>
+            <a:r>
+              <a:rPr lang="fr-FR" dirty="0" smtClean="0"/>
+              <a:t>Problème : recharge toute la page</a:t>
+            </a:r>
+          </a:p>
+          <a:p>
+            <a:endParaRPr lang="fr-FR" dirty="0"/>
+          </a:p>
+          <a:p>
+            <a:pPr>
+              <a:buFont typeface="Wingdings" panose="05000000000000000000" pitchFamily="2" charset="2"/>
+              <a:buChar char="à"/>
+            </a:pPr>
+            <a:r>
+              <a:rPr lang="fr-FR" dirty="0" smtClean="0">
+                <a:sym typeface="Wingdings" panose="05000000000000000000" pitchFamily="2" charset="2"/>
+              </a:rPr>
+              <a:t> jQuery</a:t>
+            </a:r>
+          </a:p>
+          <a:p>
+            <a:pPr>
+              <a:buFont typeface="Wingdings" panose="05000000000000000000" pitchFamily="2" charset="2"/>
+              <a:buChar char="à"/>
+            </a:pPr>
+            <a:r>
+              <a:rPr lang="fr-FR" dirty="0"/>
+              <a:t> </a:t>
+            </a:r>
+            <a:r>
+              <a:rPr lang="fr-FR" dirty="0" err="1"/>
+              <a:t>XMLHttpRequest</a:t>
+            </a:r>
+            <a:endParaRPr lang="fr-FR" dirty="0"/>
+          </a:p>
+          <a:p>
+            <a:endParaRPr lang="fr-FR" dirty="0"/>
+          </a:p>
+        </p:txBody>
+      </p:sp>
+      <p:pic>
+        <p:nvPicPr>
+          <p:cNvPr id="4" name="Image 3"/>
+          <p:cNvPicPr>
+            <a:picLocks noChangeAspect="1"/>
+          </p:cNvPicPr>
+          <p:nvPr/>
+        </p:nvPicPr>
+        <p:blipFill>
+          <a:blip r:embed="rId2">
+            <a:extLst>
+              <a:ext uri="{28A0092B-C50C-407E-A947-70E740481C1C}">
+                <a14:useLocalDpi xmlns:a14="http://schemas.microsoft.com/office/drawing/2010/main" val="0"/>
+              </a:ext>
+            </a:extLst>
+          </a:blip>
+          <a:stretch>
+            <a:fillRect/>
+          </a:stretch>
+        </p:blipFill>
+        <p:spPr>
+          <a:xfrm>
+            <a:off x="6732852" y="3407583"/>
+            <a:ext cx="3783674" cy="1924269"/>
+          </a:xfrm>
+          <a:prstGeom prst="rect">
+            <a:avLst/>
+          </a:prstGeom>
+        </p:spPr>
+      </p:pic>
+    </p:spTree>
+    <p:extLst>
+      <p:ext uri="{BB962C8B-B14F-4D97-AF65-F5344CB8AC3E}">
+        <p14:creationId xmlns:p14="http://schemas.microsoft.com/office/powerpoint/2010/main" val="3473094289"/>
+      </p:ext>
+    </p:extLst>
+  </p:cSld>
+  <p:clrMapOvr>
+    <a:masterClrMapping/>
+  </p:clrMapOvr>
+  <p:timing>
+    <p:tnLst>
+      <p:par>
+        <p:cTn id="1" dur="indefinite" restart="never" nodeType="tmRoot"/>
+      </p:par>
+    </p:tnLst>
+  </p:timing>
+</p:sld>
+</file>
+
+<file path=ppt/slides/slide16.xml><?xml version="1.0" encoding="utf-8"?>
+<p:sld xmlns:a="http://schemas.openxmlformats.org/drawingml/2006/main" xmlns:r="http://schemas.openxmlformats.org/officeDocument/2006/relationships" xmlns:p="http://schemas.openxmlformats.org/presentationml/2006/main">
+  <p:cSld>
+    <p:spTree>
+      <p:nvGrpSpPr>
+        <p:cNvPr id="1" name=""/>
+        <p:cNvGrpSpPr/>
+        <p:nvPr/>
+      </p:nvGrpSpPr>
+      <p:grpSpPr>
+        <a:xfrm>
+          <a:off x="0" y="0"/>
+          <a:ext cx="0" cy="0"/>
+          <a:chOff x="0" y="0"/>
+          <a:chExt cx="0" cy="0"/>
+        </a:xfrm>
+      </p:grpSpPr>
+      <p:sp>
+        <p:nvSpPr>
+          <p:cNvPr id="2" name="Titre 1"/>
+          <p:cNvSpPr>
+            <a:spLocks noGrp="1"/>
+          </p:cNvSpPr>
+          <p:nvPr>
+            <p:ph type="title"/>
+          </p:nvPr>
+        </p:nvSpPr>
+        <p:spPr/>
+        <p:txBody>
+          <a:bodyPr/>
+          <a:lstStyle/>
+          <a:p>
+            <a:r>
+              <a:rPr lang="fr-FR" dirty="0"/>
+              <a:t>Passage de Chart.js à </a:t>
+            </a:r>
+            <a:r>
+              <a:rPr lang="fr-FR" dirty="0" err="1"/>
+              <a:t>Highcharts</a:t>
+            </a:r>
+            <a:endParaRPr lang="fr-FR" dirty="0"/>
+          </a:p>
+        </p:txBody>
+      </p:sp>
+      <p:sp>
+        <p:nvSpPr>
+          <p:cNvPr id="3" name="Espace réservé du contenu 2"/>
+          <p:cNvSpPr>
+            <a:spLocks noGrp="1"/>
+          </p:cNvSpPr>
+          <p:nvPr>
+            <p:ph idx="1"/>
+          </p:nvPr>
+        </p:nvSpPr>
+        <p:spPr/>
+        <p:txBody>
+          <a:bodyPr/>
+          <a:lstStyle/>
+          <a:p>
+            <a:endParaRPr lang="fr-FR" dirty="0"/>
+          </a:p>
+          <a:p>
+            <a:r>
+              <a:rPr lang="fr-FR" dirty="0"/>
+              <a:t>Conseillé par le client</a:t>
+            </a:r>
+          </a:p>
+          <a:p>
+            <a:endParaRPr lang="fr-FR" dirty="0"/>
+          </a:p>
+          <a:p>
+            <a:r>
+              <a:rPr lang="fr-FR" dirty="0"/>
+              <a:t>Options supplémentaires</a:t>
+            </a:r>
+          </a:p>
+          <a:p>
+            <a:endParaRPr lang="fr-FR" dirty="0"/>
+          </a:p>
+          <a:p>
+            <a:r>
+              <a:rPr lang="fr-FR" dirty="0" smtClean="0"/>
+              <a:t>Exports </a:t>
+            </a:r>
+            <a:r>
+              <a:rPr lang="fr-FR" dirty="0"/>
+              <a:t>pris en charge</a:t>
+            </a:r>
+          </a:p>
+        </p:txBody>
+      </p:sp>
+      <p:sp>
+        <p:nvSpPr>
+          <p:cNvPr id="5" name="Rectangle 4"/>
+          <p:cNvSpPr/>
+          <p:nvPr/>
+        </p:nvSpPr>
+        <p:spPr>
+          <a:xfrm>
+            <a:off x="5666704" y="1815921"/>
+            <a:ext cx="5687096" cy="1867438"/>
+          </a:xfrm>
+          <a:prstGeom prst="rect">
+            <a:avLst/>
+          </a:prstGeom>
+          <a:solidFill>
+            <a:schemeClr val="bg1"/>
+          </a:solidFill>
+          <a:ln>
+            <a:noFill/>
+          </a:ln>
+        </p:spPr>
+        <p:style>
+          <a:lnRef idx="2">
+            <a:schemeClr val="accent1">
+              <a:shade val="50000"/>
+            </a:schemeClr>
+          </a:lnRef>
+          <a:fillRef idx="1">
+            <a:schemeClr val="accent1"/>
+          </a:fillRef>
+          <a:effectRef idx="0">
+            <a:schemeClr val="accent1"/>
+          </a:effectRef>
+          <a:fontRef idx="minor">
+            <a:schemeClr val="lt1"/>
+          </a:fontRef>
+        </p:style>
+        <p:txBody>
+          <a:bodyPr rtlCol="0" anchor="ctr"/>
+          <a:lstStyle/>
+          <a:p>
+            <a:pPr algn="ctr"/>
+            <a:endParaRPr lang="fr-FR"/>
+          </a:p>
+        </p:txBody>
+      </p:sp>
+      <p:pic>
+        <p:nvPicPr>
+          <p:cNvPr id="4" name="Image 3"/>
+          <p:cNvPicPr>
+            <a:picLocks noChangeAspect="1"/>
+          </p:cNvPicPr>
+          <p:nvPr/>
+        </p:nvPicPr>
+        <p:blipFill>
+          <a:blip r:embed="rId2" cstate="print">
+            <a:extLst>
+              <a:ext uri="{28A0092B-C50C-407E-A947-70E740481C1C}">
+                <a14:useLocalDpi xmlns:a14="http://schemas.microsoft.com/office/drawing/2010/main" val="0"/>
+              </a:ext>
+            </a:extLst>
+          </a:blip>
+          <a:stretch>
+            <a:fillRect/>
+          </a:stretch>
+        </p:blipFill>
+        <p:spPr>
+          <a:xfrm>
+            <a:off x="5808371" y="1910006"/>
+            <a:ext cx="5362360" cy="1605926"/>
+          </a:xfrm>
+          <a:prstGeom prst="rect">
+            <a:avLst/>
+          </a:prstGeom>
+        </p:spPr>
+      </p:pic>
+      <p:pic>
+        <p:nvPicPr>
+          <p:cNvPr id="6" name="Image 5"/>
+          <p:cNvPicPr>
+            <a:picLocks noChangeAspect="1"/>
+          </p:cNvPicPr>
+          <p:nvPr/>
+        </p:nvPicPr>
+        <p:blipFill>
+          <a:blip r:embed="rId3" cstate="print">
+            <a:extLst>
+              <a:ext uri="{28A0092B-C50C-407E-A947-70E740481C1C}">
+                <a14:useLocalDpi xmlns:a14="http://schemas.microsoft.com/office/drawing/2010/main" val="0"/>
+              </a:ext>
+            </a:extLst>
+          </a:blip>
+          <a:stretch>
+            <a:fillRect/>
+          </a:stretch>
+        </p:blipFill>
+        <p:spPr>
+          <a:xfrm>
+            <a:off x="5666704" y="4364639"/>
+            <a:ext cx="5687096" cy="1686315"/>
+          </a:xfrm>
+          <a:prstGeom prst="rect">
+            <a:avLst/>
+          </a:prstGeom>
+        </p:spPr>
+      </p:pic>
+      <p:cxnSp>
+        <p:nvCxnSpPr>
+          <p:cNvPr id="10" name="Connecteur droit avec flèche 9"/>
+          <p:cNvCxnSpPr>
+            <a:stCxn id="5" idx="2"/>
+            <a:endCxn id="6" idx="0"/>
+          </p:cNvCxnSpPr>
+          <p:nvPr/>
+        </p:nvCxnSpPr>
+        <p:spPr>
+          <a:xfrm>
+            <a:off x="8510252" y="3683359"/>
+            <a:ext cx="0" cy="681280"/>
+          </a:xfrm>
+          <a:prstGeom prst="straightConnector1">
+            <a:avLst/>
+          </a:prstGeom>
+          <a:ln w="76200">
+            <a:solidFill>
+              <a:schemeClr val="bg1"/>
+            </a:solidFill>
+            <a:tailEnd type="triangle"/>
+          </a:ln>
+        </p:spPr>
+        <p:style>
+          <a:lnRef idx="1">
+            <a:schemeClr val="accent1"/>
+          </a:lnRef>
+          <a:fillRef idx="0">
+            <a:schemeClr val="accent1"/>
+          </a:fillRef>
+          <a:effectRef idx="0">
+            <a:schemeClr val="accent1"/>
+          </a:effectRef>
+          <a:fontRef idx="minor">
+            <a:schemeClr val="tx1"/>
+          </a:fontRef>
+        </p:style>
+      </p:cxnSp>
+    </p:spTree>
+    <p:extLst>
+      <p:ext uri="{BB962C8B-B14F-4D97-AF65-F5344CB8AC3E}">
+        <p14:creationId xmlns:p14="http://schemas.microsoft.com/office/powerpoint/2010/main" val="988608978"/>
+      </p:ext>
+    </p:extLst>
+  </p:cSld>
+  <p:clrMapOvr>
+    <a:masterClrMapping/>
+  </p:clrMapOvr>
+  <p:timing>
+    <p:tnLst>
+      <p:par>
+        <p:cTn id="1" dur="indefinite" restart="never" nodeType="tmRoot"/>
+      </p:par>
+    </p:tnLst>
+  </p:timing>
+</p:sld>
+</file>
+
+<file path=ppt/slides/slide17.xml><?xml version="1.0" encoding="utf-8"?>
+<p:sld xmlns:a="http://schemas.openxmlformats.org/drawingml/2006/main" xmlns:r="http://schemas.openxmlformats.org/officeDocument/2006/relationships" xmlns:p="http://schemas.openxmlformats.org/presentationml/2006/main">
+  <p:cSld>
+    <p:spTree>
+      <p:nvGrpSpPr>
+        <p:cNvPr id="1" name=""/>
+        <p:cNvGrpSpPr/>
+        <p:nvPr/>
+      </p:nvGrpSpPr>
+      <p:grpSpPr>
+        <a:xfrm>
+          <a:off x="0" y="0"/>
+          <a:ext cx="0" cy="0"/>
+          <a:chOff x="0" y="0"/>
+          <a:chExt cx="0" cy="0"/>
+        </a:xfrm>
+      </p:grpSpPr>
+      <p:sp>
+        <p:nvSpPr>
+          <p:cNvPr id="2" name="Titre 1"/>
+          <p:cNvSpPr>
+            <a:spLocks noGrp="1"/>
+          </p:cNvSpPr>
+          <p:nvPr>
+            <p:ph type="title"/>
+          </p:nvPr>
+        </p:nvSpPr>
+        <p:spPr/>
+        <p:txBody>
+          <a:bodyPr/>
+          <a:lstStyle/>
+          <a:p>
+            <a:r>
+              <a:rPr lang="fr-FR" dirty="0"/>
+              <a:t>Gestion de projet dans le groupe </a:t>
+            </a:r>
+          </a:p>
+        </p:txBody>
+      </p:sp>
+      <p:sp>
+        <p:nvSpPr>
+          <p:cNvPr id="3" name="Espace réservé du contenu 2"/>
+          <p:cNvSpPr>
+            <a:spLocks noGrp="1"/>
+          </p:cNvSpPr>
+          <p:nvPr>
+            <p:ph idx="1"/>
+          </p:nvPr>
+        </p:nvSpPr>
+        <p:spPr/>
+        <p:txBody>
+          <a:bodyPr/>
+          <a:lstStyle/>
+          <a:p>
+            <a:r>
+              <a:rPr lang="fr-FR" dirty="0"/>
+              <a:t>Répartition des différentes fonctionnalités : </a:t>
+            </a:r>
+            <a:r>
+              <a:rPr lang="fr-FR" dirty="0" err="1"/>
+              <a:t>Trello</a:t>
+            </a:r>
+            <a:endParaRPr lang="fr-FR" dirty="0"/>
+          </a:p>
+          <a:p>
+            <a:endParaRPr lang="fr-FR" dirty="0"/>
+          </a:p>
+          <a:p>
+            <a:endParaRPr lang="fr-FR" dirty="0"/>
+          </a:p>
+          <a:p>
+            <a:pPr marL="0" indent="0">
+              <a:buNone/>
+            </a:pPr>
+            <a:endParaRPr lang="fr-FR" dirty="0"/>
+          </a:p>
+          <a:p>
+            <a:r>
+              <a:rPr lang="fr-FR" dirty="0"/>
+              <a:t>Mise en commun du travail : </a:t>
+            </a:r>
+            <a:r>
+              <a:rPr lang="fr-FR" dirty="0" err="1"/>
+              <a:t>Github</a:t>
+            </a:r>
+            <a:endParaRPr lang="fr-FR" dirty="0"/>
+          </a:p>
+        </p:txBody>
+      </p:sp>
+      <p:pic>
+        <p:nvPicPr>
+          <p:cNvPr id="5" name="Image 4"/>
+          <p:cNvPicPr>
+            <a:picLocks noChangeAspect="1"/>
+          </p:cNvPicPr>
+          <p:nvPr/>
+        </p:nvPicPr>
+        <p:blipFill>
+          <a:blip r:embed="rId2" cstate="print">
+            <a:extLst>
+              <a:ext uri="{28A0092B-C50C-407E-A947-70E740481C1C}">
+                <a14:useLocalDpi xmlns:a14="http://schemas.microsoft.com/office/drawing/2010/main" val="0"/>
+              </a:ext>
+            </a:extLst>
+          </a:blip>
+          <a:stretch>
+            <a:fillRect/>
+          </a:stretch>
+        </p:blipFill>
+        <p:spPr>
+          <a:xfrm>
+            <a:off x="2000250" y="2336478"/>
+            <a:ext cx="3762375" cy="1156346"/>
+          </a:xfrm>
+          <a:prstGeom prst="rect">
+            <a:avLst/>
+          </a:prstGeom>
+        </p:spPr>
+      </p:pic>
+      <p:pic>
+        <p:nvPicPr>
+          <p:cNvPr id="7" name="Image 6"/>
+          <p:cNvPicPr>
+            <a:picLocks noChangeAspect="1"/>
+          </p:cNvPicPr>
+          <p:nvPr/>
+        </p:nvPicPr>
+        <p:blipFill>
+          <a:blip r:embed="rId3" cstate="print">
+            <a:extLst>
+              <a:ext uri="{28A0092B-C50C-407E-A947-70E740481C1C}">
+                <a14:useLocalDpi xmlns:a14="http://schemas.microsoft.com/office/drawing/2010/main" val="0"/>
+              </a:ext>
+            </a:extLst>
+          </a:blip>
+          <a:stretch>
+            <a:fillRect/>
+          </a:stretch>
+        </p:blipFill>
+        <p:spPr>
+          <a:xfrm>
+            <a:off x="2217278" y="4621003"/>
+            <a:ext cx="3328318" cy="1233697"/>
+          </a:xfrm>
+          <a:prstGeom prst="rect">
+            <a:avLst/>
+          </a:prstGeom>
+        </p:spPr>
+      </p:pic>
+    </p:spTree>
+    <p:extLst>
+      <p:ext uri="{BB962C8B-B14F-4D97-AF65-F5344CB8AC3E}">
+        <p14:creationId xmlns:p14="http://schemas.microsoft.com/office/powerpoint/2010/main" val="3569410295"/>
+      </p:ext>
+    </p:extLst>
+  </p:cSld>
+  <p:clrMapOvr>
+    <a:masterClrMapping/>
+  </p:clrMapOvr>
+  <p:timing>
+    <p:tnLst>
+      <p:par>
+        <p:cTn id="1" dur="indefinite" restart="never" nodeType="tmRoot"/>
+      </p:par>
+    </p:tnLst>
+  </p:timing>
+</p:sld>
+</file>
+
+<file path=ppt/slides/slide18.xml><?xml version="1.0" encoding="utf-8"?>
+<p:sld xmlns:a="http://schemas.openxmlformats.org/drawingml/2006/main" xmlns:r="http://schemas.openxmlformats.org/officeDocument/2006/relationships" xmlns:p="http://schemas.openxmlformats.org/presentationml/2006/main">
+  <p:cSld>
+    <p:spTree>
+      <p:nvGrpSpPr>
+        <p:cNvPr id="1" name=""/>
+        <p:cNvGrpSpPr/>
+        <p:nvPr/>
+      </p:nvGrpSpPr>
+      <p:grpSpPr>
+        <a:xfrm>
+          <a:off x="0" y="0"/>
+          <a:ext cx="0" cy="0"/>
+          <a:chOff x="0" y="0"/>
+          <a:chExt cx="0" cy="0"/>
+        </a:xfrm>
+      </p:grpSpPr>
+      <p:sp>
+        <p:nvSpPr>
+          <p:cNvPr id="12" name="Hexagone 11"/>
+          <p:cNvSpPr/>
+          <p:nvPr/>
+        </p:nvSpPr>
+        <p:spPr>
+          <a:xfrm rot="893044">
+            <a:off x="8020661" y="4271920"/>
+            <a:ext cx="1034490" cy="943153"/>
+          </a:xfrm>
+          <a:prstGeom prst="hexagon">
+            <a:avLst/>
+          </a:prstGeom>
+          <a:solidFill>
+            <a:schemeClr val="bg1"/>
+          </a:solidFill>
+          <a:ln>
+            <a:noFill/>
+          </a:ln>
+        </p:spPr>
+        <p:style>
+          <a:lnRef idx="2">
+            <a:schemeClr val="accent1">
+              <a:shade val="50000"/>
+            </a:schemeClr>
+          </a:lnRef>
+          <a:fillRef idx="1">
+            <a:schemeClr val="accent1"/>
+          </a:fillRef>
+          <a:effectRef idx="0">
+            <a:schemeClr val="accent1"/>
+          </a:effectRef>
+          <a:fontRef idx="minor">
+            <a:schemeClr val="lt1"/>
+          </a:fontRef>
+        </p:style>
+        <p:txBody>
+          <a:bodyPr rtlCol="0" anchor="ctr"/>
+          <a:lstStyle/>
+          <a:p>
+            <a:pPr algn="ctr"/>
+            <a:endParaRPr lang="fr-FR"/>
+          </a:p>
+        </p:txBody>
+      </p:sp>
+      <p:sp>
+        <p:nvSpPr>
+          <p:cNvPr id="11" name="Hexagone 10"/>
+          <p:cNvSpPr/>
+          <p:nvPr/>
+        </p:nvSpPr>
+        <p:spPr>
+          <a:xfrm rot="893044">
+            <a:off x="8020663" y="3137503"/>
+            <a:ext cx="1034490" cy="943153"/>
+          </a:xfrm>
+          <a:prstGeom prst="hexagon">
+            <a:avLst/>
+          </a:prstGeom>
+          <a:solidFill>
+            <a:schemeClr val="bg1"/>
+          </a:solidFill>
+          <a:ln>
+            <a:noFill/>
+          </a:ln>
+        </p:spPr>
+        <p:style>
+          <a:lnRef idx="2">
+            <a:schemeClr val="accent1">
+              <a:shade val="50000"/>
+            </a:schemeClr>
+          </a:lnRef>
+          <a:fillRef idx="1">
+            <a:schemeClr val="accent1"/>
+          </a:fillRef>
+          <a:effectRef idx="0">
+            <a:schemeClr val="accent1"/>
+          </a:effectRef>
+          <a:fontRef idx="minor">
+            <a:schemeClr val="lt1"/>
+          </a:fontRef>
+        </p:style>
+        <p:txBody>
+          <a:bodyPr rtlCol="0" anchor="ctr"/>
+          <a:lstStyle/>
+          <a:p>
+            <a:pPr algn="ctr"/>
+            <a:endParaRPr lang="fr-FR"/>
+          </a:p>
+        </p:txBody>
+      </p:sp>
+      <p:sp>
+        <p:nvSpPr>
+          <p:cNvPr id="10" name="Hexagone 9"/>
+          <p:cNvSpPr/>
+          <p:nvPr/>
+        </p:nvSpPr>
+        <p:spPr>
+          <a:xfrm rot="893044">
+            <a:off x="8020661" y="2007964"/>
+            <a:ext cx="1034490" cy="943153"/>
+          </a:xfrm>
+          <a:prstGeom prst="hexagon">
+            <a:avLst/>
+          </a:prstGeom>
+          <a:solidFill>
+            <a:schemeClr val="bg1"/>
+          </a:solidFill>
+          <a:ln>
+            <a:noFill/>
+          </a:ln>
+        </p:spPr>
+        <p:style>
+          <a:lnRef idx="2">
+            <a:schemeClr val="accent1">
+              <a:shade val="50000"/>
+            </a:schemeClr>
+          </a:lnRef>
+          <a:fillRef idx="1">
+            <a:schemeClr val="accent1"/>
+          </a:fillRef>
+          <a:effectRef idx="0">
+            <a:schemeClr val="accent1"/>
+          </a:effectRef>
+          <a:fontRef idx="minor">
+            <a:schemeClr val="lt1"/>
+          </a:fontRef>
+        </p:style>
+        <p:txBody>
+          <a:bodyPr rtlCol="0" anchor="ctr"/>
+          <a:lstStyle/>
+          <a:p>
+            <a:pPr algn="ctr"/>
+            <a:endParaRPr lang="fr-FR"/>
+          </a:p>
+        </p:txBody>
+      </p:sp>
+      <p:sp>
+        <p:nvSpPr>
+          <p:cNvPr id="2" name="Titre 1"/>
+          <p:cNvSpPr>
+            <a:spLocks noGrp="1"/>
+          </p:cNvSpPr>
+          <p:nvPr>
+            <p:ph type="title"/>
+          </p:nvPr>
+        </p:nvSpPr>
+        <p:spPr/>
+        <p:txBody>
+          <a:bodyPr/>
+          <a:lstStyle/>
+          <a:p>
+            <a:r>
+              <a:rPr lang="fr-FR" dirty="0"/>
+              <a:t>Avec les personnes tierces</a:t>
+            </a:r>
+          </a:p>
+        </p:txBody>
+      </p:sp>
+      <p:sp>
+        <p:nvSpPr>
+          <p:cNvPr id="3" name="Espace réservé du contenu 2"/>
+          <p:cNvSpPr>
+            <a:spLocks noGrp="1"/>
+          </p:cNvSpPr>
+          <p:nvPr>
+            <p:ph idx="1"/>
+          </p:nvPr>
+        </p:nvSpPr>
+        <p:spPr>
+          <a:xfrm>
+            <a:off x="838200" y="1825625"/>
+            <a:ext cx="5717146" cy="4351338"/>
+          </a:xfrm>
+        </p:spPr>
+        <p:txBody>
+          <a:bodyPr/>
+          <a:lstStyle/>
+          <a:p>
+            <a:r>
+              <a:rPr lang="fr-FR" dirty="0" smtClean="0"/>
+              <a:t>Client</a:t>
+            </a:r>
+            <a:endParaRPr lang="fr-FR" dirty="0"/>
+          </a:p>
+          <a:p>
+            <a:pPr lvl="1"/>
+            <a:r>
+              <a:rPr lang="fr-FR" dirty="0" err="1"/>
+              <a:t>Versionning</a:t>
+            </a:r>
+            <a:endParaRPr lang="fr-FR" dirty="0"/>
+          </a:p>
+          <a:p>
+            <a:pPr lvl="1"/>
+            <a:r>
+              <a:rPr lang="fr-FR" dirty="0" smtClean="0"/>
+              <a:t>Réunions régulières</a:t>
+            </a:r>
+            <a:endParaRPr lang="fr-FR" dirty="0"/>
+          </a:p>
+          <a:p>
+            <a:endParaRPr lang="fr-FR" dirty="0"/>
+          </a:p>
+          <a:p>
+            <a:r>
+              <a:rPr lang="fr-FR" dirty="0"/>
+              <a:t>ESET (Electronique des Systèmes Embarqués et Télécommunication)</a:t>
+            </a:r>
+          </a:p>
+          <a:p>
+            <a:pPr lvl="1"/>
+            <a:r>
+              <a:rPr lang="fr-FR" dirty="0"/>
+              <a:t>Principalement par mail</a:t>
+            </a:r>
+          </a:p>
+          <a:p>
+            <a:pPr lvl="1"/>
+            <a:r>
+              <a:rPr lang="fr-FR" dirty="0" smtClean="0"/>
+              <a:t>Réunions</a:t>
+            </a:r>
+            <a:endParaRPr lang="fr-FR" dirty="0"/>
+          </a:p>
+        </p:txBody>
+      </p:sp>
+      <p:pic>
+        <p:nvPicPr>
+          <p:cNvPr id="4" name="Image 3"/>
+          <p:cNvPicPr>
+            <a:picLocks noChangeAspect="1"/>
+          </p:cNvPicPr>
+          <p:nvPr/>
+        </p:nvPicPr>
+        <p:blipFill>
+          <a:blip r:embed="rId2" cstate="print">
+            <a:extLst>
+              <a:ext uri="{28A0092B-C50C-407E-A947-70E740481C1C}">
+                <a14:useLocalDpi xmlns:a14="http://schemas.microsoft.com/office/drawing/2010/main" val="0"/>
+              </a:ext>
+            </a:extLst>
+          </a:blip>
+          <a:stretch>
+            <a:fillRect/>
+          </a:stretch>
+        </p:blipFill>
+        <p:spPr>
+          <a:xfrm rot="20838156">
+            <a:off x="8175325" y="2252219"/>
+            <a:ext cx="725160" cy="454641"/>
+          </a:xfrm>
+          <a:prstGeom prst="rect">
+            <a:avLst/>
+          </a:prstGeom>
+        </p:spPr>
+      </p:pic>
+      <p:sp>
+        <p:nvSpPr>
+          <p:cNvPr id="8" name="ZoneTexte 7"/>
+          <p:cNvSpPr txBox="1"/>
+          <p:nvPr/>
+        </p:nvSpPr>
+        <p:spPr>
+          <a:xfrm>
+            <a:off x="8205273" y="4420333"/>
+            <a:ext cx="665266" cy="646331"/>
+          </a:xfrm>
+          <a:prstGeom prst="rect">
+            <a:avLst/>
+          </a:prstGeom>
+          <a:noFill/>
+        </p:spPr>
+        <p:txBody>
+          <a:bodyPr wrap="square" rtlCol="0">
+            <a:spAutoFit/>
+          </a:bodyPr>
+          <a:lstStyle/>
+          <a:p>
+            <a:pPr algn="ctr"/>
+            <a:r>
+              <a:rPr lang="fr-FR" sz="3600" dirty="0" smtClean="0">
+                <a:solidFill>
+                  <a:srgbClr val="20160D"/>
+                </a:solidFill>
+              </a:rPr>
+              <a:t>v1</a:t>
+            </a:r>
+            <a:endParaRPr lang="fr-FR" sz="3600" dirty="0">
+              <a:solidFill>
+                <a:srgbClr val="20160D"/>
+              </a:solidFill>
+            </a:endParaRPr>
+          </a:p>
+        </p:txBody>
+      </p:sp>
+      <p:pic>
+        <p:nvPicPr>
+          <p:cNvPr id="13" name="Image 12"/>
+          <p:cNvPicPr>
+            <a:picLocks noChangeAspect="1"/>
+          </p:cNvPicPr>
+          <p:nvPr/>
+        </p:nvPicPr>
+        <p:blipFill>
+          <a:blip r:embed="rId3" cstate="print">
+            <a:extLst>
+              <a:ext uri="{28A0092B-C50C-407E-A947-70E740481C1C}">
+                <a14:useLocalDpi xmlns:a14="http://schemas.microsoft.com/office/drawing/2010/main" val="0"/>
+              </a:ext>
+            </a:extLst>
+          </a:blip>
+          <a:stretch>
+            <a:fillRect/>
+          </a:stretch>
+        </p:blipFill>
+        <p:spPr>
+          <a:xfrm>
+            <a:off x="8261468" y="3307623"/>
+            <a:ext cx="552874" cy="552874"/>
+          </a:xfrm>
+          <a:prstGeom prst="rect">
+            <a:avLst/>
+          </a:prstGeom>
+        </p:spPr>
+      </p:pic>
+    </p:spTree>
+    <p:extLst>
+      <p:ext uri="{BB962C8B-B14F-4D97-AF65-F5344CB8AC3E}">
+        <p14:creationId xmlns:p14="http://schemas.microsoft.com/office/powerpoint/2010/main" val="2054433436"/>
+      </p:ext>
+    </p:extLst>
+  </p:cSld>
+  <p:clrMapOvr>
+    <a:masterClrMapping/>
+  </p:clrMapOvr>
+  <p:timing>
+    <p:tnLst>
+      <p:par>
+        <p:cTn id="1" dur="indefinite" restart="never" nodeType="tmRoot"/>
+      </p:par>
+    </p:tnLst>
+  </p:timing>
+</p:sld>
+</file>
+
+<file path=ppt/slides/slide19.xml><?xml version="1.0" encoding="utf-8"?>
+<p:sld xmlns:a="http://schemas.openxmlformats.org/drawingml/2006/main" xmlns:r="http://schemas.openxmlformats.org/officeDocument/2006/relationships" xmlns:p="http://schemas.openxmlformats.org/presentationml/2006/main">
+  <p:cSld>
+    <p:spTree>
+      <p:nvGrpSpPr>
+        <p:cNvPr id="1" name=""/>
+        <p:cNvGrpSpPr/>
+        <p:nvPr/>
+      </p:nvGrpSpPr>
+      <p:grpSpPr>
+        <a:xfrm>
+          <a:off x="0" y="0"/>
+          <a:ext cx="0" cy="0"/>
+          <a:chOff x="0" y="0"/>
+          <a:chExt cx="0" cy="0"/>
+        </a:xfrm>
+      </p:grpSpPr>
+      <p:sp>
+        <p:nvSpPr>
+          <p:cNvPr id="2" name="Titre 1"/>
+          <p:cNvSpPr>
+            <a:spLocks noGrp="1"/>
+          </p:cNvSpPr>
+          <p:nvPr>
+            <p:ph type="title"/>
+          </p:nvPr>
+        </p:nvSpPr>
+        <p:spPr/>
+        <p:txBody>
+          <a:bodyPr/>
+          <a:lstStyle/>
+          <a:p>
+            <a:r>
+              <a:rPr lang="fr-FR" dirty="0"/>
+              <a:t>Bilan</a:t>
+            </a:r>
+          </a:p>
+        </p:txBody>
+      </p:sp>
+      <p:sp>
+        <p:nvSpPr>
+          <p:cNvPr id="3" name="Espace réservé du contenu 2"/>
+          <p:cNvSpPr>
+            <a:spLocks noGrp="1"/>
+          </p:cNvSpPr>
+          <p:nvPr>
+            <p:ph idx="1"/>
+          </p:nvPr>
+        </p:nvSpPr>
+        <p:spPr>
+          <a:xfrm>
+            <a:off x="2588654" y="1825625"/>
+            <a:ext cx="8765146" cy="4351338"/>
+          </a:xfrm>
+        </p:spPr>
+        <p:txBody>
+          <a:bodyPr/>
+          <a:lstStyle/>
+          <a:p>
+            <a:pPr marL="0" indent="0">
+              <a:buNone/>
+            </a:pPr>
+            <a:r>
+              <a:rPr lang="fr-FR" dirty="0" smtClean="0"/>
+              <a:t>Problèmes</a:t>
+            </a:r>
+          </a:p>
+          <a:p>
+            <a:pPr marL="0" indent="0">
+              <a:buNone/>
+            </a:pPr>
+            <a:endParaRPr lang="fr-FR" dirty="0"/>
+          </a:p>
+          <a:p>
+            <a:pPr lvl="1"/>
+            <a:r>
+              <a:rPr lang="fr-FR" dirty="0"/>
+              <a:t>Coordination avec les </a:t>
+            </a:r>
+            <a:r>
+              <a:rPr lang="fr-FR" dirty="0" smtClean="0"/>
+              <a:t>ESET</a:t>
+            </a:r>
+          </a:p>
+          <a:p>
+            <a:pPr lvl="1"/>
+            <a:endParaRPr lang="fr-FR" dirty="0"/>
+          </a:p>
+          <a:p>
+            <a:pPr lvl="1"/>
+            <a:r>
+              <a:rPr lang="fr-FR" dirty="0"/>
+              <a:t>D</a:t>
+            </a:r>
+            <a:r>
+              <a:rPr lang="fr-FR" dirty="0" smtClean="0"/>
+              <a:t>ifficultés </a:t>
+            </a:r>
+            <a:r>
+              <a:rPr lang="fr-FR" dirty="0"/>
+              <a:t>de compréhension de la </a:t>
+            </a:r>
+            <a:r>
+              <a:rPr lang="fr-FR" dirty="0" smtClean="0"/>
+              <a:t>mission</a:t>
+            </a:r>
+          </a:p>
+          <a:p>
+            <a:pPr lvl="1"/>
+            <a:endParaRPr lang="fr-FR" dirty="0" smtClean="0"/>
+          </a:p>
+          <a:p>
+            <a:pPr lvl="1"/>
+            <a:r>
+              <a:rPr lang="fr-FR" dirty="0" smtClean="0"/>
+              <a:t>Réglages du </a:t>
+            </a:r>
+            <a:r>
+              <a:rPr lang="fr-FR" dirty="0" err="1" smtClean="0"/>
+              <a:t>Raspberry</a:t>
+            </a:r>
+            <a:endParaRPr lang="fr-FR" dirty="0"/>
+          </a:p>
+        </p:txBody>
+      </p:sp>
+      <p:sp>
+        <p:nvSpPr>
+          <p:cNvPr id="11" name="Hexagone 10"/>
+          <p:cNvSpPr/>
+          <p:nvPr/>
+        </p:nvSpPr>
+        <p:spPr>
+          <a:xfrm>
+            <a:off x="882837" y="1914360"/>
+            <a:ext cx="1379761" cy="1189449"/>
+          </a:xfrm>
+          <a:prstGeom prst="hexagon">
+            <a:avLst/>
+          </a:prstGeom>
+          <a:solidFill>
+            <a:schemeClr val="bg1"/>
+          </a:solidFill>
+          <a:ln>
+            <a:noFill/>
+          </a:ln>
+        </p:spPr>
+        <p:style>
+          <a:lnRef idx="2">
+            <a:schemeClr val="accent1">
+              <a:shade val="50000"/>
+            </a:schemeClr>
+          </a:lnRef>
+          <a:fillRef idx="1">
+            <a:schemeClr val="accent1"/>
+          </a:fillRef>
+          <a:effectRef idx="0">
+            <a:schemeClr val="accent1"/>
+          </a:effectRef>
+          <a:fontRef idx="minor">
+            <a:schemeClr val="lt1"/>
+          </a:fontRef>
+        </p:style>
+        <p:txBody>
+          <a:bodyPr rtlCol="0" anchor="ctr"/>
+          <a:lstStyle/>
+          <a:p>
+            <a:pPr algn="ctr"/>
+            <a:endParaRPr lang="fr-FR"/>
+          </a:p>
+        </p:txBody>
+      </p:sp>
+      <p:pic>
+        <p:nvPicPr>
+          <p:cNvPr id="9" name="Image 8"/>
+          <p:cNvPicPr>
+            <a:picLocks noChangeAspect="1"/>
+          </p:cNvPicPr>
+          <p:nvPr/>
+        </p:nvPicPr>
+        <p:blipFill rotWithShape="1">
+          <a:blip r:embed="rId2" cstate="print">
+            <a:extLst>
+              <a:ext uri="{28A0092B-C50C-407E-A947-70E740481C1C}">
+                <a14:useLocalDpi xmlns:a14="http://schemas.microsoft.com/office/drawing/2010/main" val="0"/>
+              </a:ext>
+            </a:extLst>
+          </a:blip>
+          <a:srcRect l="22131" r="22319"/>
+          <a:stretch/>
+        </p:blipFill>
+        <p:spPr>
+          <a:xfrm>
+            <a:off x="1185932" y="2119628"/>
+            <a:ext cx="791822" cy="748356"/>
+          </a:xfrm>
+          <a:prstGeom prst="rect">
+            <a:avLst/>
+          </a:prstGeom>
+        </p:spPr>
+      </p:pic>
+    </p:spTree>
+    <p:extLst>
+      <p:ext uri="{BB962C8B-B14F-4D97-AF65-F5344CB8AC3E}">
+        <p14:creationId xmlns:p14="http://schemas.microsoft.com/office/powerpoint/2010/main" val="1874755165"/>
+      </p:ext>
+    </p:extLst>
+  </p:cSld>
+  <p:clrMapOvr>
+    <a:masterClrMapping/>
+  </p:clrMapOvr>
+  <p:timing>
+    <p:tnLst>
+      <p:par>
+        <p:cTn id="1" dur="indefinite" restart="never" nodeType="tmRoot"/>
+      </p:par>
+    </p:tnLst>
+  </p:timing>
+</p:sld>
+</file>
+
+<file path=ppt/slides/slide2.xml><?xml version="1.0" encoding="utf-8"?>
+<p:sld xmlns:a="http://schemas.openxmlformats.org/drawingml/2006/main" xmlns:r="http://schemas.openxmlformats.org/officeDocument/2006/relationships" xmlns:p="http://schemas.openxmlformats.org/presentationml/2006/main">
+  <p:cSld>
+    <p:spTree>
+      <p:nvGrpSpPr>
+        <p:cNvPr id="1" name=""/>
+        <p:cNvGrpSpPr/>
+        <p:nvPr/>
+      </p:nvGrpSpPr>
+      <p:grpSpPr>
+        <a:xfrm>
+          <a:off x="0" y="0"/>
+          <a:ext cx="0" cy="0"/>
+          <a:chOff x="0" y="0"/>
+          <a:chExt cx="0" cy="0"/>
+        </a:xfrm>
+      </p:grpSpPr>
+      <p:sp>
+        <p:nvSpPr>
+          <p:cNvPr id="2" name="Titre 1"/>
+          <p:cNvSpPr>
+            <a:spLocks noGrp="1"/>
+          </p:cNvSpPr>
+          <p:nvPr>
+            <p:ph type="title"/>
+          </p:nvPr>
+        </p:nvSpPr>
+        <p:spPr/>
+        <p:txBody>
+          <a:bodyPr/>
+          <a:lstStyle/>
+          <a:p>
+            <a:r>
+              <a:rPr lang="fr-FR" dirty="0"/>
+              <a:t>Plan</a:t>
+            </a:r>
+          </a:p>
+        </p:txBody>
+      </p:sp>
+      <p:sp>
+        <p:nvSpPr>
+          <p:cNvPr id="3" name="Espace réservé du contenu 2"/>
+          <p:cNvSpPr>
+            <a:spLocks noGrp="1"/>
+          </p:cNvSpPr>
+          <p:nvPr>
+            <p:ph idx="1"/>
+          </p:nvPr>
+        </p:nvSpPr>
+        <p:spPr/>
+        <p:txBody>
+          <a:bodyPr>
+            <a:normAutofit fontScale="70000" lnSpcReduction="20000"/>
+          </a:bodyPr>
+          <a:lstStyle/>
+          <a:p>
+            <a:r>
+              <a:rPr lang="fr-FR" dirty="0"/>
+              <a:t>Présentation des acteurs</a:t>
+            </a:r>
+          </a:p>
+          <a:p>
+            <a:r>
+              <a:rPr lang="fr-FR" dirty="0" smtClean="0"/>
+              <a:t>Objectifs</a:t>
+            </a:r>
+            <a:endParaRPr lang="fr-FR" dirty="0"/>
+          </a:p>
+          <a:p>
+            <a:r>
+              <a:rPr lang="fr-FR" dirty="0"/>
+              <a:t>Fonctionnalités</a:t>
+            </a:r>
+          </a:p>
+          <a:p>
+            <a:pPr lvl="1"/>
+            <a:r>
+              <a:rPr lang="fr-FR" dirty="0"/>
+              <a:t>Affichage des graphiques</a:t>
+            </a:r>
+          </a:p>
+          <a:p>
+            <a:pPr lvl="1"/>
+            <a:r>
+              <a:rPr lang="fr-FR" dirty="0"/>
+              <a:t>Affichage du flux vidéo</a:t>
+            </a:r>
+          </a:p>
+          <a:p>
+            <a:r>
+              <a:rPr lang="fr-FR" dirty="0" smtClean="0"/>
+              <a:t>Technologies </a:t>
+            </a:r>
+            <a:r>
+              <a:rPr lang="fr-FR" dirty="0"/>
+              <a:t>utilisées</a:t>
+            </a:r>
+          </a:p>
+          <a:p>
+            <a:r>
+              <a:rPr lang="fr-FR" dirty="0" smtClean="0"/>
+              <a:t>Solutions</a:t>
+            </a:r>
+            <a:endParaRPr lang="fr-FR" dirty="0"/>
+          </a:p>
+          <a:p>
+            <a:pPr lvl="1"/>
+            <a:r>
+              <a:rPr lang="fr-FR" dirty="0"/>
+              <a:t>html/</a:t>
+            </a:r>
+            <a:r>
+              <a:rPr lang="fr-FR" dirty="0" err="1"/>
+              <a:t>css</a:t>
+            </a:r>
+            <a:endParaRPr lang="fr-FR" dirty="0"/>
+          </a:p>
+          <a:p>
+            <a:pPr lvl="1"/>
+            <a:r>
+              <a:rPr lang="fr-FR" dirty="0"/>
+              <a:t>Passage de </a:t>
+            </a:r>
+            <a:r>
+              <a:rPr lang="fr-FR" dirty="0" smtClean="0"/>
+              <a:t>XML </a:t>
+            </a:r>
+            <a:r>
+              <a:rPr lang="fr-FR" dirty="0"/>
+              <a:t>à MySQL</a:t>
+            </a:r>
+          </a:p>
+          <a:p>
+            <a:pPr lvl="1"/>
+            <a:r>
+              <a:rPr lang="fr-FR" dirty="0" smtClean="0"/>
+              <a:t>PHP/JS</a:t>
+            </a:r>
+            <a:endParaRPr lang="fr-FR" dirty="0"/>
+          </a:p>
+          <a:p>
+            <a:pPr lvl="1"/>
+            <a:r>
+              <a:rPr lang="fr-FR" dirty="0"/>
+              <a:t>Passage de Chart.js à </a:t>
+            </a:r>
+            <a:r>
+              <a:rPr lang="fr-FR" dirty="0" err="1"/>
+              <a:t>Highcharts</a:t>
+            </a:r>
+            <a:endParaRPr lang="fr-FR" dirty="0"/>
+          </a:p>
+          <a:p>
+            <a:r>
+              <a:rPr lang="fr-FR" dirty="0"/>
+              <a:t>Gestion de projet</a:t>
+            </a:r>
+          </a:p>
+          <a:p>
+            <a:pPr lvl="1"/>
+            <a:r>
+              <a:rPr lang="fr-FR" dirty="0"/>
+              <a:t>Dans le groupe </a:t>
+            </a:r>
+          </a:p>
+          <a:p>
+            <a:pPr lvl="1"/>
+            <a:r>
+              <a:rPr lang="fr-FR" dirty="0"/>
+              <a:t>Avec les personnes tierces</a:t>
+            </a:r>
+          </a:p>
+          <a:p>
+            <a:r>
+              <a:rPr lang="fr-FR" dirty="0"/>
+              <a:t>Bilan</a:t>
+            </a:r>
+          </a:p>
+        </p:txBody>
+      </p:sp>
+    </p:spTree>
+    <p:extLst>
+      <p:ext uri="{BB962C8B-B14F-4D97-AF65-F5344CB8AC3E}">
+        <p14:creationId xmlns:p14="http://schemas.microsoft.com/office/powerpoint/2010/main" val="2424714206"/>
+      </p:ext>
+    </p:extLst>
+  </p:cSld>
+  <p:clrMapOvr>
+    <a:masterClrMapping/>
+  </p:clrMapOvr>
+  <p:timing>
+    <p:tnLst>
+      <p:par>
+        <p:cTn id="1" dur="indefinite" restart="never" nodeType="tmRoot"/>
+      </p:par>
+    </p:tnLst>
+  </p:timing>
+</p:sld>
+</file>
+
+<file path=ppt/slides/slide20.xml><?xml version="1.0" encoding="utf-8"?>
+<p:sld xmlns:a="http://schemas.openxmlformats.org/drawingml/2006/main" xmlns:r="http://schemas.openxmlformats.org/officeDocument/2006/relationships" xmlns:p="http://schemas.openxmlformats.org/presentationml/2006/main">
+  <p:cSld>
+    <p:spTree>
+      <p:nvGrpSpPr>
+        <p:cNvPr id="1" name=""/>
+        <p:cNvGrpSpPr/>
+        <p:nvPr/>
+      </p:nvGrpSpPr>
+      <p:grpSpPr>
+        <a:xfrm>
+          <a:off x="0" y="0"/>
+          <a:ext cx="0" cy="0"/>
+          <a:chOff x="0" y="0"/>
+          <a:chExt cx="0" cy="0"/>
+        </a:xfrm>
+      </p:grpSpPr>
+      <p:sp>
+        <p:nvSpPr>
+          <p:cNvPr id="11" name="Hexagone 10"/>
+          <p:cNvSpPr/>
+          <p:nvPr/>
+        </p:nvSpPr>
+        <p:spPr>
+          <a:xfrm>
+            <a:off x="882837" y="1914360"/>
+            <a:ext cx="1379761" cy="1189449"/>
+          </a:xfrm>
+          <a:prstGeom prst="hexagon">
+            <a:avLst/>
+          </a:prstGeom>
+          <a:solidFill>
+            <a:schemeClr val="bg1"/>
+          </a:solidFill>
+          <a:ln>
+            <a:noFill/>
+          </a:ln>
+        </p:spPr>
+        <p:style>
+          <a:lnRef idx="2">
+            <a:schemeClr val="accent1">
+              <a:shade val="50000"/>
+            </a:schemeClr>
+          </a:lnRef>
+          <a:fillRef idx="1">
+            <a:schemeClr val="accent1"/>
+          </a:fillRef>
+          <a:effectRef idx="0">
+            <a:schemeClr val="accent1"/>
+          </a:effectRef>
+          <a:fontRef idx="minor">
+            <a:schemeClr val="lt1"/>
+          </a:fontRef>
+        </p:style>
+        <p:txBody>
+          <a:bodyPr rtlCol="0" anchor="ctr"/>
+          <a:lstStyle/>
+          <a:p>
+            <a:pPr algn="ctr"/>
+            <a:endParaRPr lang="fr-FR"/>
+          </a:p>
+        </p:txBody>
+      </p:sp>
+      <p:sp>
+        <p:nvSpPr>
+          <p:cNvPr id="2" name="Titre 1"/>
+          <p:cNvSpPr>
+            <a:spLocks noGrp="1"/>
+          </p:cNvSpPr>
+          <p:nvPr>
+            <p:ph type="title"/>
+          </p:nvPr>
+        </p:nvSpPr>
+        <p:spPr/>
+        <p:txBody>
+          <a:bodyPr/>
+          <a:lstStyle/>
+          <a:p>
+            <a:r>
+              <a:rPr lang="fr-FR" dirty="0"/>
+              <a:t>Bilan</a:t>
+            </a:r>
+          </a:p>
+        </p:txBody>
+      </p:sp>
+      <p:sp>
+        <p:nvSpPr>
+          <p:cNvPr id="3" name="Espace réservé du contenu 2"/>
+          <p:cNvSpPr>
+            <a:spLocks noGrp="1"/>
+          </p:cNvSpPr>
+          <p:nvPr>
+            <p:ph idx="1"/>
+          </p:nvPr>
+        </p:nvSpPr>
+        <p:spPr>
+          <a:xfrm>
+            <a:off x="2588654" y="1825625"/>
+            <a:ext cx="8765146" cy="4351338"/>
+          </a:xfrm>
+        </p:spPr>
+        <p:txBody>
+          <a:bodyPr/>
+          <a:lstStyle/>
+          <a:p>
+            <a:pPr marL="0" indent="0">
+              <a:buNone/>
+            </a:pPr>
+            <a:r>
+              <a:rPr lang="fr-FR" dirty="0" smtClean="0"/>
+              <a:t>Apprentissages</a:t>
+            </a:r>
+          </a:p>
+          <a:p>
+            <a:pPr marL="0" indent="0">
+              <a:buNone/>
+            </a:pPr>
+            <a:endParaRPr lang="fr-FR" dirty="0"/>
+          </a:p>
+          <a:p>
+            <a:pPr lvl="1"/>
+            <a:r>
+              <a:rPr lang="fr-FR" dirty="0"/>
+              <a:t>Travailler en </a:t>
+            </a:r>
+            <a:r>
+              <a:rPr lang="fr-FR" dirty="0" smtClean="0"/>
+              <a:t>équipe</a:t>
+            </a:r>
+          </a:p>
+          <a:p>
+            <a:pPr lvl="1"/>
+            <a:endParaRPr lang="fr-FR" dirty="0"/>
+          </a:p>
+          <a:p>
+            <a:pPr lvl="1"/>
+            <a:r>
+              <a:rPr lang="fr-FR" dirty="0"/>
+              <a:t>Se coordonner avec des personnes externes au </a:t>
+            </a:r>
+            <a:r>
+              <a:rPr lang="fr-FR" dirty="0" smtClean="0"/>
+              <a:t>groupe</a:t>
+            </a:r>
+          </a:p>
+          <a:p>
+            <a:pPr lvl="1"/>
+            <a:endParaRPr lang="fr-FR" dirty="0"/>
+          </a:p>
+          <a:p>
+            <a:pPr lvl="1"/>
+            <a:r>
+              <a:rPr lang="fr-FR" dirty="0" err="1" smtClean="0"/>
+              <a:t>Versionning</a:t>
+            </a:r>
+            <a:endParaRPr lang="fr-FR" dirty="0" smtClean="0"/>
+          </a:p>
+          <a:p>
+            <a:pPr lvl="1"/>
+            <a:endParaRPr lang="fr-FR" dirty="0"/>
+          </a:p>
+          <a:p>
+            <a:pPr lvl="1"/>
+            <a:r>
+              <a:rPr lang="fr-FR" dirty="0"/>
+              <a:t>Apprentissage des technos</a:t>
+            </a:r>
+          </a:p>
+        </p:txBody>
+      </p:sp>
+      <p:pic>
+        <p:nvPicPr>
+          <p:cNvPr id="5" name="Image 4"/>
+          <p:cNvPicPr>
+            <a:picLocks noChangeAspect="1"/>
+          </p:cNvPicPr>
+          <p:nvPr/>
+        </p:nvPicPr>
+        <p:blipFill>
+          <a:blip r:embed="rId2">
+            <a:extLst>
+              <a:ext uri="{28A0092B-C50C-407E-A947-70E740481C1C}">
+                <a14:useLocalDpi xmlns:a14="http://schemas.microsoft.com/office/drawing/2010/main" val="0"/>
+              </a:ext>
+            </a:extLst>
+          </a:blip>
+          <a:stretch>
+            <a:fillRect/>
+          </a:stretch>
+        </p:blipFill>
+        <p:spPr>
+          <a:xfrm>
+            <a:off x="1007023" y="1914360"/>
+            <a:ext cx="1149638" cy="1149638"/>
+          </a:xfrm>
+          <a:prstGeom prst="rect">
+            <a:avLst/>
+          </a:prstGeom>
+        </p:spPr>
+      </p:pic>
+    </p:spTree>
+    <p:extLst>
+      <p:ext uri="{BB962C8B-B14F-4D97-AF65-F5344CB8AC3E}">
+        <p14:creationId xmlns:p14="http://schemas.microsoft.com/office/powerpoint/2010/main" val="3011602550"/>
+      </p:ext>
+    </p:extLst>
+  </p:cSld>
+  <p:clrMapOvr>
+    <a:masterClrMapping/>
+  </p:clrMapOvr>
+  <p:timing>
+    <p:tnLst>
+      <p:par>
+        <p:cTn id="1" dur="indefinite" restart="never" nodeType="tmRoot"/>
+      </p:par>
+    </p:tnLst>
+  </p:timing>
+</p:sld>
+</file>
+
+<file path=ppt/slides/slide21.xml><?xml version="1.0" encoding="utf-8"?>
+<p:sld xmlns:a="http://schemas.openxmlformats.org/drawingml/2006/main" xmlns:r="http://schemas.openxmlformats.org/officeDocument/2006/relationships" xmlns:p="http://schemas.openxmlformats.org/presentationml/2006/main">
+  <p:cSld>
+    <p:spTree>
+      <p:nvGrpSpPr>
+        <p:cNvPr id="1" name=""/>
+        <p:cNvGrpSpPr/>
+        <p:nvPr/>
+      </p:nvGrpSpPr>
+      <p:grpSpPr>
+        <a:xfrm>
+          <a:off x="0" y="0"/>
+          <a:ext cx="0" cy="0"/>
+          <a:chOff x="0" y="0"/>
+          <a:chExt cx="0" cy="0"/>
+        </a:xfrm>
+      </p:grpSpPr>
+      <p:sp>
+        <p:nvSpPr>
+          <p:cNvPr id="3" name="Bulle ronde 2"/>
+          <p:cNvSpPr/>
+          <p:nvPr/>
+        </p:nvSpPr>
+        <p:spPr>
+          <a:xfrm>
+            <a:off x="6093618" y="1564483"/>
+            <a:ext cx="4067174" cy="3357562"/>
+          </a:xfrm>
+          <a:prstGeom prst="wedgeEllipseCallout">
+            <a:avLst>
+              <a:gd name="adj1" fmla="val -64393"/>
+              <a:gd name="adj2" fmla="val 13138"/>
+            </a:avLst>
+          </a:prstGeom>
+          <a:solidFill>
+            <a:schemeClr val="bg1"/>
+          </a:solidFill>
+          <a:ln>
+            <a:noFill/>
+          </a:ln>
+        </p:spPr>
+        <p:style>
+          <a:lnRef idx="2">
+            <a:schemeClr val="accent1">
+              <a:shade val="50000"/>
+            </a:schemeClr>
+          </a:lnRef>
+          <a:fillRef idx="1">
+            <a:schemeClr val="accent1"/>
+          </a:fillRef>
+          <a:effectRef idx="0">
+            <a:schemeClr val="accent1"/>
+          </a:effectRef>
+          <a:fontRef idx="minor">
+            <a:schemeClr val="lt1"/>
+          </a:fontRef>
+        </p:style>
+        <p:txBody>
+          <a:bodyPr rtlCol="0" anchor="ctr"/>
+          <a:lstStyle/>
+          <a:p>
+            <a:pPr algn="ctr"/>
+            <a:endParaRPr lang="fr-FR"/>
+          </a:p>
+        </p:txBody>
+      </p:sp>
+      <p:sp>
+        <p:nvSpPr>
+          <p:cNvPr id="6" name="Titre 5"/>
+          <p:cNvSpPr>
+            <a:spLocks noGrp="1"/>
+          </p:cNvSpPr>
+          <p:nvPr>
+            <p:ph type="ctrTitle"/>
+          </p:nvPr>
+        </p:nvSpPr>
+        <p:spPr>
+          <a:xfrm>
+            <a:off x="5629277" y="1099471"/>
+            <a:ext cx="5038722" cy="2410492"/>
+          </a:xfrm>
+        </p:spPr>
+        <p:txBody>
+          <a:bodyPr>
+            <a:normAutofit/>
+          </a:bodyPr>
+          <a:lstStyle/>
+          <a:p>
+            <a:r>
+              <a:rPr lang="fr-FR" sz="7200" b="1" dirty="0">
+                <a:solidFill>
+                  <a:srgbClr val="FCC434"/>
+                </a:solidFill>
+              </a:rPr>
+              <a:t>MERCI</a:t>
+            </a:r>
+          </a:p>
+        </p:txBody>
+      </p:sp>
+      <p:sp>
+        <p:nvSpPr>
+          <p:cNvPr id="7" name="Sous-titre 6"/>
+          <p:cNvSpPr>
+            <a:spLocks noGrp="1"/>
+          </p:cNvSpPr>
+          <p:nvPr>
+            <p:ph type="subTitle" idx="1"/>
+          </p:nvPr>
+        </p:nvSpPr>
+        <p:spPr>
+          <a:xfrm>
+            <a:off x="5629277" y="3586163"/>
+            <a:ext cx="5038722" cy="1671637"/>
+          </a:xfrm>
+        </p:spPr>
+        <p:txBody>
+          <a:bodyPr/>
+          <a:lstStyle/>
+          <a:p>
+            <a:r>
+              <a:rPr lang="fr-FR" dirty="0">
+                <a:solidFill>
+                  <a:srgbClr val="20160D"/>
+                </a:solidFill>
+              </a:rPr>
+              <a:t>B</a:t>
+            </a:r>
+            <a:r>
+              <a:rPr lang="fr-FR" dirty="0" smtClean="0">
+                <a:solidFill>
+                  <a:srgbClr val="20160D"/>
+                </a:solidFill>
+              </a:rPr>
+              <a:t>onnes vacances !</a:t>
+            </a:r>
+            <a:endParaRPr lang="fr-FR" dirty="0">
+              <a:solidFill>
+                <a:srgbClr val="20160D"/>
+              </a:solidFill>
+            </a:endParaRPr>
+          </a:p>
+        </p:txBody>
+      </p:sp>
+      <p:pic>
+        <p:nvPicPr>
+          <p:cNvPr id="2" name="Image 1"/>
+          <p:cNvPicPr>
+            <a:picLocks noChangeAspect="1"/>
+          </p:cNvPicPr>
+          <p:nvPr/>
+        </p:nvPicPr>
+        <p:blipFill>
+          <a:blip r:embed="rId2">
+            <a:extLst>
+              <a:ext uri="{28A0092B-C50C-407E-A947-70E740481C1C}">
+                <a14:useLocalDpi xmlns:a14="http://schemas.microsoft.com/office/drawing/2010/main" val="0"/>
+              </a:ext>
+            </a:extLst>
+          </a:blip>
+          <a:stretch>
+            <a:fillRect/>
+          </a:stretch>
+        </p:blipFill>
+        <p:spPr>
+          <a:xfrm>
+            <a:off x="-294135" y="2776125"/>
+            <a:ext cx="5180466" cy="3146053"/>
+          </a:xfrm>
+          <a:prstGeom prst="rect">
+            <a:avLst/>
+          </a:prstGeom>
+          <a:effectLst>
+            <a:glow rad="292100">
+              <a:srgbClr val="FCC434">
+                <a:alpha val="80000"/>
+              </a:srgbClr>
+            </a:glow>
+          </a:effectLst>
+        </p:spPr>
+      </p:pic>
+    </p:spTree>
+    <p:extLst>
+      <p:ext uri="{BB962C8B-B14F-4D97-AF65-F5344CB8AC3E}">
+        <p14:creationId xmlns:p14="http://schemas.microsoft.com/office/powerpoint/2010/main" val="615357940"/>
+      </p:ext>
+    </p:extLst>
+  </p:cSld>
+  <p:clrMapOvr>
+    <a:masterClrMapping/>
+  </p:clrMapOvr>
+  <p:timing>
+    <p:tnLst>
+      <p:par>
+        <p:cTn id="1" dur="indefinite" restart="never" nodeType="tmRoot"/>
+      </p:par>
+    </p:tnLst>
+  </p:timing>
+</p:sld>
+</file>
+
+<file path=ppt/slides/slide3.xml><?xml version="1.0" encoding="utf-8"?>
+<p:sld xmlns:a="http://schemas.openxmlformats.org/drawingml/2006/main" xmlns:r="http://schemas.openxmlformats.org/officeDocument/2006/relationships" xmlns:p="http://schemas.openxmlformats.org/presentationml/2006/main">
+  <p:cSld>
+    <p:spTree>
+      <p:nvGrpSpPr>
+        <p:cNvPr id="1" name=""/>
+        <p:cNvGrpSpPr/>
+        <p:nvPr/>
+      </p:nvGrpSpPr>
+      <p:grpSpPr>
+        <a:xfrm>
+          <a:off x="0" y="0"/>
+          <a:ext cx="0" cy="0"/>
+          <a:chOff x="0" y="0"/>
+          <a:chExt cx="0" cy="0"/>
+        </a:xfrm>
+      </p:grpSpPr>
+      <p:sp>
+        <p:nvSpPr>
+          <p:cNvPr id="2" name="Titre 1"/>
+          <p:cNvSpPr>
+            <a:spLocks noGrp="1"/>
+          </p:cNvSpPr>
+          <p:nvPr>
+            <p:ph type="title"/>
+          </p:nvPr>
+        </p:nvSpPr>
+        <p:spPr/>
+        <p:txBody>
+          <a:bodyPr/>
+          <a:lstStyle/>
+          <a:p>
+            <a:r>
+              <a:rPr lang="fr-FR" dirty="0">
+                <a:solidFill>
+                  <a:srgbClr val="FCC434"/>
+                </a:solidFill>
+              </a:rPr>
+              <a:t>Présentation des acteurs</a:t>
+            </a:r>
+            <a:endParaRPr lang="fr-FR" dirty="0"/>
+          </a:p>
+        </p:txBody>
+      </p:sp>
+      <p:sp>
+        <p:nvSpPr>
+          <p:cNvPr id="3" name="Espace réservé du contenu 2"/>
+          <p:cNvSpPr>
+            <a:spLocks noGrp="1"/>
+          </p:cNvSpPr>
+          <p:nvPr>
+            <p:ph idx="1"/>
+          </p:nvPr>
+        </p:nvSpPr>
+        <p:spPr/>
+        <p:txBody>
+          <a:bodyPr/>
+          <a:lstStyle/>
+          <a:p>
+            <a:pPr marL="0" indent="0" algn="ctr">
+              <a:buNone/>
+            </a:pPr>
+            <a:endParaRPr lang="fr-FR" dirty="0">
+              <a:solidFill>
+                <a:schemeClr val="bg1"/>
+              </a:solidFill>
+            </a:endParaRPr>
+          </a:p>
+          <a:p>
+            <a:pPr marL="0" indent="0">
+              <a:buNone/>
+            </a:pPr>
+            <a:r>
+              <a:rPr lang="fr-FR" dirty="0">
+                <a:solidFill>
+                  <a:schemeClr val="bg1"/>
+                </a:solidFill>
+              </a:rPr>
+              <a:t>David BOZON</a:t>
+            </a:r>
+          </a:p>
+          <a:p>
+            <a:pPr marL="0" indent="0">
+              <a:buNone/>
+            </a:pPr>
+            <a:r>
+              <a:rPr lang="fr-FR" dirty="0">
+                <a:solidFill>
+                  <a:schemeClr val="bg1"/>
+                </a:solidFill>
+              </a:rPr>
+              <a:t>Solène DEMARS</a:t>
+            </a:r>
+          </a:p>
+          <a:p>
+            <a:pPr marL="0" indent="0">
+              <a:buNone/>
+            </a:pPr>
+            <a:r>
+              <a:rPr lang="fr-FR" dirty="0">
+                <a:solidFill>
+                  <a:schemeClr val="bg1"/>
+                </a:solidFill>
+              </a:rPr>
+              <a:t>Gaétan DEPREZ</a:t>
+            </a:r>
+          </a:p>
+          <a:p>
+            <a:pPr marL="0" indent="0">
+              <a:buNone/>
+            </a:pPr>
+            <a:r>
+              <a:rPr lang="fr-FR" dirty="0">
+                <a:solidFill>
+                  <a:schemeClr val="bg1"/>
+                </a:solidFill>
+              </a:rPr>
+              <a:t>Émilie PARDOEN</a:t>
+            </a:r>
+          </a:p>
+          <a:p>
+            <a:pPr marL="0" indent="0">
+              <a:buNone/>
+            </a:pPr>
+            <a:r>
+              <a:rPr lang="fr-FR" dirty="0">
+                <a:solidFill>
+                  <a:schemeClr val="bg1"/>
+                </a:solidFill>
+              </a:rPr>
+              <a:t>Jérémy VALETTE</a:t>
+            </a:r>
+          </a:p>
+        </p:txBody>
+      </p:sp>
+      <p:pic>
+        <p:nvPicPr>
+          <p:cNvPr id="5" name="Image 4"/>
+          <p:cNvPicPr>
+            <a:picLocks noChangeAspect="1"/>
+          </p:cNvPicPr>
+          <p:nvPr/>
+        </p:nvPicPr>
+        <p:blipFill>
+          <a:blip r:embed="rId2">
+            <a:extLst>
+              <a:ext uri="{28A0092B-C50C-407E-A947-70E740481C1C}">
+                <a14:useLocalDpi xmlns:a14="http://schemas.microsoft.com/office/drawing/2010/main" val="0"/>
+              </a:ext>
+            </a:extLst>
+          </a:blip>
+          <a:stretch>
+            <a:fillRect/>
+          </a:stretch>
+        </p:blipFill>
+        <p:spPr>
+          <a:xfrm>
+            <a:off x="4543707" y="2348139"/>
+            <a:ext cx="2600730" cy="2378445"/>
+          </a:xfrm>
+          <a:prstGeom prst="rect">
+            <a:avLst/>
+          </a:prstGeom>
+        </p:spPr>
+      </p:pic>
+      <p:pic>
+        <p:nvPicPr>
+          <p:cNvPr id="7" name="Image 6"/>
+          <p:cNvPicPr>
+            <a:picLocks noChangeAspect="1"/>
+          </p:cNvPicPr>
+          <p:nvPr/>
+        </p:nvPicPr>
+        <p:blipFill>
+          <a:blip r:embed="rId3">
+            <a:extLst>
+              <a:ext uri="{28A0092B-C50C-407E-A947-70E740481C1C}">
+                <a14:useLocalDpi xmlns:a14="http://schemas.microsoft.com/office/drawing/2010/main" val="0"/>
+              </a:ext>
+            </a:extLst>
+          </a:blip>
+          <a:stretch>
+            <a:fillRect/>
+          </a:stretch>
+        </p:blipFill>
+        <p:spPr>
+          <a:xfrm>
+            <a:off x="7940253" y="2889661"/>
+            <a:ext cx="3514725" cy="1295400"/>
+          </a:xfrm>
+          <a:prstGeom prst="rect">
+            <a:avLst/>
+          </a:prstGeom>
+        </p:spPr>
+      </p:pic>
+    </p:spTree>
+    <p:extLst>
+      <p:ext uri="{BB962C8B-B14F-4D97-AF65-F5344CB8AC3E}">
+        <p14:creationId xmlns:p14="http://schemas.microsoft.com/office/powerpoint/2010/main" val="2357025866"/>
+      </p:ext>
+    </p:extLst>
+  </p:cSld>
+  <p:clrMapOvr>
+    <a:masterClrMapping/>
+  </p:clrMapOvr>
+  <p:timing>
+    <p:tnLst>
+      <p:par>
+        <p:cTn id="1" dur="indefinite" restart="never" nodeType="tmRoot"/>
+      </p:par>
+    </p:tnLst>
+  </p:timing>
+</p:sld>
+</file>
+
+<file path=ppt/slides/slide4.xml><?xml version="1.0" encoding="utf-8"?>
+<p:sld xmlns:a="http://schemas.openxmlformats.org/drawingml/2006/main" xmlns:r="http://schemas.openxmlformats.org/officeDocument/2006/relationships" xmlns:p="http://schemas.openxmlformats.org/presentationml/2006/main">
+  <p:cSld>
+    <p:spTree>
+      <p:nvGrpSpPr>
+        <p:cNvPr id="1" name=""/>
+        <p:cNvGrpSpPr/>
+        <p:nvPr/>
+      </p:nvGrpSpPr>
+      <p:grpSpPr>
+        <a:xfrm>
+          <a:off x="0" y="0"/>
+          <a:ext cx="0" cy="0"/>
+          <a:chOff x="0" y="0"/>
+          <a:chExt cx="0" cy="0"/>
+        </a:xfrm>
+      </p:grpSpPr>
+      <p:sp>
+        <p:nvSpPr>
+          <p:cNvPr id="2" name="Titre 1"/>
+          <p:cNvSpPr>
+            <a:spLocks noGrp="1"/>
+          </p:cNvSpPr>
+          <p:nvPr>
+            <p:ph type="title"/>
+          </p:nvPr>
+        </p:nvSpPr>
+        <p:spPr/>
+        <p:txBody>
+          <a:bodyPr/>
+          <a:lstStyle/>
+          <a:p>
+            <a:r>
+              <a:rPr lang="fr-FR" dirty="0" smtClean="0"/>
+              <a:t>Objectifs</a:t>
+            </a:r>
+            <a:endParaRPr lang="fr-FR" dirty="0"/>
+          </a:p>
+        </p:txBody>
+      </p:sp>
+      <p:pic>
+        <p:nvPicPr>
+          <p:cNvPr id="4" name="Espace réservé du contenu 3"/>
+          <p:cNvPicPr>
+            <a:picLocks noGrp="1" noChangeAspect="1"/>
+          </p:cNvPicPr>
+          <p:nvPr>
+            <p:ph idx="1"/>
+          </p:nvPr>
+        </p:nvPicPr>
+        <p:blipFill>
+          <a:blip r:embed="rId2" cstate="print">
+            <a:extLst>
+              <a:ext uri="{28A0092B-C50C-407E-A947-70E740481C1C}">
+                <a14:useLocalDpi xmlns:a14="http://schemas.microsoft.com/office/drawing/2010/main" val="0"/>
+              </a:ext>
+            </a:extLst>
+          </a:blip>
+          <a:stretch>
+            <a:fillRect/>
+          </a:stretch>
+        </p:blipFill>
+        <p:spPr>
+          <a:xfrm>
+            <a:off x="2832496" y="1825625"/>
+            <a:ext cx="6527007" cy="4351338"/>
+          </a:xfrm>
+        </p:spPr>
+      </p:pic>
+    </p:spTree>
+    <p:extLst>
+      <p:ext uri="{BB962C8B-B14F-4D97-AF65-F5344CB8AC3E}">
+        <p14:creationId xmlns:p14="http://schemas.microsoft.com/office/powerpoint/2010/main" val="799826920"/>
+      </p:ext>
+    </p:extLst>
+  </p:cSld>
+  <p:clrMapOvr>
+    <a:masterClrMapping/>
+  </p:clrMapOvr>
+  <p:timing>
+    <p:tnLst>
+      <p:par>
+        <p:cTn id="1" dur="indefinite" restart="never" nodeType="tmRoot"/>
+      </p:par>
+    </p:tnLst>
+  </p:timing>
+</p:sld>
+</file>
+
+<file path=ppt/slides/slide5.xml><?xml version="1.0" encoding="utf-8"?>
+<p:sld xmlns:a="http://schemas.openxmlformats.org/drawingml/2006/main" xmlns:r="http://schemas.openxmlformats.org/officeDocument/2006/relationships" xmlns:p="http://schemas.openxmlformats.org/presentationml/2006/main">
+  <p:cSld>
+    <p:spTree>
+      <p:nvGrpSpPr>
+        <p:cNvPr id="1" name=""/>
+        <p:cNvGrpSpPr/>
+        <p:nvPr/>
+      </p:nvGrpSpPr>
+      <p:grpSpPr>
+        <a:xfrm>
+          <a:off x="0" y="0"/>
+          <a:ext cx="0" cy="0"/>
+          <a:chOff x="0" y="0"/>
+          <a:chExt cx="0" cy="0"/>
+        </a:xfrm>
+      </p:grpSpPr>
+      <p:sp>
+        <p:nvSpPr>
+          <p:cNvPr id="2" name="Titre 1"/>
+          <p:cNvSpPr>
+            <a:spLocks noGrp="1"/>
+          </p:cNvSpPr>
+          <p:nvPr>
+            <p:ph type="title"/>
+          </p:nvPr>
+        </p:nvSpPr>
+        <p:spPr/>
+        <p:txBody>
+          <a:bodyPr/>
+          <a:lstStyle/>
+          <a:p>
+            <a:r>
+              <a:rPr lang="fr-FR" dirty="0" smtClean="0"/>
+              <a:t>Objectifs</a:t>
+            </a:r>
+            <a:endParaRPr lang="fr-FR" dirty="0"/>
+          </a:p>
+        </p:txBody>
+      </p:sp>
+      <p:pic>
+        <p:nvPicPr>
+          <p:cNvPr id="10" name="Espace réservé du contenu 9"/>
+          <p:cNvPicPr>
+            <a:picLocks noGrp="1" noChangeAspect="1"/>
+          </p:cNvPicPr>
+          <p:nvPr>
+            <p:ph idx="1"/>
+          </p:nvPr>
+        </p:nvPicPr>
+        <p:blipFill>
+          <a:blip r:embed="rId2" cstate="print">
+            <a:extLst>
+              <a:ext uri="{28A0092B-C50C-407E-A947-70E740481C1C}">
+                <a14:useLocalDpi xmlns:a14="http://schemas.microsoft.com/office/drawing/2010/main" val="0"/>
+              </a:ext>
+            </a:extLst>
+          </a:blip>
+          <a:stretch>
+            <a:fillRect/>
+          </a:stretch>
+        </p:blipFill>
+        <p:spPr>
+          <a:xfrm>
+            <a:off x="982534" y="1587657"/>
+            <a:ext cx="6929939" cy="4619959"/>
+          </a:xfrm>
+        </p:spPr>
+      </p:pic>
+      <p:sp>
+        <p:nvSpPr>
+          <p:cNvPr id="11" name="ZoneTexte 10"/>
+          <p:cNvSpPr txBox="1"/>
+          <p:nvPr/>
+        </p:nvSpPr>
+        <p:spPr>
+          <a:xfrm>
+            <a:off x="8139448" y="2485621"/>
+            <a:ext cx="3214352" cy="3046988"/>
+          </a:xfrm>
+          <a:prstGeom prst="rect">
+            <a:avLst/>
+          </a:prstGeom>
+          <a:noFill/>
+        </p:spPr>
+        <p:txBody>
+          <a:bodyPr wrap="square" rtlCol="0">
+            <a:spAutoFit/>
+          </a:bodyPr>
+          <a:lstStyle/>
+          <a:p>
+            <a:r>
+              <a:rPr lang="fr-FR" sz="2400" dirty="0" smtClean="0">
+                <a:solidFill>
+                  <a:schemeClr val="bg1"/>
+                </a:solidFill>
+              </a:rPr>
+              <a:t>Problématique :</a:t>
+            </a:r>
+          </a:p>
+          <a:p>
+            <a:pPr marL="285750" indent="-285750">
+              <a:buFont typeface="Arial" panose="020B0604020202020204" pitchFamily="34" charset="0"/>
+              <a:buChar char="•"/>
+            </a:pPr>
+            <a:r>
+              <a:rPr lang="fr-FR" sz="2400" dirty="0" smtClean="0">
+                <a:solidFill>
+                  <a:schemeClr val="bg1"/>
+                </a:solidFill>
+              </a:rPr>
+              <a:t>Accès à la ruche</a:t>
+            </a:r>
+          </a:p>
+          <a:p>
+            <a:pPr marL="285750" indent="-285750">
+              <a:buFont typeface="Arial" panose="020B0604020202020204" pitchFamily="34" charset="0"/>
+              <a:buChar char="•"/>
+            </a:pPr>
+            <a:r>
+              <a:rPr lang="fr-FR" sz="2400" dirty="0" smtClean="0">
+                <a:solidFill>
+                  <a:schemeClr val="bg1"/>
+                </a:solidFill>
+              </a:rPr>
+              <a:t>Accès aux informations dans le </a:t>
+            </a:r>
+            <a:r>
+              <a:rPr lang="fr-FR" sz="2400" dirty="0" err="1" smtClean="0">
+                <a:solidFill>
+                  <a:schemeClr val="bg1"/>
+                </a:solidFill>
+              </a:rPr>
+              <a:t>Raspberry</a:t>
+            </a:r>
+            <a:endParaRPr lang="fr-FR" sz="2400" dirty="0" smtClean="0">
+              <a:solidFill>
+                <a:schemeClr val="bg1"/>
+              </a:solidFill>
+            </a:endParaRPr>
+          </a:p>
+          <a:p>
+            <a:pPr marL="285750" indent="-285750">
+              <a:buFont typeface="Arial" panose="020B0604020202020204" pitchFamily="34" charset="0"/>
+              <a:buChar char="•"/>
+            </a:pPr>
+            <a:r>
+              <a:rPr lang="fr-FR" sz="2400" dirty="0" smtClean="0">
+                <a:solidFill>
+                  <a:schemeClr val="bg1"/>
+                </a:solidFill>
+              </a:rPr>
+              <a:t>Visualiser les informations</a:t>
+            </a:r>
+          </a:p>
+          <a:p>
+            <a:pPr marL="285750" indent="-285750">
+              <a:buFont typeface="Arial" panose="020B0604020202020204" pitchFamily="34" charset="0"/>
+              <a:buChar char="•"/>
+            </a:pPr>
+            <a:r>
+              <a:rPr lang="fr-FR" sz="2400" dirty="0" smtClean="0">
+                <a:solidFill>
+                  <a:schemeClr val="bg1"/>
+                </a:solidFill>
+              </a:rPr>
+              <a:t>Accès au flux vidéo</a:t>
+            </a:r>
+          </a:p>
+        </p:txBody>
+      </p:sp>
+    </p:spTree>
+    <p:extLst>
+      <p:ext uri="{BB962C8B-B14F-4D97-AF65-F5344CB8AC3E}">
+        <p14:creationId xmlns:p14="http://schemas.microsoft.com/office/powerpoint/2010/main" val="1494723214"/>
+      </p:ext>
+    </p:extLst>
+  </p:cSld>
+  <p:clrMapOvr>
+    <a:masterClrMapping/>
+  </p:clrMapOvr>
+  <p:timing>
+    <p:tnLst>
+      <p:par>
+        <p:cTn id="1" dur="indefinite" restart="never" nodeType="tmRoot"/>
+      </p:par>
+    </p:tnLst>
+  </p:timing>
+</p:sld>
+</file>
+
+<file path=ppt/slides/slide6.xml><?xml version="1.0" encoding="utf-8"?>
+<p:sld xmlns:a="http://schemas.openxmlformats.org/drawingml/2006/main" xmlns:r="http://schemas.openxmlformats.org/officeDocument/2006/relationships" xmlns:p="http://schemas.openxmlformats.org/presentationml/2006/main">
+  <p:cSld>
+    <p:spTree>
+      <p:nvGrpSpPr>
+        <p:cNvPr id="1" name=""/>
+        <p:cNvGrpSpPr/>
+        <p:nvPr/>
+      </p:nvGrpSpPr>
+      <p:grpSpPr>
+        <a:xfrm>
+          <a:off x="0" y="0"/>
+          <a:ext cx="0" cy="0"/>
+          <a:chOff x="0" y="0"/>
+          <a:chExt cx="0" cy="0"/>
+        </a:xfrm>
+      </p:grpSpPr>
+      <p:sp>
+        <p:nvSpPr>
+          <p:cNvPr id="2" name="Titre 1"/>
+          <p:cNvSpPr>
+            <a:spLocks noGrp="1"/>
+          </p:cNvSpPr>
+          <p:nvPr>
+            <p:ph type="title"/>
+          </p:nvPr>
+        </p:nvSpPr>
+        <p:spPr/>
+        <p:txBody>
+          <a:bodyPr/>
+          <a:lstStyle/>
+          <a:p>
+            <a:r>
+              <a:rPr lang="fr-FR" dirty="0" smtClean="0"/>
+              <a:t>Objectifs</a:t>
+            </a:r>
+            <a:endParaRPr lang="fr-FR" dirty="0"/>
+          </a:p>
+        </p:txBody>
+      </p:sp>
+      <p:pic>
+        <p:nvPicPr>
+          <p:cNvPr id="4" name="Espace réservé du contenu 3"/>
+          <p:cNvPicPr>
+            <a:picLocks noGrp="1" noChangeAspect="1"/>
+          </p:cNvPicPr>
+          <p:nvPr>
+            <p:ph idx="1"/>
+          </p:nvPr>
+        </p:nvPicPr>
+        <p:blipFill>
+          <a:blip r:embed="rId2" cstate="print">
+            <a:extLst>
+              <a:ext uri="{28A0092B-C50C-407E-A947-70E740481C1C}">
+                <a14:useLocalDpi xmlns:a14="http://schemas.microsoft.com/office/drawing/2010/main" val="0"/>
+              </a:ext>
+            </a:extLst>
+          </a:blip>
+          <a:stretch>
+            <a:fillRect/>
+          </a:stretch>
+        </p:blipFill>
+        <p:spPr>
+          <a:xfrm>
+            <a:off x="1748564" y="1561884"/>
+            <a:ext cx="8694872" cy="4756748"/>
+          </a:xfrm>
+        </p:spPr>
+      </p:pic>
+    </p:spTree>
+    <p:extLst>
+      <p:ext uri="{BB962C8B-B14F-4D97-AF65-F5344CB8AC3E}">
+        <p14:creationId xmlns:p14="http://schemas.microsoft.com/office/powerpoint/2010/main" val="2019790294"/>
+      </p:ext>
+    </p:extLst>
+  </p:cSld>
+  <p:clrMapOvr>
+    <a:masterClrMapping/>
+  </p:clrMapOvr>
+  <p:timing>
+    <p:tnLst>
+      <p:par>
+        <p:cTn id="1" dur="indefinite" restart="never" nodeType="tmRoot"/>
+      </p:par>
+    </p:tnLst>
+  </p:timing>
+</p:sld>
+</file>
+
+<file path=ppt/slides/slide7.xml><?xml version="1.0" encoding="utf-8"?>
+<p:sld xmlns:a="http://schemas.openxmlformats.org/drawingml/2006/main" xmlns:r="http://schemas.openxmlformats.org/officeDocument/2006/relationships" xmlns:p="http://schemas.openxmlformats.org/presentationml/2006/main">
+  <p:cSld>
+    <p:spTree>
+      <p:nvGrpSpPr>
+        <p:cNvPr id="1" name=""/>
+        <p:cNvGrpSpPr/>
+        <p:nvPr/>
+      </p:nvGrpSpPr>
+      <p:grpSpPr>
+        <a:xfrm>
+          <a:off x="0" y="0"/>
+          <a:ext cx="0" cy="0"/>
+          <a:chOff x="0" y="0"/>
+          <a:chExt cx="0" cy="0"/>
+        </a:xfrm>
+      </p:grpSpPr>
+      <p:sp>
+        <p:nvSpPr>
+          <p:cNvPr id="2" name="Titre 1"/>
+          <p:cNvSpPr>
+            <a:spLocks noGrp="1"/>
+          </p:cNvSpPr>
+          <p:nvPr>
+            <p:ph type="title"/>
+          </p:nvPr>
+        </p:nvSpPr>
+        <p:spPr/>
+        <p:txBody>
+          <a:bodyPr/>
+          <a:lstStyle/>
+          <a:p>
+            <a:r>
+              <a:rPr lang="fr-FR"/>
+              <a:t>Affichage du flux </a:t>
+            </a:r>
+            <a:r>
+              <a:rPr lang="fr-FR" dirty="0"/>
+              <a:t>vidéo</a:t>
+            </a:r>
+          </a:p>
+        </p:txBody>
+      </p:sp>
+      <p:sp>
+        <p:nvSpPr>
+          <p:cNvPr id="3" name="Espace réservé du contenu 2"/>
+          <p:cNvSpPr>
+            <a:spLocks noGrp="1"/>
+          </p:cNvSpPr>
+          <p:nvPr>
+            <p:ph idx="1"/>
+          </p:nvPr>
+        </p:nvSpPr>
+        <p:spPr>
+          <a:xfrm>
+            <a:off x="6040192" y="1825625"/>
+            <a:ext cx="5313608" cy="4351338"/>
+          </a:xfrm>
+        </p:spPr>
+        <p:txBody>
+          <a:bodyPr/>
+          <a:lstStyle/>
+          <a:p>
+            <a:endParaRPr lang="fr-FR" dirty="0"/>
+          </a:p>
+          <a:p>
+            <a:r>
+              <a:rPr lang="fr-FR" dirty="0"/>
+              <a:t>Affichage en direct</a:t>
+            </a:r>
+          </a:p>
+          <a:p>
+            <a:endParaRPr lang="fr-FR" dirty="0"/>
+          </a:p>
+          <a:p>
+            <a:r>
+              <a:rPr lang="fr-FR" dirty="0"/>
+              <a:t>Compteur en temps </a:t>
+            </a:r>
+            <a:r>
+              <a:rPr lang="fr-FR" dirty="0" smtClean="0"/>
+              <a:t>réel</a:t>
+            </a:r>
+            <a:endParaRPr lang="fr-FR" dirty="0"/>
+          </a:p>
+        </p:txBody>
+      </p:sp>
+      <p:pic>
+        <p:nvPicPr>
+          <p:cNvPr id="4" name="Image 3"/>
+          <p:cNvPicPr>
+            <a:picLocks noChangeAspect="1"/>
+          </p:cNvPicPr>
+          <p:nvPr/>
+        </p:nvPicPr>
+        <p:blipFill>
+          <a:blip r:embed="rId2">
+            <a:extLst>
+              <a:ext uri="{28A0092B-C50C-407E-A947-70E740481C1C}">
+                <a14:useLocalDpi xmlns:a14="http://schemas.microsoft.com/office/drawing/2010/main" val="0"/>
+              </a:ext>
+            </a:extLst>
+          </a:blip>
+          <a:stretch>
+            <a:fillRect/>
+          </a:stretch>
+        </p:blipFill>
+        <p:spPr>
+          <a:xfrm>
+            <a:off x="838200" y="1825625"/>
+            <a:ext cx="4788102" cy="3589650"/>
+          </a:xfrm>
+          <a:prstGeom prst="rect">
+            <a:avLst/>
+          </a:prstGeom>
+        </p:spPr>
+      </p:pic>
+    </p:spTree>
+    <p:extLst>
+      <p:ext uri="{BB962C8B-B14F-4D97-AF65-F5344CB8AC3E}">
+        <p14:creationId xmlns:p14="http://schemas.microsoft.com/office/powerpoint/2010/main" val="3052822772"/>
+      </p:ext>
+    </p:extLst>
+  </p:cSld>
+  <p:clrMapOvr>
+    <a:masterClrMapping/>
+  </p:clrMapOvr>
+  <p:timing>
+    <p:tnLst>
+      <p:par>
+        <p:cTn id="1" dur="indefinite" restart="never" nodeType="tmRoot"/>
+      </p:par>
+    </p:tnLst>
+  </p:timing>
 </p:sld>
 </file>
 
@@ -5345,34 +8056,41 @@
           <a:p>
             <a:r>
               <a:rPr lang="fr-FR" dirty="0"/>
-              <a:t>html/</a:t>
-            </a:r>
-            <a:r>
-              <a:rPr lang="fr-FR" dirty="0" err="1"/>
-              <a:t>css</a:t>
-            </a:r>
+              <a:t>Affichage des graphiques</a:t>
+            </a:r>
+          </a:p>
+        </p:txBody>
+      </p:sp>
+      <p:sp>
+        <p:nvSpPr>
+          <p:cNvPr id="3" name="Espace réservé du contenu 2"/>
+          <p:cNvSpPr>
+            <a:spLocks noGrp="1"/>
+          </p:cNvSpPr>
+          <p:nvPr>
+            <p:ph idx="1"/>
+          </p:nvPr>
+        </p:nvSpPr>
+        <p:spPr>
+          <a:xfrm>
+            <a:off x="838200" y="1825625"/>
+            <a:ext cx="4313549" cy="4351338"/>
+          </a:xfrm>
+        </p:spPr>
+        <p:txBody>
+          <a:bodyPr/>
+          <a:lstStyle/>
+          <a:p>
             <a:endParaRPr lang="fr-FR" dirty="0"/>
           </a:p>
-        </p:txBody>
-      </p:sp>
-      <p:sp>
-        <p:nvSpPr>
-          <p:cNvPr id="3" name="Espace réservé du contenu 2"/>
-          <p:cNvSpPr>
-            <a:spLocks noGrp="1"/>
-          </p:cNvSpPr>
-          <p:nvPr>
-            <p:ph idx="1"/>
-          </p:nvPr>
-        </p:nvSpPr>
-        <p:spPr/>
-        <p:txBody>
-          <a:bodyPr/>
-          <a:lstStyle/>
           <a:p>
             <a:r>
               <a:rPr lang="fr-FR" dirty="0"/>
-              <a:t>Supporté par toutes les machines</a:t>
+              <a:t>Un graphique temps </a:t>
+            </a:r>
+            <a:r>
+              <a:rPr lang="fr-FR" dirty="0" smtClean="0"/>
+              <a:t>réel</a:t>
             </a:r>
           </a:p>
           <a:p>
@@ -5381,52 +8099,70 @@
           <a:p>
             <a:r>
               <a:rPr lang="fr-FR" dirty="0"/>
-              <a:t>Simple à maintenir</a:t>
-            </a:r>
-          </a:p>
-          <a:p>
+              <a:t>Deux </a:t>
+            </a:r>
+            <a:r>
+              <a:rPr lang="fr-FR" dirty="0" smtClean="0"/>
+              <a:t>graphiques d’étude</a:t>
+            </a:r>
             <a:endParaRPr lang="fr-FR" dirty="0"/>
           </a:p>
           <a:p>
+            <a:endParaRPr lang="fr-FR" dirty="0"/>
+          </a:p>
+          <a:p>
             <a:r>
               <a:rPr lang="fr-FR" dirty="0"/>
-              <a:t>Répond à nos attentes</a:t>
-            </a:r>
-          </a:p>
-          <a:p>
-            <a:endParaRPr lang="fr-FR" dirty="0"/>
-          </a:p>
-          <a:p>
-            <a:r>
-              <a:rPr lang="fr-FR" dirty="0"/>
-              <a:t>Passage de </a:t>
-            </a:r>
-            <a:r>
-              <a:rPr lang="fr-FR" dirty="0" err="1"/>
-              <a:t>css</a:t>
-            </a:r>
-            <a:r>
-              <a:rPr lang="fr-FR" dirty="0"/>
-              <a:t>, entièrement à la main, à </a:t>
-            </a:r>
-            <a:r>
-              <a:rPr lang="fr-FR" dirty="0" err="1"/>
-              <a:t>bootstrap</a:t>
-            </a:r>
-            <a:endParaRPr lang="fr-FR" dirty="0"/>
-          </a:p>
-        </p:txBody>
-      </p:sp>
+              <a:t>Export des graphiques sous différents </a:t>
+            </a:r>
+            <a:r>
+              <a:rPr lang="fr-FR" dirty="0" smtClean="0"/>
+              <a:t>formats</a:t>
+            </a:r>
+          </a:p>
+        </p:txBody>
+      </p:sp>
+      <p:pic>
+        <p:nvPicPr>
+          <p:cNvPr id="5" name="Image 4"/>
+          <p:cNvPicPr>
+            <a:picLocks noChangeAspect="1"/>
+          </p:cNvPicPr>
+          <p:nvPr/>
+        </p:nvPicPr>
+        <p:blipFill>
+          <a:blip r:embed="rId2"/>
+          <a:stretch>
+            <a:fillRect/>
+          </a:stretch>
+        </p:blipFill>
+        <p:spPr>
+          <a:xfrm>
+            <a:off x="5525103" y="2091531"/>
+            <a:ext cx="5572125" cy="3819525"/>
+          </a:xfrm>
+          <a:prstGeom prst="rect">
+            <a:avLst/>
+          </a:prstGeom>
+        </p:spPr>
+      </p:pic>
     </p:spTree>
     <p:extLst>
       <p:ext uri="{BB962C8B-B14F-4D97-AF65-F5344CB8AC3E}">
-        <p14:creationId xmlns:p14="http://schemas.microsoft.com/office/powerpoint/2010/main" val="1994096121"/>
+        <p14:creationId xmlns:p14="http://schemas.microsoft.com/office/powerpoint/2010/main" val="3322025383"/>
       </p:ext>
     </p:extLst>
   </p:cSld>
   <p:clrMapOvr>
     <a:masterClrMapping/>
   </p:clrMapOvr>
+  <p:timing>
+    <p:tnLst>
+      <p:par>
+        <p:cTn id="1" dur="indefinite" restart="never" nodeType="tmRoot"/>
+      </p:par>
+    </p:tnLst>
+  </p:timing>
 </p:sld>
 </file>
 
@@ -5457,26 +8193,19 @@
             <p:ph type="title"/>
           </p:nvPr>
         </p:nvSpPr>
-        <p:spPr/>
+        <p:spPr>
+          <a:xfrm>
+            <a:off x="838200" y="365125"/>
+            <a:ext cx="10515600" cy="1292225"/>
+          </a:xfrm>
+        </p:spPr>
         <p:txBody>
           <a:bodyPr/>
           <a:lstStyle/>
           <a:p>
             <a:r>
-              <a:rPr lang="fr-FR" dirty="0"/>
-              <a:t>Passage de xml à MySQL et </a:t>
-            </a:r>
-            <a:r>
-              <a:rPr lang="fr-FR" dirty="0" err="1"/>
-              <a:t>Php</a:t>
-            </a:r>
-            <a:r>
-              <a:rPr lang="fr-FR" dirty="0"/>
-              <a:t>/</a:t>
-            </a:r>
-            <a:r>
-              <a:rPr lang="fr-FR" dirty="0" err="1"/>
-              <a:t>js</a:t>
+              <a:rPr lang="fr-FR" dirty="0" smtClean="0"/>
+              <a:t>Démo</a:t>
             </a:r>
             <a:endParaRPr lang="fr-FR" dirty="0"/>
           </a:p>
@@ -5484,68 +8213,113 @@
       </p:sp>
       <p:sp>
         <p:nvSpPr>
-          <p:cNvPr id="3" name="Espace réservé du contenu 2"/>
-          <p:cNvSpPr>
-            <a:spLocks noGrp="1"/>
-          </p:cNvSpPr>
-          <p:nvPr>
-            <p:ph idx="1"/>
-          </p:nvPr>
-        </p:nvSpPr>
-        <p:spPr/>
-        <p:txBody>
-          <a:bodyPr/>
-          <a:lstStyle/>
-          <a:p>
-            <a:endParaRPr lang="fr-FR" dirty="0"/>
-          </a:p>
-          <a:p>
-            <a:r>
-              <a:rPr lang="fr-FR" dirty="0"/>
-              <a:t>Plus simple pour stocker et traiter les données</a:t>
-            </a:r>
-          </a:p>
-          <a:p>
-            <a:endParaRPr lang="fr-FR" dirty="0"/>
-          </a:p>
-          <a:p>
-            <a:r>
-              <a:rPr lang="fr-FR" dirty="0" err="1"/>
-              <a:t>Php</a:t>
-            </a:r>
-            <a:r>
-              <a:rPr lang="fr-FR" dirty="0"/>
-              <a:t> pour communiquer avec la base de données</a:t>
-            </a:r>
-          </a:p>
-          <a:p>
-            <a:endParaRPr lang="fr-FR" dirty="0"/>
-          </a:p>
-          <a:p>
-            <a:r>
-              <a:rPr lang="fr-FR" dirty="0" err="1"/>
-              <a:t>Js</a:t>
-            </a:r>
-            <a:r>
-              <a:rPr lang="fr-FR" dirty="0"/>
-              <a:t> pour actualiser le compteur et gérer l’affichage des graphiques</a:t>
-            </a:r>
-          </a:p>
-          <a:p>
-            <a:endParaRPr lang="fr-FR" dirty="0"/>
+          <p:cNvPr id="4" name="Hexagone 3"/>
+          <p:cNvSpPr/>
+          <p:nvPr/>
+        </p:nvSpPr>
+        <p:spPr>
+          <a:xfrm>
+            <a:off x="5226239" y="2885909"/>
+            <a:ext cx="1379761" cy="1189449"/>
+          </a:xfrm>
+          <a:prstGeom prst="hexagon">
+            <a:avLst/>
+          </a:prstGeom>
+          <a:solidFill>
+            <a:schemeClr val="bg1"/>
+          </a:solidFill>
+          <a:ln>
+            <a:noFill/>
+          </a:ln>
+        </p:spPr>
+        <p:style>
+          <a:lnRef idx="2">
+            <a:schemeClr val="accent1">
+              <a:shade val="50000"/>
+            </a:schemeClr>
+          </a:lnRef>
+          <a:fillRef idx="1">
+            <a:schemeClr val="accent1"/>
+          </a:fillRef>
+          <a:effectRef idx="0">
+            <a:schemeClr val="accent1"/>
+          </a:effectRef>
+          <a:fontRef idx="minor">
+            <a:schemeClr val="lt1"/>
+          </a:fontRef>
+        </p:style>
+        <p:txBody>
+          <a:bodyPr rtlCol="0" anchor="ctr"/>
+          <a:lstStyle/>
+          <a:p>
+            <a:pPr algn="ctr"/>
+            <a:endParaRPr lang="fr-FR"/>
+          </a:p>
+        </p:txBody>
+      </p:sp>
+      <p:sp>
+        <p:nvSpPr>
+          <p:cNvPr id="5" name="Triangle isocèle 4"/>
+          <p:cNvSpPr/>
+          <p:nvPr/>
+        </p:nvSpPr>
+        <p:spPr>
+          <a:xfrm rot="5400000">
+            <a:off x="5690542" y="3247182"/>
+            <a:ext cx="547405" cy="466902"/>
+          </a:xfrm>
+          <a:prstGeom prst="triangle">
+            <a:avLst/>
+          </a:prstGeom>
+          <a:solidFill>
+            <a:srgbClr val="20160D"/>
+          </a:solidFill>
+          <a:ln>
+            <a:noFill/>
+          </a:ln>
+        </p:spPr>
+        <p:style>
+          <a:lnRef idx="2">
+            <a:schemeClr val="accent1">
+              <a:shade val="50000"/>
+            </a:schemeClr>
+          </a:lnRef>
+          <a:fillRef idx="1">
+            <a:schemeClr val="accent1"/>
+          </a:fillRef>
+          <a:effectRef idx="0">
+            <a:schemeClr val="accent1"/>
+          </a:effectRef>
+          <a:fontRef idx="minor">
+            <a:schemeClr val="lt1"/>
+          </a:fontRef>
+        </p:style>
+        <p:txBody>
+          <a:bodyPr rtlCol="0" anchor="ctr"/>
+          <a:lstStyle/>
+          <a:p>
+            <a:pPr algn="ctr"/>
+            <a:endParaRPr lang="fr-FR"/>
           </a:p>
         </p:txBody>
       </p:sp>
     </p:spTree>
     <p:extLst>
       <p:ext uri="{BB962C8B-B14F-4D97-AF65-F5344CB8AC3E}">
-        <p14:creationId xmlns:p14="http://schemas.microsoft.com/office/powerpoint/2010/main" val="1705201438"/>
+        <p14:creationId xmlns:p14="http://schemas.microsoft.com/office/powerpoint/2010/main" val="81419236"/>
       </p:ext>
     </p:extLst>
   </p:cSld>
   <p:clrMapOvr>
     <a:masterClrMapping/>
   </p:clrMapOvr>
+  <p:timing>
+    <p:tnLst>
+      <p:par>
+        <p:cTn id="1" dur="indefinite" restart="never" nodeType="tmRoot"/>
+      </p:par>
+    </p:tnLst>
+  </p:timing>
 </p:sld>
 </file>
 

--- a/présentation.pptx
+++ b/présentation.pptx
@@ -3674,11 +3674,7 @@
           <a:p>
             <a:r>
               <a:rPr lang="fr-FR" dirty="0" smtClean="0"/>
-              <a:t>PHP</a:t>
-            </a:r>
-            <a:r>
-              <a:rPr lang="fr-FR" dirty="0" smtClean="0"/>
-              <a:t>/HTML/CSS/JS</a:t>
+              <a:t>PHP/HTML/CSS/JS</a:t>
             </a:r>
             <a:endParaRPr lang="fr-FR" dirty="0"/>
           </a:p>
@@ -4155,11 +4151,7 @@
           <a:p>
             <a:r>
               <a:rPr lang="fr-FR" dirty="0" smtClean="0"/>
-              <a:t>PHP</a:t>
-            </a:r>
-            <a:r>
-              <a:rPr lang="fr-FR" dirty="0" smtClean="0"/>
-              <a:t>/HTML/CSS/JS</a:t>
+              <a:t>PHP/HTML/CSS/JS</a:t>
             </a:r>
             <a:endParaRPr lang="fr-FR" dirty="0"/>
           </a:p>
@@ -5214,7 +5206,15 @@
             </a:r>
             <a:r>
               <a:rPr lang="fr-FR" dirty="0" smtClean="0"/>
-              <a:t>XML </a:t>
+              <a:t>.</a:t>
+            </a:r>
+            <a:r>
+              <a:rPr lang="fr-FR" dirty="0" err="1" smtClean="0"/>
+              <a:t>txt</a:t>
+            </a:r>
+            <a:r>
+              <a:rPr lang="fr-FR" dirty="0" smtClean="0"/>
+              <a:t> </a:t>
             </a:r>
             <a:r>
               <a:rPr lang="fr-FR" dirty="0"/>
@@ -5330,7 +5330,7 @@
       </p:pic>
       <p:pic>
         <p:nvPicPr>
-          <p:cNvPr id="6" name="Image 5"/>
+          <p:cNvPr id="7" name="Image 6"/>
           <p:cNvPicPr>
             <a:picLocks noChangeAspect="1"/>
           </p:cNvPicPr>
@@ -5350,8 +5350,8 @@
         </p:blipFill>
         <p:spPr>
           <a:xfrm>
-            <a:off x="7197214" y="1592336"/>
-            <a:ext cx="1479997" cy="1479997"/>
+            <a:off x="9410648" y="3519349"/>
+            <a:ext cx="1933563" cy="1055328"/>
           </a:xfrm>
           <a:prstGeom prst="rect">
             <a:avLst/>
@@ -5360,7 +5360,7 @@
       </p:pic>
       <p:pic>
         <p:nvPicPr>
-          <p:cNvPr id="7" name="Image 6"/>
+          <p:cNvPr id="4" name="Image 3"/>
           <p:cNvPicPr>
             <a:picLocks noChangeAspect="1"/>
           </p:cNvPicPr>
@@ -5380,17 +5380,139 @@
         </p:blipFill>
         <p:spPr>
           <a:xfrm>
-            <a:off x="9410648" y="3519349"/>
-            <a:ext cx="1933563" cy="1055328"/>
+            <a:off x="8648574" y="2917899"/>
+            <a:ext cx="1977712" cy="1067964"/>
           </a:xfrm>
           <a:prstGeom prst="rect">
             <a:avLst/>
           </a:prstGeom>
         </p:spPr>
       </p:pic>
+      <p:cxnSp>
+        <p:nvCxnSpPr>
+          <p:cNvPr id="10" name="Connecteur en arc 9"/>
+          <p:cNvCxnSpPr/>
+          <p:nvPr/>
+        </p:nvCxnSpPr>
+        <p:spPr>
+          <a:xfrm>
+            <a:off x="8822028" y="2198390"/>
+            <a:ext cx="1555401" cy="686479"/>
+          </a:xfrm>
+          <a:prstGeom prst="curvedConnector3">
+            <a:avLst>
+              <a:gd name="adj1" fmla="val 103821"/>
+            </a:avLst>
+          </a:prstGeom>
+          <a:ln w="76200">
+            <a:solidFill>
+              <a:schemeClr val="bg1"/>
+            </a:solidFill>
+            <a:tailEnd type="triangle"/>
+          </a:ln>
+        </p:spPr>
+        <p:style>
+          <a:lnRef idx="1">
+            <a:schemeClr val="accent1"/>
+          </a:lnRef>
+          <a:fillRef idx="0">
+            <a:schemeClr val="accent1"/>
+          </a:fillRef>
+          <a:effectRef idx="0">
+            <a:schemeClr val="accent1"/>
+          </a:effectRef>
+          <a:fontRef idx="minor">
+            <a:schemeClr val="tx1"/>
+          </a:fontRef>
+        </p:style>
+      </p:cxnSp>
+      <p:sp>
+        <p:nvSpPr>
+          <p:cNvPr id="15" name="ZoneTexte 14"/>
+          <p:cNvSpPr txBox="1"/>
+          <p:nvPr/>
+        </p:nvSpPr>
+        <p:spPr>
+          <a:xfrm>
+            <a:off x="6429848" y="4232223"/>
+            <a:ext cx="437882" cy="1015663"/>
+          </a:xfrm>
+          <a:prstGeom prst="rect">
+            <a:avLst/>
+          </a:prstGeom>
+          <a:noFill/>
+        </p:spPr>
+        <p:txBody>
+          <a:bodyPr wrap="square" rtlCol="0">
+            <a:spAutoFit/>
+          </a:bodyPr>
+          <a:lstStyle/>
+          <a:p>
+            <a:r>
+              <a:rPr lang="fr-FR" sz="6000" dirty="0" smtClean="0">
+                <a:solidFill>
+                  <a:schemeClr val="bg1"/>
+                </a:solidFill>
+              </a:rPr>
+              <a:t>+</a:t>
+            </a:r>
+            <a:endParaRPr lang="fr-FR" sz="6000" dirty="0">
+              <a:solidFill>
+                <a:schemeClr val="bg1"/>
+              </a:solidFill>
+            </a:endParaRPr>
+          </a:p>
+        </p:txBody>
+      </p:sp>
+      <p:sp>
+        <p:nvSpPr>
+          <p:cNvPr id="11" name="Rectangle à coins arrondis 10"/>
+          <p:cNvSpPr/>
+          <p:nvPr/>
+        </p:nvSpPr>
+        <p:spPr>
+          <a:xfrm>
+            <a:off x="7562851" y="1502579"/>
+            <a:ext cx="1129736" cy="1497795"/>
+          </a:xfrm>
+          <a:prstGeom prst="roundRect">
+            <a:avLst/>
+          </a:prstGeom>
+          <a:solidFill>
+            <a:schemeClr val="bg1"/>
+          </a:solidFill>
+          <a:ln>
+            <a:noFill/>
+          </a:ln>
+        </p:spPr>
+        <p:style>
+          <a:lnRef idx="2">
+            <a:schemeClr val="accent1">
+              <a:shade val="50000"/>
+            </a:schemeClr>
+          </a:lnRef>
+          <a:fillRef idx="1">
+            <a:schemeClr val="accent1"/>
+          </a:fillRef>
+          <a:effectRef idx="0">
+            <a:schemeClr val="accent1"/>
+          </a:effectRef>
+          <a:fontRef idx="minor">
+            <a:schemeClr val="lt1"/>
+          </a:fontRef>
+        </p:style>
+        <p:txBody>
+          <a:bodyPr rtlCol="0" anchor="ctr"/>
+          <a:lstStyle/>
+          <a:p>
+            <a:pPr algn="ctr"/>
+            <a:endParaRPr lang="fr-FR"/>
+          </a:p>
+        </p:txBody>
+      </p:sp>
       <p:pic>
         <p:nvPicPr>
-          <p:cNvPr id="4" name="Image 3"/>
+          <p:cNvPr id="9" name="Image 8"/>
           <p:cNvPicPr>
             <a:picLocks noChangeAspect="1"/>
           </p:cNvPicPr>
@@ -5410,90 +5532,14 @@
         </p:blipFill>
         <p:spPr>
           <a:xfrm>
-            <a:off x="8648574" y="2917899"/>
-            <a:ext cx="1977712" cy="1067964"/>
+            <a:off x="7467601" y="1568140"/>
+            <a:ext cx="1354428" cy="1354428"/>
           </a:xfrm>
           <a:prstGeom prst="rect">
             <a:avLst/>
           </a:prstGeom>
         </p:spPr>
       </p:pic>
-      <p:cxnSp>
-        <p:nvCxnSpPr>
-          <p:cNvPr id="10" name="Connecteur en arc 9"/>
-          <p:cNvCxnSpPr/>
-          <p:nvPr/>
-        </p:nvCxnSpPr>
-        <p:spPr>
-          <a:xfrm>
-            <a:off x="8822028" y="2198390"/>
-            <a:ext cx="1555401" cy="686479"/>
-          </a:xfrm>
-          <a:prstGeom prst="curvedConnector3">
-            <a:avLst>
-              <a:gd name="adj1" fmla="val 103821"/>
-            </a:avLst>
-          </a:prstGeom>
-          <a:ln w="76200">
-            <a:solidFill>
-              <a:schemeClr val="bg1"/>
-            </a:solidFill>
-            <a:tailEnd type="triangle"/>
-          </a:ln>
-        </p:spPr>
-        <p:style>
-          <a:lnRef idx="1">
-            <a:schemeClr val="accent1"/>
-          </a:lnRef>
-          <a:fillRef idx="0">
-            <a:schemeClr val="accent1"/>
-          </a:fillRef>
-          <a:effectRef idx="0">
-            <a:schemeClr val="accent1"/>
-          </a:effectRef>
-          <a:fontRef idx="minor">
-            <a:schemeClr val="tx1"/>
-          </a:fontRef>
-        </p:style>
-      </p:cxnSp>
-      <p:sp>
-        <p:nvSpPr>
-          <p:cNvPr id="15" name="ZoneTexte 14"/>
-          <p:cNvSpPr txBox="1"/>
-          <p:nvPr/>
-        </p:nvSpPr>
-        <p:spPr>
-          <a:xfrm>
-            <a:off x="6429848" y="4232223"/>
-            <a:ext cx="437882" cy="1015663"/>
-          </a:xfrm>
-          <a:prstGeom prst="rect">
-            <a:avLst/>
-          </a:prstGeom>
-          <a:noFill/>
-        </p:spPr>
-        <p:txBody>
-          <a:bodyPr wrap="square" rtlCol="0">
-            <a:spAutoFit/>
-          </a:bodyPr>
-          <a:lstStyle/>
-          <a:p>
-            <a:r>
-              <a:rPr lang="fr-FR" sz="6000" dirty="0" smtClean="0">
-                <a:solidFill>
-                  <a:schemeClr val="bg1"/>
-                </a:solidFill>
-              </a:rPr>
-              <a:t>+</a:t>
-            </a:r>
-            <a:endParaRPr lang="fr-FR" sz="6000" dirty="0">
-              <a:solidFill>
-                <a:schemeClr val="bg1"/>
-              </a:solidFill>
-            </a:endParaRPr>
-          </a:p>
-        </p:txBody>
-      </p:sp>
     </p:spTree>
     <p:extLst>
       <p:ext uri="{BB962C8B-B14F-4D97-AF65-F5344CB8AC3E}">
